--- a/Plants presentation.pptx
+++ b/Plants presentation.pptx
@@ -10,7 +10,10 @@
     <p:sldId id="258" r:id="rId4"/>
     <p:sldId id="259" r:id="rId5"/>
     <p:sldId id="260" r:id="rId6"/>
-    <p:sldId id="261" r:id="rId7"/>
+    <p:sldId id="265" r:id="rId7"/>
+    <p:sldId id="262" r:id="rId8"/>
+    <p:sldId id="263" r:id="rId9"/>
+    <p:sldId id="266" r:id="rId10"/>
   </p:sldIdLst>
   <p:sldSz cx="9144000" cy="6858000" type="screen4x3"/>
   <p:notesSz cx="6858000" cy="9144000"/>
@@ -15043,7 +15046,47 @@
             </a:pPr>
             <a:r>
               <a:rPr lang="en-US" b="1" dirty="0" smtClean="0"/>
-              <a:t>What our web shop offers:</a:t>
+              <a:t>What our web shop offers</a:t>
+            </a:r>
+            <a:r>
+              <a:rPr lang="en-US" b="1" dirty="0" smtClean="0"/>
+              <a:t>: </a:t>
+            </a:r>
+            <a:r>
+              <a:rPr lang="en-US" b="1" dirty="0" smtClean="0">
+                <a:sym typeface="Wingdings"/>
+              </a:rPr>
+              <a:t> </a:t>
+            </a:r>
+            <a:r>
+              <a:rPr lang="en-US" b="1" dirty="0" smtClean="0">
+                <a:sym typeface="Wingdings"/>
+              </a:rPr>
+              <a:t>Task </a:t>
+            </a:r>
+            <a:r>
+              <a:rPr lang="en-US" b="1" dirty="0" err="1" smtClean="0">
+                <a:sym typeface="Wingdings"/>
+              </a:rPr>
+              <a:t>N</a:t>
+            </a:r>
+            <a:r>
+              <a:rPr lang="en-US" b="1" dirty="0" err="1" smtClean="0">
+                <a:sym typeface="Wingdings"/>
+              </a:rPr>
+              <a:t>ummer</a:t>
+            </a:r>
+            <a:r>
+              <a:rPr lang="en-US" b="1" dirty="0" err="1" smtClean="0">
+                <a:sym typeface="Wingdings"/>
+              </a:rPr>
+              <a:t>n</a:t>
+            </a:r>
+            <a:r>
+              <a:rPr lang="en-US" b="1" dirty="0" smtClean="0">
+                <a:sym typeface="Wingdings"/>
+              </a:rPr>
+              <a:t> rein</a:t>
             </a:r>
             <a:endParaRPr lang="en-US" dirty="0"/>
           </a:p>
@@ -15216,6 +15259,104 @@
           <a:chExt cx="0" cy="0"/>
         </a:xfrm>
       </p:grpSpPr>
+      <p:pic>
+        <p:nvPicPr>
+          <p:cNvPr id="6" name="Picture 5" descr="Logo_Plant_Front.jpg"/>
+          <p:cNvPicPr>
+            <a:picLocks noChangeAspect="1"/>
+          </p:cNvPicPr>
+          <p:nvPr/>
+        </p:nvPicPr>
+        <p:blipFill>
+          <a:blip r:embed="rId2">
+            <a:extLst>
+              <a:ext uri="{28A0092B-C50C-407E-A947-70E740481C1C}">
+                <a14:useLocalDpi xmlns:a14="http://schemas.microsoft.com/office/drawing/2010/main" val="0"/>
+              </a:ext>
+            </a:extLst>
+          </a:blip>
+          <a:stretch>
+            <a:fillRect/>
+          </a:stretch>
+        </p:blipFill>
+        <p:spPr>
+          <a:xfrm>
+            <a:off x="7753746" y="5593793"/>
+            <a:ext cx="827675" cy="803115"/>
+          </a:xfrm>
+          <a:prstGeom prst="rect">
+            <a:avLst/>
+          </a:prstGeom>
+        </p:spPr>
+      </p:pic>
+      <p:sp>
+        <p:nvSpPr>
+          <p:cNvPr id="8" name="TextBox 7"/>
+          <p:cNvSpPr txBox="1"/>
+          <p:nvPr/>
+        </p:nvSpPr>
+        <p:spPr>
+          <a:xfrm>
+            <a:off x="4650188" y="105040"/>
+            <a:ext cx="3752609" cy="369332"/>
+          </a:xfrm>
+          <a:prstGeom prst="rect">
+            <a:avLst/>
+          </a:prstGeom>
+          <a:noFill/>
+        </p:spPr>
+        <p:txBody>
+          <a:bodyPr wrap="square" rtlCol="0">
+            <a:spAutoFit/>
+          </a:bodyPr>
+          <a:lstStyle/>
+          <a:p>
+            <a:r>
+              <a:rPr lang="en-US" dirty="0" smtClean="0">
+                <a:solidFill>
+                  <a:schemeClr val="bg1"/>
+                </a:solidFill>
+              </a:rPr>
+              <a:t>Work distribution among team</a:t>
+            </a:r>
+            <a:endParaRPr lang="en-US" dirty="0">
+              <a:solidFill>
+                <a:schemeClr val="bg1"/>
+              </a:solidFill>
+            </a:endParaRPr>
+          </a:p>
+        </p:txBody>
+      </p:sp>
+    </p:spTree>
+    <p:extLst>
+      <p:ext uri="{BB962C8B-B14F-4D97-AF65-F5344CB8AC3E}">
+        <p14:creationId xmlns:p14="http://schemas.microsoft.com/office/powerpoint/2010/main" val="1608999597"/>
+      </p:ext>
+    </p:extLst>
+  </p:cSld>
+  <p:clrMapOvr>
+    <a:masterClrMapping/>
+  </p:clrMapOvr>
+</p:sld>
+</file>
+
+<file path=ppt/slides/slide7.xml><?xml version="1.0" encoding="utf-8"?>
+<p:sld xmlns:a="http://schemas.openxmlformats.org/drawingml/2006/main" xmlns:r="http://schemas.openxmlformats.org/officeDocument/2006/relationships" xmlns:p="http://schemas.openxmlformats.org/presentationml/2006/main">
+  <p:cSld>
+    <p:spTree>
+      <p:nvGrpSpPr>
+        <p:cNvPr id="1" name=""/>
+        <p:cNvGrpSpPr/>
+        <p:nvPr/>
+      </p:nvGrpSpPr>
+      <p:grpSpPr>
+        <a:xfrm>
+          <a:off x="0" y="0"/>
+          <a:ext cx="0" cy="0"/>
+          <a:chOff x="0" y="0"/>
+          <a:chExt cx="0" cy="0"/>
+        </a:xfrm>
+      </p:grpSpPr>
       <p:sp>
         <p:nvSpPr>
           <p:cNvPr id="3" name="Content Placeholder 2"/>
@@ -15243,7 +15384,7 @@
             </a:pPr>
             <a:r>
               <a:rPr lang="en-US" b="1" dirty="0" smtClean="0"/>
-              <a:t>Setup:</a:t>
+              <a:t>Technologies used:</a:t>
             </a:r>
             <a:endParaRPr lang="en-US" dirty="0"/>
           </a:p>
@@ -15362,8 +15503,8 @@
         </p:nvSpPr>
         <p:spPr>
           <a:xfrm>
-            <a:off x="4745669" y="105040"/>
-            <a:ext cx="3294273" cy="369332"/>
+            <a:off x="5204021" y="105040"/>
+            <a:ext cx="2272567" cy="369332"/>
           </a:xfrm>
           <a:prstGeom prst="rect">
             <a:avLst/>
@@ -15382,7 +15523,7 @@
                   <a:schemeClr val="bg1"/>
                 </a:solidFill>
               </a:rPr>
-              <a:t>Basic setup of our web shop</a:t>
+              <a:t>Technologies used</a:t>
             </a:r>
             <a:endParaRPr lang="en-US" dirty="0">
               <a:solidFill>
@@ -15395,7 +15536,249 @@
     </p:spTree>
     <p:extLst>
       <p:ext uri="{BB962C8B-B14F-4D97-AF65-F5344CB8AC3E}">
-        <p14:creationId xmlns:p14="http://schemas.microsoft.com/office/powerpoint/2010/main" val="411297970"/>
+        <p14:creationId xmlns:p14="http://schemas.microsoft.com/office/powerpoint/2010/main" val="3879920642"/>
+      </p:ext>
+    </p:extLst>
+  </p:cSld>
+  <p:clrMapOvr>
+    <a:masterClrMapping/>
+  </p:clrMapOvr>
+</p:sld>
+</file>
+
+<file path=ppt/slides/slide8.xml><?xml version="1.0" encoding="utf-8"?>
+<p:sld xmlns:a="http://schemas.openxmlformats.org/drawingml/2006/main" xmlns:r="http://schemas.openxmlformats.org/officeDocument/2006/relationships" xmlns:p="http://schemas.openxmlformats.org/presentationml/2006/main">
+  <p:cSld>
+    <p:spTree>
+      <p:nvGrpSpPr>
+        <p:cNvPr id="1" name=""/>
+        <p:cNvGrpSpPr/>
+        <p:nvPr/>
+      </p:nvGrpSpPr>
+      <p:grpSpPr>
+        <a:xfrm>
+          <a:off x="0" y="0"/>
+          <a:ext cx="0" cy="0"/>
+          <a:chOff x="0" y="0"/>
+          <a:chExt cx="0" cy="0"/>
+        </a:xfrm>
+      </p:grpSpPr>
+      <p:pic>
+        <p:nvPicPr>
+          <p:cNvPr id="6" name="Picture 5" descr="Logo_Plant_Front.jpg"/>
+          <p:cNvPicPr>
+            <a:picLocks noChangeAspect="1"/>
+          </p:cNvPicPr>
+          <p:nvPr/>
+        </p:nvPicPr>
+        <p:blipFill>
+          <a:blip r:embed="rId2">
+            <a:extLst>
+              <a:ext uri="{28A0092B-C50C-407E-A947-70E740481C1C}">
+                <a14:useLocalDpi xmlns:a14="http://schemas.microsoft.com/office/drawing/2010/main" val="0"/>
+              </a:ext>
+            </a:extLst>
+          </a:blip>
+          <a:stretch>
+            <a:fillRect/>
+          </a:stretch>
+        </p:blipFill>
+        <p:spPr>
+          <a:xfrm>
+            <a:off x="7753746" y="5593793"/>
+            <a:ext cx="827675" cy="803115"/>
+          </a:xfrm>
+          <a:prstGeom prst="rect">
+            <a:avLst/>
+          </a:prstGeom>
+        </p:spPr>
+      </p:pic>
+      <p:sp>
+        <p:nvSpPr>
+          <p:cNvPr id="8" name="TextBox 7"/>
+          <p:cNvSpPr txBox="1"/>
+          <p:nvPr/>
+        </p:nvSpPr>
+        <p:spPr>
+          <a:xfrm>
+            <a:off x="5251766" y="105040"/>
+            <a:ext cx="2005189" cy="369332"/>
+          </a:xfrm>
+          <a:prstGeom prst="rect">
+            <a:avLst/>
+          </a:prstGeom>
+          <a:noFill/>
+        </p:spPr>
+        <p:txBody>
+          <a:bodyPr wrap="square" rtlCol="0">
+            <a:spAutoFit/>
+          </a:bodyPr>
+          <a:lstStyle/>
+          <a:p>
+            <a:r>
+              <a:rPr lang="en-US" dirty="0" smtClean="0">
+                <a:solidFill>
+                  <a:schemeClr val="bg1"/>
+                </a:solidFill>
+              </a:rPr>
+              <a:t>Lessons learned</a:t>
+            </a:r>
+            <a:endParaRPr lang="en-US" dirty="0">
+              <a:solidFill>
+                <a:schemeClr val="bg1"/>
+              </a:solidFill>
+            </a:endParaRPr>
+          </a:p>
+        </p:txBody>
+      </p:sp>
+      <p:sp>
+        <p:nvSpPr>
+          <p:cNvPr id="2" name="Content Placeholder 1"/>
+          <p:cNvSpPr>
+            <a:spLocks noGrp="1"/>
+          </p:cNvSpPr>
+          <p:nvPr>
+            <p:ph idx="1"/>
+          </p:nvPr>
+        </p:nvSpPr>
+        <p:spPr/>
+        <p:txBody>
+          <a:bodyPr/>
+          <a:lstStyle/>
+          <a:p>
+            <a:endParaRPr lang="en-US"/>
+          </a:p>
+        </p:txBody>
+      </p:sp>
+    </p:spTree>
+    <p:extLst>
+      <p:ext uri="{BB962C8B-B14F-4D97-AF65-F5344CB8AC3E}">
+        <p14:creationId xmlns:p14="http://schemas.microsoft.com/office/powerpoint/2010/main" val="3320805856"/>
+      </p:ext>
+    </p:extLst>
+  </p:cSld>
+  <p:clrMapOvr>
+    <a:masterClrMapping/>
+  </p:clrMapOvr>
+</p:sld>
+</file>
+
+<file path=ppt/slides/slide9.xml><?xml version="1.0" encoding="utf-8"?>
+<p:sld xmlns:a="http://schemas.openxmlformats.org/drawingml/2006/main" xmlns:r="http://schemas.openxmlformats.org/officeDocument/2006/relationships" xmlns:p="http://schemas.openxmlformats.org/presentationml/2006/main">
+  <p:cSld>
+    <p:spTree>
+      <p:nvGrpSpPr>
+        <p:cNvPr id="1" name=""/>
+        <p:cNvGrpSpPr/>
+        <p:nvPr/>
+      </p:nvGrpSpPr>
+      <p:grpSpPr>
+        <a:xfrm>
+          <a:off x="0" y="0"/>
+          <a:ext cx="0" cy="0"/>
+          <a:chOff x="0" y="0"/>
+          <a:chExt cx="0" cy="0"/>
+        </a:xfrm>
+      </p:grpSpPr>
+      <p:pic>
+        <p:nvPicPr>
+          <p:cNvPr id="6" name="Picture 5" descr="Logo_Plant_Front.jpg"/>
+          <p:cNvPicPr>
+            <a:picLocks noChangeAspect="1"/>
+          </p:cNvPicPr>
+          <p:nvPr/>
+        </p:nvPicPr>
+        <p:blipFill>
+          <a:blip r:embed="rId2">
+            <a:extLst>
+              <a:ext uri="{28A0092B-C50C-407E-A947-70E740481C1C}">
+                <a14:useLocalDpi xmlns:a14="http://schemas.microsoft.com/office/drawing/2010/main" val="0"/>
+              </a:ext>
+            </a:extLst>
+          </a:blip>
+          <a:stretch>
+            <a:fillRect/>
+          </a:stretch>
+        </p:blipFill>
+        <p:spPr>
+          <a:xfrm>
+            <a:off x="7753746" y="5593793"/>
+            <a:ext cx="827675" cy="803115"/>
+          </a:xfrm>
+          <a:prstGeom prst="rect">
+            <a:avLst/>
+          </a:prstGeom>
+        </p:spPr>
+      </p:pic>
+      <p:sp>
+        <p:nvSpPr>
+          <p:cNvPr id="8" name="TextBox 7"/>
+          <p:cNvSpPr txBox="1"/>
+          <p:nvPr/>
+        </p:nvSpPr>
+        <p:spPr>
+          <a:xfrm>
+            <a:off x="5748314" y="105040"/>
+            <a:ext cx="1384527" cy="369332"/>
+          </a:xfrm>
+          <a:prstGeom prst="rect">
+            <a:avLst/>
+          </a:prstGeom>
+          <a:noFill/>
+        </p:spPr>
+        <p:txBody>
+          <a:bodyPr wrap="square" rtlCol="0">
+            <a:spAutoFit/>
+          </a:bodyPr>
+          <a:lstStyle/>
+          <a:p>
+            <a:r>
+              <a:rPr lang="en-US" dirty="0" smtClean="0">
+                <a:solidFill>
+                  <a:schemeClr val="bg1"/>
+                </a:solidFill>
+              </a:rPr>
+              <a:t>LIVE DEMO</a:t>
+            </a:r>
+            <a:endParaRPr lang="en-US" dirty="0">
+              <a:solidFill>
+                <a:schemeClr val="bg1"/>
+              </a:solidFill>
+            </a:endParaRPr>
+          </a:p>
+        </p:txBody>
+      </p:sp>
+      <p:sp>
+        <p:nvSpPr>
+          <p:cNvPr id="2" name="Content Placeholder 1"/>
+          <p:cNvSpPr>
+            <a:spLocks noGrp="1"/>
+          </p:cNvSpPr>
+          <p:nvPr>
+            <p:ph idx="1"/>
+          </p:nvPr>
+        </p:nvSpPr>
+        <p:spPr/>
+        <p:txBody>
+          <a:bodyPr/>
+          <a:lstStyle/>
+          <a:p>
+            <a:r>
+              <a:rPr lang="en-US" dirty="0" smtClean="0"/>
+              <a:t>Screenshot of </a:t>
+            </a:r>
+            <a:r>
+              <a:rPr lang="en-US" dirty="0" err="1" smtClean="0"/>
+              <a:t>plantshop</a:t>
+            </a:r>
+            <a:endParaRPr lang="en-US" dirty="0"/>
+          </a:p>
+        </p:txBody>
+      </p:sp>
+    </p:spTree>
+    <p:extLst>
+      <p:ext uri="{BB962C8B-B14F-4D97-AF65-F5344CB8AC3E}">
+        <p14:creationId xmlns:p14="http://schemas.microsoft.com/office/powerpoint/2010/main" val="3646663073"/>
       </p:ext>
     </p:extLst>
   </p:cSld>

--- a/Plants presentation.pptx
+++ b/Plants presentation.pptx
@@ -10,10 +10,11 @@
     <p:sldId id="258" r:id="rId4"/>
     <p:sldId id="259" r:id="rId5"/>
     <p:sldId id="260" r:id="rId6"/>
-    <p:sldId id="265" r:id="rId7"/>
-    <p:sldId id="262" r:id="rId8"/>
-    <p:sldId id="263" r:id="rId9"/>
-    <p:sldId id="266" r:id="rId10"/>
+    <p:sldId id="267" r:id="rId7"/>
+    <p:sldId id="265" r:id="rId8"/>
+    <p:sldId id="262" r:id="rId9"/>
+    <p:sldId id="263" r:id="rId10"/>
+    <p:sldId id="266" r:id="rId11"/>
   </p:sldIdLst>
   <p:sldSz cx="9144000" cy="6858000" type="screen4x3"/>
   <p:notesSz cx="6858000" cy="9144000"/>
@@ -2873,7 +2874,7 @@
             <a:fld id="{0A98AF03-7270-45C2-A683-C5E353EF01A5}" type="datetime4">
               <a:rPr lang="en-US" smtClean="0"/>
               <a:pPr/>
-              <a:t>January 13, 2015</a:t>
+              <a:t>January 14, 2015</a:t>
             </a:fld>
             <a:endParaRPr lang="en-US" dirty="0"/>
           </a:p>
@@ -3160,7 +3161,7 @@
             <a:fld id="{A2FB5AFD-D735-4504-A039-ADEBB6448D55}" type="datetime4">
               <a:rPr lang="en-US" smtClean="0"/>
               <a:pPr/>
-              <a:t>January 13, 2015</a:t>
+              <a:t>January 14, 2015</a:t>
             </a:fld>
             <a:endParaRPr lang="en-US"/>
           </a:p>
@@ -3337,7 +3338,7 @@
             <a:fld id="{AB5C8118-FB93-4E87-B380-0175F2FE2167}" type="datetime4">
               <a:rPr lang="en-US" smtClean="0"/>
               <a:pPr/>
-              <a:t>January 13, 2015</a:t>
+              <a:t>January 14, 2015</a:t>
             </a:fld>
             <a:endParaRPr lang="en-US"/>
           </a:p>
@@ -3504,7 +3505,7 @@
             <a:fld id="{05A93482-8E69-40F7-BCAD-5662A6CADB27}" type="datetime4">
               <a:rPr lang="en-US" smtClean="0"/>
               <a:pPr/>
-              <a:t>January 13, 2015</a:t>
+              <a:t>January 14, 2015</a:t>
             </a:fld>
             <a:endParaRPr lang="en-US"/>
           </a:p>
@@ -3747,7 +3748,7 @@
             <a:fld id="{FBB7EAE1-CAAC-4AEF-919E-158692B1E55E}" type="datetime4">
               <a:rPr lang="en-US" smtClean="0"/>
               <a:pPr/>
-              <a:t>January 13, 2015</a:t>
+              <a:t>January 14, 2015</a:t>
             </a:fld>
             <a:endParaRPr lang="en-US"/>
           </a:p>
@@ -3862,7 +3863,7 @@
             <a:fld id="{9525A706-D8F2-4D1A-855A-CADC92600C26}" type="datetime4">
               <a:rPr lang="en-US" smtClean="0"/>
               <a:pPr/>
-              <a:t>January 13, 2015</a:t>
+              <a:t>January 14, 2015</a:t>
             </a:fld>
             <a:endParaRPr lang="en-US"/>
           </a:p>
@@ -4403,7 +4404,7 @@
             <a:fld id="{99B4F123-1704-49AC-9D15-C4B1462B8014}" type="datetime4">
               <a:rPr lang="en-US" smtClean="0"/>
               <a:pPr/>
-              <a:t>January 13, 2015</a:t>
+              <a:t>January 14, 2015</a:t>
             </a:fld>
             <a:endParaRPr lang="en-US"/>
           </a:p>
@@ -4518,7 +4519,7 @@
             <a:fld id="{E3127EC2-47FB-48A1-8644-C8A81DDAA119}" type="datetime4">
               <a:rPr lang="en-US" smtClean="0"/>
               <a:pPr/>
-              <a:t>January 13, 2015</a:t>
+              <a:t>January 14, 2015</a:t>
             </a:fld>
             <a:endParaRPr lang="en-US"/>
           </a:p>
@@ -4610,7 +4611,7 @@
             <a:fld id="{AE3EC3ED-7435-49F9-84C8-03CCA2F8DEDB}" type="datetime4">
               <a:rPr lang="en-US" smtClean="0"/>
               <a:pPr/>
-              <a:t>January 13, 2015</a:t>
+              <a:t>January 14, 2015</a:t>
             </a:fld>
             <a:endParaRPr lang="en-US"/>
           </a:p>
@@ -7263,7 +7264,7 @@
             <a:fld id="{3FC49BF1-FCD3-4395-8FF6-0047AF66228E}" type="datetime4">
               <a:rPr lang="en-US" smtClean="0"/>
               <a:pPr/>
-              <a:t>January 13, 2015</a:t>
+              <a:t>January 14, 2015</a:t>
             </a:fld>
             <a:endParaRPr lang="en-US"/>
           </a:p>
@@ -10477,7 +10478,7 @@
             <a:fld id="{CA861222-2C8B-4501-BE87-6797EC025925}" type="datetime4">
               <a:rPr lang="en-US" smtClean="0"/>
               <a:pPr/>
-              <a:t>January 13, 2015</a:t>
+              <a:t>January 14, 2015</a:t>
             </a:fld>
             <a:endParaRPr lang="en-US"/>
           </a:p>
@@ -13301,7 +13302,7 @@
             <a:fld id="{16C01193-8287-4834-A286-6B880643E934}" type="datetime4">
               <a:rPr lang="en-US" smtClean="0"/>
               <a:pPr/>
-              <a:t>January 13, 2015</a:t>
+              <a:t>January 14, 2015</a:t>
             </a:fld>
             <a:endParaRPr lang="en-US"/>
           </a:p>
@@ -13850,6 +13851,131 @@
 </p:sld>
 </file>
 
+<file path=ppt/slides/slide10.xml><?xml version="1.0" encoding="utf-8"?>
+<p:sld xmlns:a="http://schemas.openxmlformats.org/drawingml/2006/main" xmlns:r="http://schemas.openxmlformats.org/officeDocument/2006/relationships" xmlns:p="http://schemas.openxmlformats.org/presentationml/2006/main">
+  <p:cSld>
+    <p:spTree>
+      <p:nvGrpSpPr>
+        <p:cNvPr id="1" name=""/>
+        <p:cNvGrpSpPr/>
+        <p:nvPr/>
+      </p:nvGrpSpPr>
+      <p:grpSpPr>
+        <a:xfrm>
+          <a:off x="0" y="0"/>
+          <a:ext cx="0" cy="0"/>
+          <a:chOff x="0" y="0"/>
+          <a:chExt cx="0" cy="0"/>
+        </a:xfrm>
+      </p:grpSpPr>
+      <p:pic>
+        <p:nvPicPr>
+          <p:cNvPr id="6" name="Picture 5" descr="Logo_Plant_Front.jpg"/>
+          <p:cNvPicPr>
+            <a:picLocks noChangeAspect="1"/>
+          </p:cNvPicPr>
+          <p:nvPr/>
+        </p:nvPicPr>
+        <p:blipFill>
+          <a:blip r:embed="rId2">
+            <a:extLst>
+              <a:ext uri="{28A0092B-C50C-407E-A947-70E740481C1C}">
+                <a14:useLocalDpi xmlns:a14="http://schemas.microsoft.com/office/drawing/2010/main" val="0"/>
+              </a:ext>
+            </a:extLst>
+          </a:blip>
+          <a:stretch>
+            <a:fillRect/>
+          </a:stretch>
+        </p:blipFill>
+        <p:spPr>
+          <a:xfrm>
+            <a:off x="7753746" y="5593793"/>
+            <a:ext cx="827675" cy="803115"/>
+          </a:xfrm>
+          <a:prstGeom prst="rect">
+            <a:avLst/>
+          </a:prstGeom>
+        </p:spPr>
+      </p:pic>
+      <p:sp>
+        <p:nvSpPr>
+          <p:cNvPr id="8" name="TextBox 7"/>
+          <p:cNvSpPr txBox="1"/>
+          <p:nvPr/>
+        </p:nvSpPr>
+        <p:spPr>
+          <a:xfrm>
+            <a:off x="5748314" y="105040"/>
+            <a:ext cx="1384527" cy="369332"/>
+          </a:xfrm>
+          <a:prstGeom prst="rect">
+            <a:avLst/>
+          </a:prstGeom>
+          <a:noFill/>
+        </p:spPr>
+        <p:txBody>
+          <a:bodyPr wrap="square" rtlCol="0">
+            <a:spAutoFit/>
+          </a:bodyPr>
+          <a:lstStyle/>
+          <a:p>
+            <a:r>
+              <a:rPr lang="en-US" dirty="0" smtClean="0">
+                <a:solidFill>
+                  <a:schemeClr val="bg1"/>
+                </a:solidFill>
+              </a:rPr>
+              <a:t>LIVE DEMO</a:t>
+            </a:r>
+            <a:endParaRPr lang="en-US" dirty="0">
+              <a:solidFill>
+                <a:schemeClr val="bg1"/>
+              </a:solidFill>
+            </a:endParaRPr>
+          </a:p>
+        </p:txBody>
+      </p:sp>
+      <p:sp>
+        <p:nvSpPr>
+          <p:cNvPr id="2" name="Content Placeholder 1"/>
+          <p:cNvSpPr>
+            <a:spLocks noGrp="1"/>
+          </p:cNvSpPr>
+          <p:nvPr>
+            <p:ph idx="1"/>
+          </p:nvPr>
+        </p:nvSpPr>
+        <p:spPr/>
+        <p:txBody>
+          <a:bodyPr/>
+          <a:lstStyle/>
+          <a:p>
+            <a:r>
+              <a:rPr lang="en-US" dirty="0" smtClean="0"/>
+              <a:t>Screenshot of </a:t>
+            </a:r>
+            <a:r>
+              <a:rPr lang="en-US" dirty="0" err="1" smtClean="0"/>
+              <a:t>plantshop</a:t>
+            </a:r>
+            <a:endParaRPr lang="en-US" dirty="0"/>
+          </a:p>
+        </p:txBody>
+      </p:sp>
+    </p:spTree>
+    <p:extLst>
+      <p:ext uri="{BB962C8B-B14F-4D97-AF65-F5344CB8AC3E}">
+        <p14:creationId xmlns:p14="http://schemas.microsoft.com/office/powerpoint/2010/main" val="3646663073"/>
+      </p:ext>
+    </p:extLst>
+  </p:cSld>
+  <p:clrMapOvr>
+    <a:masterClrMapping/>
+  </p:clrMapOvr>
+</p:sld>
+</file>
+
 <file path=ppt/slides/slide2.xml><?xml version="1.0" encoding="utf-8"?>
 <p:sld xmlns:a="http://schemas.openxmlformats.org/drawingml/2006/main" xmlns:r="http://schemas.openxmlformats.org/officeDocument/2006/relationships" xmlns:p="http://schemas.openxmlformats.org/presentationml/2006/main">
   <p:cSld>
@@ -15037,7 +15163,7 @@
         </p:spPr>
         <p:txBody>
           <a:bodyPr>
-            <a:normAutofit/>
+            <a:normAutofit fontScale="77500" lnSpcReduction="20000"/>
           </a:bodyPr>
           <a:lstStyle/>
           <a:p>
@@ -15045,119 +15171,108 @@
               <a:buNone/>
             </a:pPr>
             <a:r>
-              <a:rPr lang="en-US" b="1" dirty="0" smtClean="0"/>
-              <a:t>What our web shop offers</a:t>
-            </a:r>
-            <a:r>
-              <a:rPr lang="en-US" b="1" dirty="0" smtClean="0"/>
-              <a:t>: </a:t>
-            </a:r>
-            <a:r>
-              <a:rPr lang="en-US" b="1" dirty="0" smtClean="0">
-                <a:sym typeface="Wingdings"/>
-              </a:rPr>
-              <a:t> </a:t>
-            </a:r>
-            <a:r>
-              <a:rPr lang="en-US" b="1" dirty="0" smtClean="0">
-                <a:sym typeface="Wingdings"/>
-              </a:rPr>
-              <a:t>Task </a:t>
-            </a:r>
-            <a:r>
-              <a:rPr lang="en-US" b="1" dirty="0" err="1" smtClean="0">
-                <a:sym typeface="Wingdings"/>
-              </a:rPr>
-              <a:t>N</a:t>
-            </a:r>
-            <a:r>
-              <a:rPr lang="en-US" b="1" dirty="0" err="1" smtClean="0">
-                <a:sym typeface="Wingdings"/>
-              </a:rPr>
-              <a:t>ummer</a:t>
-            </a:r>
-            <a:r>
-              <a:rPr lang="en-US" b="1" dirty="0" err="1" smtClean="0">
-                <a:sym typeface="Wingdings"/>
-              </a:rPr>
-              <a:t>n</a:t>
-            </a:r>
-            <a:r>
-              <a:rPr lang="en-US" b="1" dirty="0" smtClean="0">
-                <a:sym typeface="Wingdings"/>
-              </a:rPr>
-              <a:t> rein</a:t>
-            </a:r>
-            <a:endParaRPr lang="en-US" dirty="0"/>
-          </a:p>
-          <a:p>
-            <a:r>
-              <a:rPr lang="en-US" sz="2200" dirty="0" smtClean="0"/>
-              <a:t>You can choose from a selection of plants, including their characteristics (such as pouring frequency, sunlight exposure etc.)</a:t>
-            </a:r>
-          </a:p>
-          <a:p>
-            <a:r>
-              <a:rPr lang="en-US" sz="2200" dirty="0"/>
-              <a:t>Select appropriate accessories (pots, fertilizer)</a:t>
-            </a:r>
-          </a:p>
-          <a:p>
-            <a:r>
-              <a:rPr lang="en-US" sz="2200" dirty="0" smtClean="0"/>
-              <a:t>Register/Login with your user credentials</a:t>
-            </a:r>
-          </a:p>
-          <a:p>
-            <a:r>
-              <a:rPr lang="en-US" sz="2200" dirty="0" smtClean="0"/>
-              <a:t>Search functionality, if you are looking for a specific plant</a:t>
-            </a:r>
-          </a:p>
-          <a:p>
-            <a:r>
-              <a:rPr lang="en-US" sz="2200" dirty="0" smtClean="0"/>
-              <a:t>Whole order process with shopping cart</a:t>
-            </a:r>
-          </a:p>
-          <a:p>
-            <a:r>
-              <a:rPr lang="en-US" sz="2200" dirty="0" smtClean="0"/>
-              <a:t>Appealing design to suggest professionalism</a:t>
-            </a:r>
-          </a:p>
-          <a:p>
-            <a:r>
-              <a:rPr lang="en-US" sz="2200" dirty="0" smtClean="0"/>
-              <a:t>Administrator part with workflow tool</a:t>
-            </a:r>
-          </a:p>
-          <a:p>
-            <a:r>
-              <a:rPr lang="en-US" sz="2200" dirty="0" smtClean="0"/>
-              <a:t>Plant wizard, who helps you choose the right plant for you</a:t>
-            </a:r>
-          </a:p>
-          <a:p>
-            <a:pPr marL="68580" indent="0">
-              <a:buNone/>
-            </a:pPr>
-            <a:endParaRPr lang="en-US" sz="1600" dirty="0" smtClean="0"/>
-          </a:p>
-          <a:p>
-            <a:pPr marL="68580" indent="0">
-              <a:buNone/>
-            </a:pPr>
-            <a:endParaRPr lang="en-US" dirty="0" smtClean="0"/>
-          </a:p>
-          <a:p>
-            <a:pPr marL="68580" indent="0">
-              <a:buNone/>
-            </a:pPr>
-            <a:endParaRPr lang="en-US" dirty="0"/>
-          </a:p>
-          <a:p>
-            <a:endParaRPr lang="en-US" dirty="0"/>
+              <a:rPr lang="en-US" sz="2700" b="1" dirty="0" smtClean="0"/>
+              <a:t>What our web shop </a:t>
+            </a:r>
+            <a:r>
+              <a:rPr lang="en-US" sz="2700" b="1" dirty="0" smtClean="0"/>
+              <a:t>offers:</a:t>
+            </a:r>
+          </a:p>
+          <a:p>
+            <a:r>
+              <a:rPr lang="en-US" sz="2500" dirty="0" smtClean="0"/>
+              <a:t>Navigating through the product pages (rooms) with an intuitive and appealing design</a:t>
+            </a:r>
+          </a:p>
+          <a:p>
+            <a:pPr lvl="1"/>
+            <a:r>
+              <a:rPr lang="en-US" sz="2500" dirty="0" smtClean="0"/>
+              <a:t>Includes tasks: 1.4 / 2.1 / 2.2 / 3.1 / 3.2 / 4.1-4.3 / 5.1 / 7.3</a:t>
+            </a:r>
+            <a:endParaRPr lang="en-US" sz="2500" dirty="0"/>
+          </a:p>
+          <a:p>
+            <a:r>
+              <a:rPr lang="en-US" sz="2500" dirty="0" smtClean="0"/>
+              <a:t>All sites are available in two languages, choice is stored in cookies</a:t>
+            </a:r>
+          </a:p>
+          <a:p>
+            <a:pPr lvl="1"/>
+            <a:r>
+              <a:rPr lang="en-US" sz="2500" dirty="0" smtClean="0"/>
+              <a:t>Includes tasks: 5.3 / 8.1</a:t>
+            </a:r>
+          </a:p>
+          <a:p>
+            <a:r>
+              <a:rPr lang="en-US" sz="2500" dirty="0" smtClean="0"/>
+              <a:t>You can </a:t>
+            </a:r>
+            <a:r>
+              <a:rPr lang="en-US" sz="2500" dirty="0"/>
+              <a:t>choose from a selection of </a:t>
+            </a:r>
+            <a:r>
+              <a:rPr lang="en-US" sz="2500" dirty="0" smtClean="0"/>
+              <a:t>plants and add them to your shopping cart, the shopping cart object is stored in a session</a:t>
+            </a:r>
+          </a:p>
+          <a:p>
+            <a:pPr lvl="1"/>
+            <a:r>
+              <a:rPr lang="en-US" sz="2500" dirty="0"/>
+              <a:t>Includes tasks: 1.1 / </a:t>
+            </a:r>
+            <a:r>
+              <a:rPr lang="en-US" sz="2500" dirty="0" smtClean="0"/>
+              <a:t>1.2 </a:t>
+            </a:r>
+            <a:r>
+              <a:rPr lang="en-US" sz="2500" dirty="0"/>
+              <a:t>/ </a:t>
+            </a:r>
+            <a:r>
+              <a:rPr lang="en-US" sz="2500" dirty="0" smtClean="0"/>
+              <a:t>2.1/ 6.1 / 8.3 / 9.1</a:t>
+            </a:r>
+          </a:p>
+          <a:p>
+            <a:r>
+              <a:rPr lang="en-US" sz="2500" dirty="0" smtClean="0"/>
+              <a:t>After selecting a plant, you can proceed with the checkout process and enter your address</a:t>
+            </a:r>
+          </a:p>
+          <a:p>
+            <a:pPr lvl="1"/>
+            <a:r>
+              <a:rPr lang="en-US" sz="2500" dirty="0" smtClean="0"/>
+              <a:t>Includes tasks: 6.2-6.5 / 7.1 / 7.2</a:t>
+            </a:r>
+          </a:p>
+          <a:p>
+            <a:r>
+              <a:rPr lang="en-US" sz="2500" dirty="0" smtClean="0"/>
+              <a:t>Every plant </a:t>
+            </a:r>
+            <a:r>
+              <a:rPr lang="en-US" sz="2500" dirty="0"/>
+              <a:t>can have multiple characteristics (such as pouring frequency, sunlight exposure etc.)  and accessories, which are all stored in a </a:t>
+            </a:r>
+            <a:r>
+              <a:rPr lang="en-US" sz="2500" dirty="0" smtClean="0"/>
+              <a:t>database and are accessed by web shop</a:t>
+            </a:r>
+          </a:p>
+          <a:p>
+            <a:pPr lvl="1"/>
+            <a:r>
+              <a:rPr lang="en-US" sz="2500" dirty="0" smtClean="0"/>
+              <a:t>Includes tasks: 9.2 / 9.3 / 10.1-10.3</a:t>
+            </a:r>
+            <a:endParaRPr lang="en-US" sz="2500" dirty="0"/>
           </a:p>
         </p:txBody>
       </p:sp>
@@ -15243,6 +15358,272 @@
 </file>
 
 <file path=ppt/slides/slide6.xml><?xml version="1.0" encoding="utf-8"?>
+<p:sld xmlns:a="http://schemas.openxmlformats.org/drawingml/2006/main" xmlns:r="http://schemas.openxmlformats.org/officeDocument/2006/relationships" xmlns:p="http://schemas.openxmlformats.org/presentationml/2006/main">
+  <p:cSld>
+    <p:spTree>
+      <p:nvGrpSpPr>
+        <p:cNvPr id="1" name=""/>
+        <p:cNvGrpSpPr/>
+        <p:nvPr/>
+      </p:nvGrpSpPr>
+      <p:grpSpPr>
+        <a:xfrm>
+          <a:off x="0" y="0"/>
+          <a:ext cx="0" cy="0"/>
+          <a:chOff x="0" y="0"/>
+          <a:chExt cx="0" cy="0"/>
+        </a:xfrm>
+      </p:grpSpPr>
+      <p:sp>
+        <p:nvSpPr>
+          <p:cNvPr id="3" name="Content Placeholder 2"/>
+          <p:cNvSpPr>
+            <a:spLocks noGrp="1"/>
+          </p:cNvSpPr>
+          <p:nvPr>
+            <p:ph idx="1"/>
+          </p:nvPr>
+        </p:nvSpPr>
+        <p:spPr>
+          <a:xfrm>
+            <a:off x="718836" y="859339"/>
+            <a:ext cx="7703046" cy="5213320"/>
+          </a:xfrm>
+        </p:spPr>
+        <p:txBody>
+          <a:bodyPr>
+            <a:normAutofit fontScale="92500" lnSpcReduction="10000"/>
+          </a:bodyPr>
+          <a:lstStyle/>
+          <a:p>
+            <a:r>
+              <a:rPr lang="en-US" sz="2100" dirty="0"/>
+              <a:t>Register/Login with your user credentials</a:t>
+            </a:r>
+          </a:p>
+          <a:p>
+            <a:pPr lvl="1"/>
+            <a:r>
+              <a:rPr lang="en-US" sz="2100" dirty="0"/>
+              <a:t>Includes tasks: 1.3 / </a:t>
+            </a:r>
+            <a:r>
+              <a:rPr lang="en-US" sz="2100" dirty="0" smtClean="0"/>
+              <a:t>8.3</a:t>
+            </a:r>
+          </a:p>
+          <a:p>
+            <a:r>
+              <a:rPr lang="en-US" sz="2100" dirty="0" smtClean="0"/>
+              <a:t>Administrator </a:t>
+            </a:r>
+            <a:r>
+              <a:rPr lang="en-US" sz="2100" dirty="0"/>
+              <a:t>part with workflow tool</a:t>
+            </a:r>
+          </a:p>
+          <a:p>
+            <a:pPr lvl="1"/>
+            <a:r>
+              <a:rPr lang="en-US" sz="2100" dirty="0" smtClean="0"/>
+              <a:t>Includes tasks: 10.4</a:t>
+            </a:r>
+          </a:p>
+          <a:p>
+            <a:r>
+              <a:rPr lang="en-US" sz="2100" dirty="0" smtClean="0"/>
+              <a:t>Web Service integration</a:t>
+            </a:r>
+          </a:p>
+          <a:p>
+            <a:pPr lvl="1"/>
+            <a:r>
+              <a:rPr lang="en-US" sz="2100" dirty="0" smtClean="0"/>
+              <a:t>Includes tasks: 11.1</a:t>
+            </a:r>
+          </a:p>
+          <a:p>
+            <a:r>
+              <a:rPr lang="en-US" sz="2100" dirty="0" smtClean="0"/>
+              <a:t>Search functionality, if you are looking for a specific plant</a:t>
+            </a:r>
+          </a:p>
+          <a:p>
+            <a:pPr lvl="1"/>
+            <a:r>
+              <a:rPr lang="en-US" sz="2100" dirty="0" smtClean="0"/>
+              <a:t>Includes tasks: 12.1</a:t>
+            </a:r>
+            <a:endParaRPr lang="en-US" sz="2100" dirty="0" smtClean="0"/>
+          </a:p>
+          <a:p>
+            <a:r>
+              <a:rPr lang="en-US" sz="2100" dirty="0" smtClean="0"/>
+              <a:t>HTML template -&gt; smarty</a:t>
+            </a:r>
+          </a:p>
+          <a:p>
+            <a:pPr lvl="1"/>
+            <a:r>
+              <a:rPr lang="en-US" sz="2100" dirty="0" smtClean="0"/>
+              <a:t>Includes tasks: 12.2</a:t>
+            </a:r>
+            <a:endParaRPr lang="en-US" sz="2100" dirty="0" smtClean="0"/>
+          </a:p>
+          <a:p>
+            <a:r>
+              <a:rPr lang="en-US" sz="2100" dirty="0" smtClean="0"/>
+              <a:t>Regular Expressions (everywhere)</a:t>
+            </a:r>
+          </a:p>
+          <a:p>
+            <a:pPr lvl="1"/>
+            <a:r>
+              <a:rPr lang="en-US" sz="2100" dirty="0" smtClean="0"/>
+              <a:t>Includes tasks: 12.3</a:t>
+            </a:r>
+            <a:endParaRPr lang="en-US" sz="2100" dirty="0" smtClean="0"/>
+          </a:p>
+          <a:p>
+            <a:r>
+              <a:rPr lang="en-US" sz="2100" dirty="0" smtClean="0"/>
+              <a:t>Plant wizard</a:t>
+            </a:r>
+            <a:r>
+              <a:rPr lang="en-US" sz="2100" dirty="0"/>
+              <a:t>, who helps you choose the right plant for </a:t>
+            </a:r>
+            <a:r>
+              <a:rPr lang="en-US" sz="2100" dirty="0" smtClean="0"/>
+              <a:t>you</a:t>
+            </a:r>
+          </a:p>
+          <a:p>
+            <a:pPr lvl="1"/>
+            <a:r>
+              <a:rPr lang="en-US" sz="2100" dirty="0" smtClean="0"/>
+              <a:t>Includes tasks: 1.3</a:t>
+            </a:r>
+          </a:p>
+          <a:p>
+            <a:r>
+              <a:rPr lang="en-US" sz="2100" dirty="0" smtClean="0"/>
+              <a:t>Beautiful code</a:t>
+            </a:r>
+          </a:p>
+          <a:p>
+            <a:pPr lvl="1"/>
+            <a:r>
+              <a:rPr lang="en-US" sz="2100" dirty="0" smtClean="0"/>
+              <a:t>Includes task: 6.5</a:t>
+            </a:r>
+            <a:endParaRPr lang="en-US" sz="2100" dirty="0" smtClean="0"/>
+          </a:p>
+          <a:p>
+            <a:pPr marL="68580" indent="0">
+              <a:buNone/>
+            </a:pPr>
+            <a:endParaRPr lang="en-US" sz="1600" dirty="0" smtClean="0"/>
+          </a:p>
+          <a:p>
+            <a:pPr marL="68580" indent="0">
+              <a:buNone/>
+            </a:pPr>
+            <a:endParaRPr lang="en-US" dirty="0" smtClean="0"/>
+          </a:p>
+          <a:p>
+            <a:pPr marL="68580" indent="0">
+              <a:buNone/>
+            </a:pPr>
+            <a:endParaRPr lang="en-US" dirty="0"/>
+          </a:p>
+          <a:p>
+            <a:endParaRPr lang="en-US" dirty="0"/>
+          </a:p>
+        </p:txBody>
+      </p:sp>
+      <p:pic>
+        <p:nvPicPr>
+          <p:cNvPr id="6" name="Picture 5" descr="Logo_Plant_Front.jpg"/>
+          <p:cNvPicPr>
+            <a:picLocks noChangeAspect="1"/>
+          </p:cNvPicPr>
+          <p:nvPr/>
+        </p:nvPicPr>
+        <p:blipFill>
+          <a:blip r:embed="rId2">
+            <a:extLst>
+              <a:ext uri="{28A0092B-C50C-407E-A947-70E740481C1C}">
+                <a14:useLocalDpi xmlns:a14="http://schemas.microsoft.com/office/drawing/2010/main" val="0"/>
+              </a:ext>
+            </a:extLst>
+          </a:blip>
+          <a:stretch>
+            <a:fillRect/>
+          </a:stretch>
+        </p:blipFill>
+        <p:spPr>
+          <a:xfrm>
+            <a:off x="7753746" y="5593793"/>
+            <a:ext cx="827675" cy="803115"/>
+          </a:xfrm>
+          <a:prstGeom prst="rect">
+            <a:avLst/>
+          </a:prstGeom>
+        </p:spPr>
+      </p:pic>
+      <p:sp>
+        <p:nvSpPr>
+          <p:cNvPr id="8" name="TextBox 7"/>
+          <p:cNvSpPr txBox="1"/>
+          <p:nvPr/>
+        </p:nvSpPr>
+        <p:spPr>
+          <a:xfrm>
+            <a:off x="4888904" y="95492"/>
+            <a:ext cx="2998260" cy="369332"/>
+          </a:xfrm>
+          <a:prstGeom prst="rect">
+            <a:avLst/>
+          </a:prstGeom>
+          <a:noFill/>
+        </p:spPr>
+        <p:txBody>
+          <a:bodyPr wrap="square" rtlCol="0">
+            <a:spAutoFit/>
+          </a:bodyPr>
+          <a:lstStyle/>
+          <a:p>
+            <a:r>
+              <a:rPr lang="en-US" dirty="0" smtClean="0">
+                <a:solidFill>
+                  <a:schemeClr val="bg1"/>
+                </a:solidFill>
+              </a:rPr>
+              <a:t>Features of our web shop</a:t>
+            </a:r>
+            <a:endParaRPr lang="en-US" dirty="0">
+              <a:solidFill>
+                <a:schemeClr val="bg1"/>
+              </a:solidFill>
+            </a:endParaRPr>
+          </a:p>
+        </p:txBody>
+      </p:sp>
+    </p:spTree>
+    <p:extLst>
+      <p:ext uri="{BB962C8B-B14F-4D97-AF65-F5344CB8AC3E}">
+        <p14:creationId xmlns:p14="http://schemas.microsoft.com/office/powerpoint/2010/main" val="1884867330"/>
+      </p:ext>
+    </p:extLst>
+  </p:cSld>
+  <p:clrMapOvr>
+    <a:masterClrMapping/>
+  </p:clrMapOvr>
+</p:sld>
+</file>
+
+<file path=ppt/slides/slide7.xml><?xml version="1.0" encoding="utf-8"?>
 <p:sld xmlns:a="http://schemas.openxmlformats.org/drawingml/2006/main" xmlns:r="http://schemas.openxmlformats.org/officeDocument/2006/relationships" xmlns:p="http://schemas.openxmlformats.org/presentationml/2006/main">
   <p:cSld>
     <p:spTree>
@@ -15327,6 +15708,157 @@
           </a:p>
         </p:txBody>
       </p:sp>
+      <p:sp>
+        <p:nvSpPr>
+          <p:cNvPr id="4" name="Content Placeholder 2"/>
+          <p:cNvSpPr>
+            <a:spLocks noGrp="1"/>
+          </p:cNvSpPr>
+          <p:nvPr>
+            <p:ph idx="1"/>
+          </p:nvPr>
+        </p:nvSpPr>
+        <p:spPr>
+          <a:xfrm>
+            <a:off x="718836" y="859339"/>
+            <a:ext cx="7703046" cy="5213320"/>
+          </a:xfrm>
+        </p:spPr>
+        <p:txBody>
+          <a:bodyPr>
+            <a:normAutofit fontScale="85000" lnSpcReduction="20000"/>
+          </a:bodyPr>
+          <a:lstStyle/>
+          <a:p>
+            <a:pPr marL="68580" indent="0">
+              <a:buNone/>
+            </a:pPr>
+            <a:r>
+              <a:rPr lang="en-US" sz="2700" b="1" dirty="0" smtClean="0"/>
+              <a:t>Experience tier</a:t>
+            </a:r>
+          </a:p>
+          <a:p>
+            <a:pPr marL="68580" indent="0">
+              <a:buNone/>
+            </a:pPr>
+            <a:r>
+              <a:rPr lang="en-US" sz="2700" dirty="0" smtClean="0"/>
+              <a:t>Michael: Almost no </a:t>
+            </a:r>
+            <a:r>
+              <a:rPr lang="en-US" sz="2700" dirty="0" err="1" smtClean="0"/>
+              <a:t>webdev</a:t>
+            </a:r>
+            <a:r>
+              <a:rPr lang="en-US" sz="2700" dirty="0" smtClean="0"/>
+              <a:t> experience</a:t>
+            </a:r>
+          </a:p>
+          <a:p>
+            <a:r>
+              <a:rPr lang="en-US" sz="2700" dirty="0" smtClean="0"/>
+              <a:t>Basic concept of </a:t>
+            </a:r>
+            <a:r>
+              <a:rPr lang="en-US" sz="2700" dirty="0" err="1" smtClean="0"/>
+              <a:t>webshop</a:t>
+            </a:r>
+            <a:endParaRPr lang="en-US" sz="2700" dirty="0" smtClean="0"/>
+          </a:p>
+          <a:p>
+            <a:r>
+              <a:rPr lang="en-US" sz="2700" dirty="0" smtClean="0"/>
+              <a:t>OOP PHP / </a:t>
+            </a:r>
+            <a:r>
+              <a:rPr lang="en-US" sz="2700" dirty="0" err="1" smtClean="0"/>
+              <a:t>Javascript</a:t>
+            </a:r>
+            <a:r>
+              <a:rPr lang="en-US" sz="2700" dirty="0" smtClean="0"/>
+              <a:t> / Cookies / Session</a:t>
+            </a:r>
+          </a:p>
+          <a:p>
+            <a:r>
+              <a:rPr lang="en-US" sz="2700" dirty="0" smtClean="0"/>
+              <a:t>Plant wizard</a:t>
+            </a:r>
+          </a:p>
+          <a:p>
+            <a:pPr marL="68580" indent="0">
+              <a:buNone/>
+            </a:pPr>
+            <a:r>
+              <a:rPr lang="en-US" sz="2700" dirty="0" smtClean="0"/>
+              <a:t>Simon: Some </a:t>
+            </a:r>
+            <a:r>
+              <a:rPr lang="en-US" sz="2700" dirty="0" err="1" smtClean="0"/>
+              <a:t>webdev</a:t>
+            </a:r>
+            <a:r>
+              <a:rPr lang="en-US" sz="2700" dirty="0" smtClean="0"/>
+              <a:t> experience</a:t>
+            </a:r>
+          </a:p>
+          <a:p>
+            <a:r>
+              <a:rPr lang="en-US" sz="2700" dirty="0" smtClean="0"/>
+              <a:t>MySQL part</a:t>
+            </a:r>
+          </a:p>
+          <a:p>
+            <a:r>
+              <a:rPr lang="en-US" sz="2700" dirty="0" smtClean="0"/>
+              <a:t>OOP PHP</a:t>
+            </a:r>
+          </a:p>
+          <a:p>
+            <a:r>
+              <a:rPr lang="en-US" sz="2700" dirty="0" smtClean="0"/>
+              <a:t>AJAX search</a:t>
+            </a:r>
+          </a:p>
+          <a:p>
+            <a:pPr marL="68580" indent="0">
+              <a:buNone/>
+            </a:pPr>
+            <a:r>
+              <a:rPr lang="en-US" sz="2700" dirty="0" smtClean="0"/>
+              <a:t>Claudio: Experienced/talented </a:t>
+            </a:r>
+            <a:r>
+              <a:rPr lang="en-US" sz="2700" dirty="0" err="1" smtClean="0"/>
+              <a:t>webdev</a:t>
+            </a:r>
+            <a:endParaRPr lang="en-US" sz="2700" dirty="0" smtClean="0"/>
+          </a:p>
+          <a:p>
+            <a:r>
+              <a:rPr lang="en-US" sz="2700" dirty="0" smtClean="0"/>
+              <a:t>HTML templates</a:t>
+            </a:r>
+          </a:p>
+          <a:p>
+            <a:r>
+              <a:rPr lang="en-US" sz="2700" dirty="0" smtClean="0"/>
+              <a:t>Administrator part</a:t>
+            </a:r>
+          </a:p>
+          <a:p>
+            <a:r>
+              <a:rPr lang="en-US" sz="2700" dirty="0" smtClean="0"/>
+              <a:t>Mostly teaching us how to do things… (mostly code be</a:t>
+            </a:r>
+            <a:r>
+              <a:rPr lang="en-US" sz="2500" dirty="0" smtClean="0"/>
+              <a:t>autification)</a:t>
+            </a:r>
+          </a:p>
+        </p:txBody>
+      </p:sp>
     </p:spTree>
     <p:extLst>
       <p:ext uri="{BB962C8B-B14F-4D97-AF65-F5344CB8AC3E}">
@@ -15340,7 +15872,7 @@
 </p:sld>
 </file>
 
-<file path=ppt/slides/slide7.xml><?xml version="1.0" encoding="utf-8"?>
+<file path=ppt/slides/slide8.xml><?xml version="1.0" encoding="utf-8"?>
 <p:sld xmlns:a="http://schemas.openxmlformats.org/drawingml/2006/main" xmlns:r="http://schemas.openxmlformats.org/officeDocument/2006/relationships" xmlns:p="http://schemas.openxmlformats.org/presentationml/2006/main">
   <p:cSld>
     <p:spTree>
@@ -15391,61 +15923,34 @@
           <a:p>
             <a:r>
               <a:rPr lang="en-US" sz="2200" dirty="0" smtClean="0"/>
-              <a:t>Plants/Accessories/Users are stored in a database</a:t>
-            </a:r>
+              <a:t>PHP / OOPHP (cookies/session)</a:t>
+            </a:r>
+          </a:p>
+          <a:p>
+            <a:r>
+              <a:rPr lang="en-US" sz="2200" dirty="0" err="1" smtClean="0"/>
+              <a:t>Javascript</a:t>
+            </a:r>
+            <a:endParaRPr lang="en-US" sz="2200" dirty="0" smtClean="0"/>
           </a:p>
           <a:p>
             <a:r>
               <a:rPr lang="en-US" sz="2200" dirty="0" smtClean="0"/>
-              <a:t>Plants are linked with certain accessories</a:t>
+              <a:t>MySQL</a:t>
             </a:r>
           </a:p>
           <a:p>
             <a:r>
               <a:rPr lang="en-US" sz="2200" dirty="0" smtClean="0"/>
-              <a:t>Search functionality is implemented by AJAX</a:t>
-            </a:r>
+              <a:t>AJAX</a:t>
+            </a:r>
+            <a:endParaRPr lang="en-US" sz="2200" dirty="0" smtClean="0"/>
           </a:p>
           <a:p>
             <a:r>
               <a:rPr lang="en-US" sz="2200" dirty="0" smtClean="0"/>
-              <a:t>We chose smarty as template</a:t>
-            </a:r>
-          </a:p>
-          <a:p>
-            <a:pPr marL="68580" indent="0">
-              <a:buNone/>
-            </a:pPr>
-            <a:endParaRPr lang="en-US" sz="2200" dirty="0" smtClean="0"/>
-          </a:p>
-          <a:p>
-            <a:pPr marL="68580" indent="0">
-              <a:buNone/>
-            </a:pPr>
-            <a:endParaRPr lang="en-US" b="1" dirty="0" smtClean="0"/>
-          </a:p>
-          <a:p>
-            <a:pPr marL="68580" indent="0">
-              <a:buNone/>
-            </a:pPr>
-            <a:endParaRPr lang="en-US" b="1" dirty="0"/>
-          </a:p>
-          <a:p>
-            <a:pPr marL="68580" indent="0">
-              <a:buNone/>
-            </a:pPr>
-            <a:r>
-              <a:rPr lang="en-US" b="1" dirty="0" smtClean="0"/>
-              <a:t>Now lets see how it looks…</a:t>
-            </a:r>
-          </a:p>
-          <a:p>
-            <a:endParaRPr lang="en-US" sz="2200" dirty="0" smtClean="0"/>
-          </a:p>
-          <a:p>
-            <a:pPr marL="68580" indent="0">
-              <a:buNone/>
-            </a:pPr>
+              <a:t>Smarty</a:t>
+            </a:r>
             <a:endParaRPr lang="en-US" sz="1600" dirty="0" smtClean="0"/>
           </a:p>
           <a:p>
@@ -15546,7 +16051,7 @@
 </p:sld>
 </file>
 
-<file path=ppt/slides/slide8.xml><?xml version="1.0" encoding="utf-8"?>
+<file path=ppt/slides/slide9.xml><?xml version="1.0" encoding="utf-8"?>
 <p:sld xmlns:a="http://schemas.openxmlformats.org/drawingml/2006/main" xmlns:r="http://schemas.openxmlformats.org/officeDocument/2006/relationships" xmlns:p="http://schemas.openxmlformats.org/presentationml/2006/main">
   <p:cSld>
     <p:spTree>
@@ -15641,12 +16146,276 @@
             <p:ph idx="1"/>
           </p:nvPr>
         </p:nvSpPr>
-        <p:spPr/>
+        <p:spPr>
+          <a:xfrm>
+            <a:off x="1043492" y="763858"/>
+            <a:ext cx="6777317" cy="1231717"/>
+          </a:xfrm>
+        </p:spPr>
         <p:txBody>
           <a:bodyPr/>
           <a:lstStyle/>
           <a:p>
-            <a:endParaRPr lang="en-US"/>
+            <a:pPr marL="68580" indent="0">
+              <a:buNone/>
+            </a:pPr>
+            <a:r>
+              <a:rPr lang="en-US" b="1" dirty="0" smtClean="0"/>
+              <a:t>If we ever have a business idea and need a webpage, </a:t>
+            </a:r>
+            <a:r>
+              <a:rPr lang="en-US" b="1" dirty="0" smtClean="0"/>
+              <a:t>we will entrust the programming to an external company…</a:t>
+            </a:r>
+          </a:p>
+          <a:p>
+            <a:pPr marL="68580" indent="0">
+              <a:buNone/>
+            </a:pPr>
+            <a:endParaRPr lang="en-US" dirty="0" smtClean="0"/>
+          </a:p>
+          <a:p>
+            <a:pPr marL="68580" indent="0">
+              <a:buNone/>
+            </a:pPr>
+            <a:endParaRPr lang="en-US" dirty="0" smtClean="0"/>
+          </a:p>
+        </p:txBody>
+      </p:sp>
+      <p:sp>
+        <p:nvSpPr>
+          <p:cNvPr id="5" name="Content Placeholder 1"/>
+          <p:cNvSpPr txBox="1">
+            <a:spLocks/>
+          </p:cNvSpPr>
+          <p:nvPr/>
+        </p:nvSpPr>
+        <p:spPr>
+          <a:xfrm>
+            <a:off x="1043492" y="1995575"/>
+            <a:ext cx="6777317" cy="4038892"/>
+          </a:xfrm>
+          <a:prstGeom prst="rect">
+            <a:avLst/>
+          </a:prstGeom>
+        </p:spPr>
+        <p:txBody>
+          <a:bodyPr vert="horz" lIns="91440" tIns="45720" rIns="91440" bIns="45720" rtlCol="0">
+            <a:normAutofit/>
+          </a:bodyPr>
+          <a:lstStyle>
+            <a:lvl1pPr marL="342900" indent="-274320" algn="l" defTabSz="914400" rtl="0" eaLnBrk="1" latinLnBrk="0" hangingPunct="1">
+              <a:spcBef>
+                <a:spcPct val="20000"/>
+              </a:spcBef>
+              <a:buClr>
+                <a:schemeClr val="accent1"/>
+              </a:buClr>
+              <a:buSzPct val="76000"/>
+              <a:buFont typeface="Wingdings 2" pitchFamily="18" charset="2"/>
+              <a:buChar char=""/>
+              <a:defRPr sz="2400" kern="1200">
+                <a:solidFill>
+                  <a:schemeClr val="tx2"/>
+                </a:solidFill>
+                <a:latin typeface="+mn-lt"/>
+                <a:ea typeface="+mn-ea"/>
+                <a:cs typeface="+mn-cs"/>
+              </a:defRPr>
+            </a:lvl1pPr>
+            <a:lvl2pPr marL="640080" indent="-274320" algn="l" defTabSz="914400" rtl="0" eaLnBrk="1" latinLnBrk="0" hangingPunct="1">
+              <a:spcBef>
+                <a:spcPct val="20000"/>
+              </a:spcBef>
+              <a:buClr>
+                <a:schemeClr val="accent1"/>
+              </a:buClr>
+              <a:buSzPct val="76000"/>
+              <a:buFont typeface="Wingdings 2" pitchFamily="18" charset="2"/>
+              <a:buChar char=""/>
+              <a:defRPr sz="2200" kern="1200">
+                <a:solidFill>
+                  <a:schemeClr val="tx2"/>
+                </a:solidFill>
+                <a:latin typeface="+mn-lt"/>
+                <a:ea typeface="+mn-ea"/>
+                <a:cs typeface="+mn-cs"/>
+              </a:defRPr>
+            </a:lvl2pPr>
+            <a:lvl3pPr marL="914400" indent="-228600" algn="l" defTabSz="914400" rtl="0" eaLnBrk="1" latinLnBrk="0" hangingPunct="1">
+              <a:spcBef>
+                <a:spcPct val="20000"/>
+              </a:spcBef>
+              <a:buClr>
+                <a:schemeClr val="accent1"/>
+              </a:buClr>
+              <a:buSzPct val="76000"/>
+              <a:buFont typeface="Wingdings 2" pitchFamily="18" charset="2"/>
+              <a:buChar char=""/>
+              <a:defRPr sz="2000" kern="1200">
+                <a:solidFill>
+                  <a:schemeClr val="tx2"/>
+                </a:solidFill>
+                <a:latin typeface="+mn-lt"/>
+                <a:ea typeface="+mn-ea"/>
+                <a:cs typeface="+mn-cs"/>
+              </a:defRPr>
+            </a:lvl3pPr>
+            <a:lvl4pPr marL="1124712" indent="-228600" algn="l" defTabSz="914400" rtl="0" eaLnBrk="1" latinLnBrk="0" hangingPunct="1">
+              <a:spcBef>
+                <a:spcPct val="20000"/>
+              </a:spcBef>
+              <a:buClr>
+                <a:schemeClr val="accent1"/>
+              </a:buClr>
+              <a:buSzPct val="76000"/>
+              <a:buFont typeface="Wingdings 2" pitchFamily="18" charset="2"/>
+              <a:buChar char=""/>
+              <a:defRPr sz="1800" kern="1200">
+                <a:solidFill>
+                  <a:schemeClr val="tx2"/>
+                </a:solidFill>
+                <a:latin typeface="+mn-lt"/>
+                <a:ea typeface="+mn-ea"/>
+                <a:cs typeface="+mn-cs"/>
+              </a:defRPr>
+            </a:lvl4pPr>
+            <a:lvl5pPr marL="1325880" indent="-228600" algn="l" defTabSz="914400" rtl="0" eaLnBrk="1" latinLnBrk="0" hangingPunct="1">
+              <a:spcBef>
+                <a:spcPct val="20000"/>
+              </a:spcBef>
+              <a:buClr>
+                <a:schemeClr val="accent1"/>
+              </a:buClr>
+              <a:buSzPct val="76000"/>
+              <a:buFont typeface="Wingdings 2" pitchFamily="18" charset="2"/>
+              <a:buChar char=""/>
+              <a:defRPr sz="1600" kern="1200" baseline="0">
+                <a:solidFill>
+                  <a:schemeClr val="tx2"/>
+                </a:solidFill>
+                <a:latin typeface="+mn-lt"/>
+                <a:ea typeface="+mn-ea"/>
+                <a:cs typeface="+mn-cs"/>
+              </a:defRPr>
+            </a:lvl5pPr>
+            <a:lvl6pPr marL="1517904" indent="-228600" algn="l" defTabSz="914400" rtl="0" eaLnBrk="1" latinLnBrk="0" hangingPunct="1">
+              <a:spcBef>
+                <a:spcPct val="20000"/>
+              </a:spcBef>
+              <a:buClr>
+                <a:schemeClr val="accent1"/>
+              </a:buClr>
+              <a:buSzPct val="76000"/>
+              <a:buFont typeface="Wingdings 2" pitchFamily="18" charset="2"/>
+              <a:buChar char=""/>
+              <a:defRPr sz="1400" kern="1200">
+                <a:solidFill>
+                  <a:schemeClr val="tx2"/>
+                </a:solidFill>
+                <a:latin typeface="+mn-lt"/>
+                <a:ea typeface="+mn-ea"/>
+                <a:cs typeface="+mn-cs"/>
+              </a:defRPr>
+            </a:lvl6pPr>
+            <a:lvl7pPr marL="1719072" indent="-228600" algn="l" defTabSz="914400" rtl="0" eaLnBrk="1" latinLnBrk="0" hangingPunct="1">
+              <a:spcBef>
+                <a:spcPct val="20000"/>
+              </a:spcBef>
+              <a:buClr>
+                <a:schemeClr val="accent1"/>
+              </a:buClr>
+              <a:buSzPct val="76000"/>
+              <a:buFont typeface="Wingdings 2" pitchFamily="18" charset="2"/>
+              <a:buChar char=""/>
+              <a:defRPr sz="1400" kern="1200">
+                <a:solidFill>
+                  <a:schemeClr val="tx2"/>
+                </a:solidFill>
+                <a:latin typeface="+mn-lt"/>
+                <a:ea typeface="+mn-ea"/>
+                <a:cs typeface="+mn-cs"/>
+              </a:defRPr>
+            </a:lvl7pPr>
+            <a:lvl8pPr marL="1920240" indent="-228600" algn="l" defTabSz="914400" rtl="0" eaLnBrk="1" latinLnBrk="0" hangingPunct="1">
+              <a:spcBef>
+                <a:spcPct val="20000"/>
+              </a:spcBef>
+              <a:buClr>
+                <a:schemeClr val="accent1"/>
+              </a:buClr>
+              <a:buSzPct val="76000"/>
+              <a:buFont typeface="Wingdings 2" pitchFamily="18" charset="2"/>
+              <a:buChar char=""/>
+              <a:defRPr sz="1400" kern="1200">
+                <a:solidFill>
+                  <a:schemeClr val="tx2"/>
+                </a:solidFill>
+                <a:latin typeface="+mn-lt"/>
+                <a:ea typeface="+mn-ea"/>
+                <a:cs typeface="+mn-cs"/>
+              </a:defRPr>
+            </a:lvl8pPr>
+            <a:lvl9pPr marL="2121408" indent="-228600" algn="l" defTabSz="914400" rtl="0" eaLnBrk="1" latinLnBrk="0" hangingPunct="1">
+              <a:spcBef>
+                <a:spcPct val="20000"/>
+              </a:spcBef>
+              <a:buClr>
+                <a:schemeClr val="accent1"/>
+              </a:buClr>
+              <a:buSzPct val="76000"/>
+              <a:buFont typeface="Wingdings 2" pitchFamily="18" charset="2"/>
+              <a:buChar char=""/>
+              <a:defRPr sz="1400" kern="1200">
+                <a:solidFill>
+                  <a:schemeClr val="tx2"/>
+                </a:solidFill>
+                <a:latin typeface="+mn-lt"/>
+                <a:ea typeface="+mn-ea"/>
+                <a:cs typeface="+mn-cs"/>
+              </a:defRPr>
+            </a:lvl9pPr>
+          </a:lstStyle>
+          <a:p>
+            <a:pPr marL="68580" indent="0">
+              <a:buNone/>
+            </a:pPr>
+            <a:r>
+              <a:rPr lang="en-US" dirty="0" smtClean="0"/>
+              <a:t>Things that we figured out</a:t>
+            </a:r>
+          </a:p>
+          <a:p>
+            <a:r>
+              <a:rPr lang="en-US" dirty="0" smtClean="0"/>
+              <a:t>task setup needed a lot of refactoring</a:t>
+            </a:r>
+          </a:p>
+          <a:p>
+            <a:r>
+              <a:rPr lang="en-US" dirty="0" smtClean="0"/>
+              <a:t>HTML template saves you a lot </a:t>
+            </a:r>
+            <a:r>
+              <a:rPr lang="en-US" smtClean="0"/>
+              <a:t>of time</a:t>
+            </a:r>
+          </a:p>
+          <a:p>
+            <a:endParaRPr lang="en-US" dirty="0" smtClean="0"/>
+          </a:p>
+          <a:p>
+            <a:pPr marL="68580" indent="0">
+              <a:buNone/>
+            </a:pPr>
+            <a:endParaRPr lang="en-US" dirty="0" smtClean="0"/>
+          </a:p>
+          <a:p>
+            <a:pPr marL="68580" indent="0">
+              <a:buFont typeface="Wingdings 2" pitchFamily="18" charset="2"/>
+              <a:buNone/>
+            </a:pPr>
+            <a:endParaRPr lang="en-US" dirty="0" smtClean="0"/>
           </a:p>
         </p:txBody>
       </p:sp>
@@ -15654,131 +16423,6 @@
     <p:extLst>
       <p:ext uri="{BB962C8B-B14F-4D97-AF65-F5344CB8AC3E}">
         <p14:creationId xmlns:p14="http://schemas.microsoft.com/office/powerpoint/2010/main" val="3320805856"/>
-      </p:ext>
-    </p:extLst>
-  </p:cSld>
-  <p:clrMapOvr>
-    <a:masterClrMapping/>
-  </p:clrMapOvr>
-</p:sld>
-</file>
-
-<file path=ppt/slides/slide9.xml><?xml version="1.0" encoding="utf-8"?>
-<p:sld xmlns:a="http://schemas.openxmlformats.org/drawingml/2006/main" xmlns:r="http://schemas.openxmlformats.org/officeDocument/2006/relationships" xmlns:p="http://schemas.openxmlformats.org/presentationml/2006/main">
-  <p:cSld>
-    <p:spTree>
-      <p:nvGrpSpPr>
-        <p:cNvPr id="1" name=""/>
-        <p:cNvGrpSpPr/>
-        <p:nvPr/>
-      </p:nvGrpSpPr>
-      <p:grpSpPr>
-        <a:xfrm>
-          <a:off x="0" y="0"/>
-          <a:ext cx="0" cy="0"/>
-          <a:chOff x="0" y="0"/>
-          <a:chExt cx="0" cy="0"/>
-        </a:xfrm>
-      </p:grpSpPr>
-      <p:pic>
-        <p:nvPicPr>
-          <p:cNvPr id="6" name="Picture 5" descr="Logo_Plant_Front.jpg"/>
-          <p:cNvPicPr>
-            <a:picLocks noChangeAspect="1"/>
-          </p:cNvPicPr>
-          <p:nvPr/>
-        </p:nvPicPr>
-        <p:blipFill>
-          <a:blip r:embed="rId2">
-            <a:extLst>
-              <a:ext uri="{28A0092B-C50C-407E-A947-70E740481C1C}">
-                <a14:useLocalDpi xmlns:a14="http://schemas.microsoft.com/office/drawing/2010/main" val="0"/>
-              </a:ext>
-            </a:extLst>
-          </a:blip>
-          <a:stretch>
-            <a:fillRect/>
-          </a:stretch>
-        </p:blipFill>
-        <p:spPr>
-          <a:xfrm>
-            <a:off x="7753746" y="5593793"/>
-            <a:ext cx="827675" cy="803115"/>
-          </a:xfrm>
-          <a:prstGeom prst="rect">
-            <a:avLst/>
-          </a:prstGeom>
-        </p:spPr>
-      </p:pic>
-      <p:sp>
-        <p:nvSpPr>
-          <p:cNvPr id="8" name="TextBox 7"/>
-          <p:cNvSpPr txBox="1"/>
-          <p:nvPr/>
-        </p:nvSpPr>
-        <p:spPr>
-          <a:xfrm>
-            <a:off x="5748314" y="105040"/>
-            <a:ext cx="1384527" cy="369332"/>
-          </a:xfrm>
-          <a:prstGeom prst="rect">
-            <a:avLst/>
-          </a:prstGeom>
-          <a:noFill/>
-        </p:spPr>
-        <p:txBody>
-          <a:bodyPr wrap="square" rtlCol="0">
-            <a:spAutoFit/>
-          </a:bodyPr>
-          <a:lstStyle/>
-          <a:p>
-            <a:r>
-              <a:rPr lang="en-US" dirty="0" smtClean="0">
-                <a:solidFill>
-                  <a:schemeClr val="bg1"/>
-                </a:solidFill>
-              </a:rPr>
-              <a:t>LIVE DEMO</a:t>
-            </a:r>
-            <a:endParaRPr lang="en-US" dirty="0">
-              <a:solidFill>
-                <a:schemeClr val="bg1"/>
-              </a:solidFill>
-            </a:endParaRPr>
-          </a:p>
-        </p:txBody>
-      </p:sp>
-      <p:sp>
-        <p:nvSpPr>
-          <p:cNvPr id="2" name="Content Placeholder 1"/>
-          <p:cNvSpPr>
-            <a:spLocks noGrp="1"/>
-          </p:cNvSpPr>
-          <p:nvPr>
-            <p:ph idx="1"/>
-          </p:nvPr>
-        </p:nvSpPr>
-        <p:spPr/>
-        <p:txBody>
-          <a:bodyPr/>
-          <a:lstStyle/>
-          <a:p>
-            <a:r>
-              <a:rPr lang="en-US" dirty="0" smtClean="0"/>
-              <a:t>Screenshot of </a:t>
-            </a:r>
-            <a:r>
-              <a:rPr lang="en-US" dirty="0" err="1" smtClean="0"/>
-              <a:t>plantshop</a:t>
-            </a:r>
-            <a:endParaRPr lang="en-US" dirty="0"/>
-          </a:p>
-        </p:txBody>
-      </p:sp>
-    </p:spTree>
-    <p:extLst>
-      <p:ext uri="{BB962C8B-B14F-4D97-AF65-F5344CB8AC3E}">
-        <p14:creationId xmlns:p14="http://schemas.microsoft.com/office/powerpoint/2010/main" val="3646663073"/>
       </p:ext>
     </p:extLst>
   </p:cSld>

--- a/Plants presentation.pptx
+++ b/Plants presentation.pptx
@@ -2874,7 +2874,7 @@
             <a:fld id="{0A98AF03-7270-45C2-A683-C5E353EF01A5}" type="datetime4">
               <a:rPr lang="en-US" smtClean="0"/>
               <a:pPr/>
-              <a:t>January 14, 2015</a:t>
+              <a:t>Januar 14, 2015</a:t>
             </a:fld>
             <a:endParaRPr lang="en-US" dirty="0"/>
           </a:p>
@@ -2991,7 +2991,7 @@
             <a:fld id="{8B37D5FE-740C-46F5-801A-FA5477D9711F}" type="slidenum">
               <a:rPr lang="en-US" smtClean="0"/>
               <a:pPr/>
-              <a:t>‹#›</a:t>
+              <a:t>‹Nr.›</a:t>
             </a:fld>
             <a:endParaRPr lang="en-US" dirty="0"/>
           </a:p>
@@ -3161,7 +3161,7 @@
             <a:fld id="{A2FB5AFD-D735-4504-A039-ADEBB6448D55}" type="datetime4">
               <a:rPr lang="en-US" smtClean="0"/>
               <a:pPr/>
-              <a:t>January 14, 2015</a:t>
+              <a:t>Januar 14, 2015</a:t>
             </a:fld>
             <a:endParaRPr lang="en-US"/>
           </a:p>
@@ -3204,7 +3204,7 @@
             <a:fld id="{8B37D5FE-740C-46F5-801A-FA5477D9711F}" type="slidenum">
               <a:rPr lang="en-US" smtClean="0"/>
               <a:pPr/>
-              <a:t>‹#›</a:t>
+              <a:t>‹Nr.›</a:t>
             </a:fld>
             <a:endParaRPr lang="en-US"/>
           </a:p>
@@ -3338,7 +3338,7 @@
             <a:fld id="{AB5C8118-FB93-4E87-B380-0175F2FE2167}" type="datetime4">
               <a:rPr lang="en-US" smtClean="0"/>
               <a:pPr/>
-              <a:t>January 14, 2015</a:t>
+              <a:t>Januar 14, 2015</a:t>
             </a:fld>
             <a:endParaRPr lang="en-US"/>
           </a:p>
@@ -3381,7 +3381,7 @@
             <a:fld id="{8B37D5FE-740C-46F5-801A-FA5477D9711F}" type="slidenum">
               <a:rPr lang="en-US" smtClean="0"/>
               <a:pPr/>
-              <a:t>‹#›</a:t>
+              <a:t>‹Nr.›</a:t>
             </a:fld>
             <a:endParaRPr lang="en-US"/>
           </a:p>
@@ -3505,7 +3505,7 @@
             <a:fld id="{05A93482-8E69-40F7-BCAD-5662A6CADB27}" type="datetime4">
               <a:rPr lang="en-US" smtClean="0"/>
               <a:pPr/>
-              <a:t>January 14, 2015</a:t>
+              <a:t>Januar 14, 2015</a:t>
             </a:fld>
             <a:endParaRPr lang="en-US"/>
           </a:p>
@@ -3548,7 +3548,7 @@
             <a:fld id="{8B37D5FE-740C-46F5-801A-FA5477D9711F}" type="slidenum">
               <a:rPr lang="en-US" smtClean="0"/>
               <a:pPr/>
-              <a:t>‹#›</a:t>
+              <a:t>‹Nr.›</a:t>
             </a:fld>
             <a:endParaRPr lang="en-US"/>
           </a:p>
@@ -3748,7 +3748,7 @@
             <a:fld id="{FBB7EAE1-CAAC-4AEF-919E-158692B1E55E}" type="datetime4">
               <a:rPr lang="en-US" smtClean="0"/>
               <a:pPr/>
-              <a:t>January 14, 2015</a:t>
+              <a:t>Januar 14, 2015</a:t>
             </a:fld>
             <a:endParaRPr lang="en-US"/>
           </a:p>
@@ -3791,7 +3791,7 @@
             <a:fld id="{8B37D5FE-740C-46F5-801A-FA5477D9711F}" type="slidenum">
               <a:rPr lang="en-US" smtClean="0"/>
               <a:pPr/>
-              <a:t>‹#›</a:t>
+              <a:t>‹Nr.›</a:t>
             </a:fld>
             <a:endParaRPr lang="en-US"/>
           </a:p>
@@ -3863,7 +3863,7 @@
             <a:fld id="{9525A706-D8F2-4D1A-855A-CADC92600C26}" type="datetime4">
               <a:rPr lang="en-US" smtClean="0"/>
               <a:pPr/>
-              <a:t>January 14, 2015</a:t>
+              <a:t>Januar 14, 2015</a:t>
             </a:fld>
             <a:endParaRPr lang="en-US"/>
           </a:p>
@@ -3906,7 +3906,7 @@
             <a:fld id="{8B37D5FE-740C-46F5-801A-FA5477D9711F}" type="slidenum">
               <a:rPr lang="en-US" smtClean="0"/>
               <a:pPr/>
-              <a:t>‹#›</a:t>
+              <a:t>‹Nr.›</a:t>
             </a:fld>
             <a:endParaRPr lang="en-US"/>
           </a:p>
@@ -4404,7 +4404,7 @@
             <a:fld id="{99B4F123-1704-49AC-9D15-C4B1462B8014}" type="datetime4">
               <a:rPr lang="en-US" smtClean="0"/>
               <a:pPr/>
-              <a:t>January 14, 2015</a:t>
+              <a:t>Januar 14, 2015</a:t>
             </a:fld>
             <a:endParaRPr lang="en-US"/>
           </a:p>
@@ -4447,7 +4447,7 @@
             <a:fld id="{8B37D5FE-740C-46F5-801A-FA5477D9711F}" type="slidenum">
               <a:rPr lang="en-US" smtClean="0"/>
               <a:pPr/>
-              <a:t>‹#›</a:t>
+              <a:t>‹Nr.›</a:t>
             </a:fld>
             <a:endParaRPr lang="en-US"/>
           </a:p>
@@ -4519,7 +4519,7 @@
             <a:fld id="{E3127EC2-47FB-48A1-8644-C8A81DDAA119}" type="datetime4">
               <a:rPr lang="en-US" smtClean="0"/>
               <a:pPr/>
-              <a:t>January 14, 2015</a:t>
+              <a:t>Januar 14, 2015</a:t>
             </a:fld>
             <a:endParaRPr lang="en-US"/>
           </a:p>
@@ -4562,7 +4562,7 @@
             <a:fld id="{8B37D5FE-740C-46F5-801A-FA5477D9711F}" type="slidenum">
               <a:rPr lang="en-US" smtClean="0"/>
               <a:pPr/>
-              <a:t>‹#›</a:t>
+              <a:t>‹Nr.›</a:t>
             </a:fld>
             <a:endParaRPr lang="en-US"/>
           </a:p>
@@ -4611,7 +4611,7 @@
             <a:fld id="{AE3EC3ED-7435-49F9-84C8-03CCA2F8DEDB}" type="datetime4">
               <a:rPr lang="en-US" smtClean="0"/>
               <a:pPr/>
-              <a:t>January 14, 2015</a:t>
+              <a:t>Januar 14, 2015</a:t>
             </a:fld>
             <a:endParaRPr lang="en-US"/>
           </a:p>
@@ -4654,7 +4654,7 @@
             <a:fld id="{8B37D5FE-740C-46F5-801A-FA5477D9711F}" type="slidenum">
               <a:rPr lang="en-US" smtClean="0"/>
               <a:pPr/>
-              <a:t>‹#›</a:t>
+              <a:t>‹Nr.›</a:t>
             </a:fld>
             <a:endParaRPr lang="en-US"/>
           </a:p>
@@ -7264,7 +7264,7 @@
             <a:fld id="{3FC49BF1-FCD3-4395-8FF6-0047AF66228E}" type="datetime4">
               <a:rPr lang="en-US" smtClean="0"/>
               <a:pPr/>
-              <a:t>January 14, 2015</a:t>
+              <a:t>Januar 14, 2015</a:t>
             </a:fld>
             <a:endParaRPr lang="en-US"/>
           </a:p>
@@ -7288,7 +7288,7 @@
             <a:fld id="{8B37D5FE-740C-46F5-801A-FA5477D9711F}" type="slidenum">
               <a:rPr lang="en-US" smtClean="0"/>
               <a:pPr/>
-              <a:t>‹#›</a:t>
+              <a:t>‹Nr.›</a:t>
             </a:fld>
             <a:endParaRPr lang="en-US"/>
           </a:p>
@@ -10478,7 +10478,7 @@
             <a:fld id="{CA861222-2C8B-4501-BE87-6797EC025925}" type="datetime4">
               <a:rPr lang="en-US" smtClean="0"/>
               <a:pPr/>
-              <a:t>January 14, 2015</a:t>
+              <a:t>Januar 14, 2015</a:t>
             </a:fld>
             <a:endParaRPr lang="en-US"/>
           </a:p>
@@ -10528,7 +10528,7 @@
             <a:fld id="{8B37D5FE-740C-46F5-801A-FA5477D9711F}" type="slidenum">
               <a:rPr lang="en-US" smtClean="0"/>
               <a:pPr/>
-              <a:t>‹#›</a:t>
+              <a:t>‹Nr.›</a:t>
             </a:fld>
             <a:endParaRPr lang="en-US"/>
           </a:p>
@@ -13302,7 +13302,7 @@
             <a:fld id="{16C01193-8287-4834-A286-6B880643E934}" type="datetime4">
               <a:rPr lang="en-US" smtClean="0"/>
               <a:pPr/>
-              <a:t>January 14, 2015</a:t>
+              <a:t>Januar 14, 2015</a:t>
             </a:fld>
             <a:endParaRPr lang="en-US"/>
           </a:p>
@@ -13377,7 +13377,7 @@
             <a:fld id="{8B37D5FE-740C-46F5-801A-FA5477D9711F}" type="slidenum">
               <a:rPr lang="en-US" smtClean="0"/>
               <a:pPr/>
-              <a:t>‹#›</a:t>
+              <a:t>‹Nr.›</a:t>
             </a:fld>
             <a:endParaRPr lang="en-US"/>
           </a:p>
@@ -13868,36 +13868,6 @@
           <a:chExt cx="0" cy="0"/>
         </a:xfrm>
       </p:grpSpPr>
-      <p:pic>
-        <p:nvPicPr>
-          <p:cNvPr id="6" name="Picture 5" descr="Logo_Plant_Front.jpg"/>
-          <p:cNvPicPr>
-            <a:picLocks noChangeAspect="1"/>
-          </p:cNvPicPr>
-          <p:nvPr/>
-        </p:nvPicPr>
-        <p:blipFill>
-          <a:blip r:embed="rId2">
-            <a:extLst>
-              <a:ext uri="{28A0092B-C50C-407E-A947-70E740481C1C}">
-                <a14:useLocalDpi xmlns:a14="http://schemas.microsoft.com/office/drawing/2010/main" val="0"/>
-              </a:ext>
-            </a:extLst>
-          </a:blip>
-          <a:stretch>
-            <a:fillRect/>
-          </a:stretch>
-        </p:blipFill>
-        <p:spPr>
-          <a:xfrm>
-            <a:off x="7753746" y="5593793"/>
-            <a:ext cx="827675" cy="803115"/>
-          </a:xfrm>
-          <a:prstGeom prst="rect">
-            <a:avLst/>
-          </a:prstGeom>
-        </p:spPr>
-      </p:pic>
       <p:sp>
         <p:nvSpPr>
           <p:cNvPr id="8" name="TextBox 7"/>
@@ -13951,18 +13921,72 @@
           <a:bodyPr/>
           <a:lstStyle/>
           <a:p>
-            <a:r>
-              <a:rPr lang="en-US" dirty="0" smtClean="0"/>
-              <a:t>Screenshot of </a:t>
-            </a:r>
-            <a:r>
-              <a:rPr lang="en-US" dirty="0" err="1" smtClean="0"/>
-              <a:t>plantshop</a:t>
-            </a:r>
+            <a:pPr marL="68580" indent="0">
+              <a:buNone/>
+            </a:pPr>
             <a:endParaRPr lang="en-US" dirty="0"/>
           </a:p>
         </p:txBody>
       </p:sp>
+      <p:pic>
+        <p:nvPicPr>
+          <p:cNvPr id="4" name="Bild 3" descr="Bildschirmfoto 2015-01-14 um 18.01.53.png"/>
+          <p:cNvPicPr>
+            <a:picLocks noChangeAspect="1"/>
+          </p:cNvPicPr>
+          <p:nvPr/>
+        </p:nvPicPr>
+        <p:blipFill rotWithShape="1">
+          <a:blip r:embed="rId2">
+            <a:extLst>
+              <a:ext uri="{28A0092B-C50C-407E-A947-70E740481C1C}">
+                <a14:useLocalDpi xmlns:a14="http://schemas.microsoft.com/office/drawing/2010/main" val="0"/>
+              </a:ext>
+            </a:extLst>
+          </a:blip>
+          <a:srcRect b="2047"/>
+          <a:stretch/>
+        </p:blipFill>
+        <p:spPr>
+          <a:xfrm>
+            <a:off x="751360" y="984244"/>
+            <a:ext cx="7694140" cy="5355168"/>
+          </a:xfrm>
+          <a:prstGeom prst="rect">
+            <a:avLst/>
+          </a:prstGeom>
+        </p:spPr>
+      </p:pic>
+      <p:pic>
+        <p:nvPicPr>
+          <p:cNvPr id="6" name="Picture 5" descr="Logo_Plant_Front.jpg"/>
+          <p:cNvPicPr>
+            <a:picLocks noChangeAspect="1"/>
+          </p:cNvPicPr>
+          <p:nvPr/>
+        </p:nvPicPr>
+        <p:blipFill>
+          <a:blip r:embed="rId3">
+            <a:extLst>
+              <a:ext uri="{28A0092B-C50C-407E-A947-70E740481C1C}">
+                <a14:useLocalDpi xmlns:a14="http://schemas.microsoft.com/office/drawing/2010/main" val="0"/>
+              </a:ext>
+            </a:extLst>
+          </a:blip>
+          <a:stretch>
+            <a:fillRect/>
+          </a:stretch>
+        </p:blipFill>
+        <p:spPr>
+          <a:xfrm>
+            <a:off x="7753746" y="5593793"/>
+            <a:ext cx="827675" cy="803115"/>
+          </a:xfrm>
+          <a:prstGeom prst="rect">
+            <a:avLst/>
+          </a:prstGeom>
+        </p:spPr>
+      </p:pic>
     </p:spTree>
     <p:extLst>
       <p:ext uri="{BB962C8B-B14F-4D97-AF65-F5344CB8AC3E}">
@@ -14668,7 +14692,7 @@
         </p:spPr>
         <p:txBody>
           <a:bodyPr vert="horz" lIns="91440" tIns="45720" rIns="91440" bIns="45720" rtlCol="0">
-            <a:normAutofit lnSpcReduction="10000"/>
+            <a:normAutofit fontScale="92500"/>
           </a:bodyPr>
           <a:lstStyle>
             <a:lvl1pPr marL="342900" indent="-274320" algn="l" defTabSz="914400" rtl="0" eaLnBrk="1" latinLnBrk="0" hangingPunct="1">
@@ -14849,8 +14873,13 @@
             </a:pPr>
             <a:r>
               <a:rPr lang="en-US" b="1" dirty="0" smtClean="0"/>
-              <a:t>Plants are the ideal product for a web shop because</a:t>
-            </a:r>
+              <a:t>Plants are the ideal product for a web shop </a:t>
+            </a:r>
+            <a:r>
+              <a:rPr lang="en-US" b="1" dirty="0" smtClean="0"/>
+              <a:t>because (includes task 1.2)</a:t>
+            </a:r>
+            <a:endParaRPr lang="en-US" b="1" dirty="0" smtClean="0"/>
           </a:p>
           <a:p>
             <a:pPr marL="68580" indent="0">
@@ -14938,7 +14967,11 @@
             </a:pPr>
             <a:r>
               <a:rPr lang="en-US" b="1" dirty="0" smtClean="0"/>
-              <a:t>Business idea behind it</a:t>
+              <a:t>Business idea behind </a:t>
+            </a:r>
+            <a:r>
+              <a:rPr lang="en-US" b="1" dirty="0" smtClean="0"/>
+              <a:t>it (includes task 1.3)</a:t>
             </a:r>
             <a:endParaRPr lang="en-US" dirty="0"/>
           </a:p>
@@ -15172,11 +15205,7 @@
             </a:pPr>
             <a:r>
               <a:rPr lang="en-US" sz="2700" b="1" dirty="0" smtClean="0"/>
-              <a:t>What our web shop </a:t>
-            </a:r>
-            <a:r>
-              <a:rPr lang="en-US" sz="2700" b="1" dirty="0" smtClean="0"/>
-              <a:t>offers:</a:t>
+              <a:t>What our web shop offers:</a:t>
             </a:r>
           </a:p>
           <a:p>
@@ -15189,7 +15218,31 @@
             <a:pPr lvl="1"/>
             <a:r>
               <a:rPr lang="en-US" sz="2500" dirty="0" smtClean="0"/>
-              <a:t>Includes tasks: 1.4 / 2.1 / 2.2 / 3.1 / 3.2 / 4.1-4.3 / 5.1 / 7.3</a:t>
+              <a:t>Includes tasks: 1.4 / </a:t>
+            </a:r>
+            <a:r>
+              <a:rPr lang="en-US" sz="2500" dirty="0" smtClean="0"/>
+              <a:t>2.1-2.2 </a:t>
+            </a:r>
+            <a:r>
+              <a:rPr lang="en-US" sz="2500" dirty="0" smtClean="0"/>
+              <a:t>/ </a:t>
+            </a:r>
+            <a:r>
+              <a:rPr lang="en-US" sz="2500" dirty="0" smtClean="0"/>
+              <a:t>3.1-3.2 </a:t>
+            </a:r>
+            <a:r>
+              <a:rPr lang="en-US" sz="2500" dirty="0" smtClean="0"/>
+              <a:t>/ 4.1-4.3 / </a:t>
+            </a:r>
+            <a:r>
+              <a:rPr lang="en-US" sz="2500" dirty="0" smtClean="0"/>
+              <a:t>5.1-5.2 </a:t>
+            </a:r>
+            <a:r>
+              <a:rPr lang="en-US" sz="2500" dirty="0" smtClean="0"/>
+              <a:t>/ 7.3</a:t>
             </a:r>
             <a:endParaRPr lang="en-US" sz="2500" dirty="0"/>
           </a:p>
@@ -15224,33 +15277,63 @@
             <a:pPr lvl="1"/>
             <a:r>
               <a:rPr lang="en-US" sz="2500" dirty="0"/>
-              <a:t>Includes tasks: 1.1 / </a:t>
+              <a:t>Includes tasks: </a:t>
             </a:r>
             <a:r>
               <a:rPr lang="en-US" sz="2500" dirty="0" smtClean="0"/>
-              <a:t>1.2 </a:t>
-            </a:r>
-            <a:r>
-              <a:rPr lang="en-US" sz="2500" dirty="0"/>
+              <a:t>6.1 </a:t>
+            </a:r>
+            <a:r>
+              <a:rPr lang="en-US" sz="2500" dirty="0" smtClean="0"/>
               <a:t>/ </a:t>
             </a:r>
             <a:r>
               <a:rPr lang="en-US" sz="2500" dirty="0" smtClean="0"/>
-              <a:t>2.1/ 6.1 / 8.3 / 9.1</a:t>
-            </a:r>
-          </a:p>
-          <a:p>
+              <a:t>8.2-8.3 </a:t>
+            </a:r>
             <a:r>
               <a:rPr lang="en-US" sz="2500" dirty="0" smtClean="0"/>
-              <a:t>After selecting a plant, you can proceed with the checkout process and enter your address</a:t>
-            </a:r>
+              <a:t>/ 9.1</a:t>
+            </a:r>
+          </a:p>
+          <a:p>
+            <a:r>
+              <a:rPr lang="en-US" sz="2500" dirty="0" smtClean="0"/>
+              <a:t>After selecting a plant, you can proceed with the checkout </a:t>
+            </a:r>
+            <a:r>
+              <a:rPr lang="en-US" sz="2500" dirty="0" smtClean="0"/>
+              <a:t>process, enter </a:t>
+            </a:r>
+            <a:r>
+              <a:rPr lang="en-US" sz="2500" dirty="0" smtClean="0"/>
+              <a:t>your </a:t>
+            </a:r>
+            <a:r>
+              <a:rPr lang="en-US" sz="2500" dirty="0" smtClean="0"/>
+              <a:t>address and choose shipping method</a:t>
+            </a:r>
+            <a:endParaRPr lang="en-US" sz="2500" dirty="0" smtClean="0"/>
           </a:p>
           <a:p>
             <a:pPr lvl="1"/>
             <a:r>
               <a:rPr lang="en-US" sz="2500" dirty="0" smtClean="0"/>
-              <a:t>Includes tasks: 6.2-6.5 / 7.1 / 7.2</a:t>
-            </a:r>
+              <a:t>Includes tasks: 6.2-</a:t>
+            </a:r>
+            <a:r>
+              <a:rPr lang="en-US" sz="2500" dirty="0" smtClean="0"/>
+              <a:t>6.4 </a:t>
+            </a:r>
+            <a:r>
+              <a:rPr lang="en-US" sz="2500" dirty="0" smtClean="0"/>
+              <a:t>/ </a:t>
+            </a:r>
+            <a:r>
+              <a:rPr lang="en-US" sz="2500" dirty="0" smtClean="0"/>
+              <a:t>7.1-7.2</a:t>
+            </a:r>
+            <a:endParaRPr lang="en-US" sz="2500" dirty="0" smtClean="0"/>
           </a:p>
           <a:p>
             <a:r>
@@ -15270,7 +15353,15 @@
             <a:pPr lvl="1"/>
             <a:r>
               <a:rPr lang="en-US" sz="2500" dirty="0" smtClean="0"/>
-              <a:t>Includes tasks: 9.2 / 9.3 / 10.1-10.3</a:t>
+              <a:t>Includes tasks: </a:t>
+            </a:r>
+            <a:r>
+              <a:rPr lang="en-US" sz="2500" dirty="0" smtClean="0"/>
+              <a:t>9.2-9.3 </a:t>
+            </a:r>
+            <a:r>
+              <a:rPr lang="en-US" sz="2500" dirty="0" smtClean="0"/>
+              <a:t>/ 10.1-10.3</a:t>
             </a:r>
             <a:endParaRPr lang="en-US" sz="2500" dirty="0"/>
           </a:p>
@@ -15392,7 +15483,7 @@
         </p:spPr>
         <p:txBody>
           <a:bodyPr>
-            <a:normAutofit fontScale="92500" lnSpcReduction="10000"/>
+            <a:normAutofit fontScale="92500"/>
           </a:bodyPr>
           <a:lstStyle/>
           <a:p>
@@ -15426,26 +15517,22 @@
             <a:pPr lvl="1"/>
             <a:r>
               <a:rPr lang="en-US" sz="2100" dirty="0" smtClean="0"/>
-              <a:t>Includes tasks: 10.4</a:t>
-            </a:r>
-          </a:p>
-          <a:p>
+              <a:t>Includes tasks: </a:t>
+            </a:r>
             <a:r>
               <a:rPr lang="en-US" sz="2100" dirty="0" smtClean="0"/>
-              <a:t>Web Service integration</a:t>
-            </a:r>
-          </a:p>
-          <a:p>
-            <a:pPr lvl="1"/>
+              <a:t>10.4, 11.1</a:t>
+            </a:r>
+            <a:endParaRPr lang="en-US" sz="2100" dirty="0" smtClean="0"/>
+          </a:p>
+          <a:p>
             <a:r>
               <a:rPr lang="en-US" sz="2100" dirty="0" smtClean="0"/>
-              <a:t>Includes tasks: 11.1</a:t>
-            </a:r>
-          </a:p>
-          <a:p>
+              <a:t>Search </a:t>
+            </a:r>
             <a:r>
               <a:rPr lang="en-US" sz="2100" dirty="0" smtClean="0"/>
-              <a:t>Search functionality, if you are looking for a specific plant</a:t>
+              <a:t>functionality, if you are looking for a specific plant</a:t>
             </a:r>
           </a:p>
           <a:p>
@@ -15454,7 +15541,6 @@
               <a:rPr lang="en-US" sz="2100" dirty="0" smtClean="0"/>
               <a:t>Includes tasks: 12.1</a:t>
             </a:r>
-            <a:endParaRPr lang="en-US" sz="2100" dirty="0" smtClean="0"/>
           </a:p>
           <a:p>
             <a:r>
@@ -15468,7 +15554,6 @@
               <a:rPr lang="en-US" sz="2100" dirty="0" smtClean="0"/>
               <a:t>Includes tasks: 12.2</a:t>
             </a:r>
-            <a:endParaRPr lang="en-US" sz="2100" dirty="0" smtClean="0"/>
           </a:p>
           <a:p>
             <a:r>
@@ -15482,7 +15567,6 @@
               <a:rPr lang="en-US" sz="2100" dirty="0" smtClean="0"/>
               <a:t>Includes tasks: 12.3</a:t>
             </a:r>
-            <a:endParaRPr lang="en-US" sz="2100" dirty="0" smtClean="0"/>
           </a:p>
           <a:p>
             <a:r>
@@ -15517,7 +15601,6 @@
               <a:rPr lang="en-US" sz="2100" dirty="0" smtClean="0"/>
               <a:t>Includes task: 6.5</a:t>
             </a:r>
-            <a:endParaRPr lang="en-US" sz="2100" dirty="0" smtClean="0"/>
           </a:p>
           <a:p>
             <a:pPr marL="68580" indent="0">
@@ -15744,7 +15827,15 @@
             </a:pPr>
             <a:r>
               <a:rPr lang="en-US" sz="2700" dirty="0" smtClean="0"/>
-              <a:t>Michael: Almost no </a:t>
+              <a:t>Michael: </a:t>
+            </a:r>
+            <a:r>
+              <a:rPr lang="en-US" sz="2700" dirty="0" smtClean="0"/>
+              <a:t>almost </a:t>
+            </a:r>
+            <a:r>
+              <a:rPr lang="en-US" sz="2700" dirty="0" smtClean="0"/>
+              <a:t>no </a:t>
             </a:r>
             <a:r>
               <a:rPr lang="en-US" sz="2700" dirty="0" err="1" smtClean="0"/>
@@ -15783,8 +15874,13 @@
           <a:p>
             <a:r>
               <a:rPr lang="en-US" sz="2700" dirty="0" smtClean="0"/>
-              <a:t>Plant wizard</a:t>
-            </a:r>
+              <a:t>Plant </a:t>
+            </a:r>
+            <a:r>
+              <a:rPr lang="en-US" sz="2700" dirty="0" smtClean="0"/>
+              <a:t>wizard</a:t>
+            </a:r>
+            <a:endParaRPr lang="en-US" sz="2700" dirty="0" smtClean="0"/>
           </a:p>
           <a:p>
             <a:pPr marL="68580" indent="0">
@@ -15792,7 +15888,11 @@
             </a:pPr>
             <a:r>
               <a:rPr lang="en-US" sz="2700" dirty="0" smtClean="0"/>
-              <a:t>Simon: Some </a:t>
+              <a:t>Simon: </a:t>
+            </a:r>
+            <a:r>
+              <a:rPr lang="en-US" sz="2700" dirty="0" smtClean="0"/>
+              <a:t>little </a:t>
             </a:r>
             <a:r>
               <a:rPr lang="en-US" sz="2700" dirty="0" err="1" smtClean="0"/>
@@ -15800,20 +15900,26 @@
             </a:r>
             <a:r>
               <a:rPr lang="en-US" sz="2700" dirty="0" smtClean="0"/>
-              <a:t> experience</a:t>
-            </a:r>
-          </a:p>
-          <a:p>
+              <a:t> </a:t>
+            </a:r>
             <a:r>
               <a:rPr lang="en-US" sz="2700" dirty="0" smtClean="0"/>
-              <a:t>MySQL part</a:t>
+              <a:t>experience</a:t>
             </a:r>
           </a:p>
           <a:p>
             <a:r>
               <a:rPr lang="en-US" sz="2700" dirty="0" smtClean="0"/>
-              <a:t>OOP PHP</a:t>
-            </a:r>
+              <a:t>MySQL part (DAO)</a:t>
+            </a:r>
+            <a:endParaRPr lang="en-US" sz="2700" dirty="0" smtClean="0"/>
+          </a:p>
+          <a:p>
+            <a:r>
+              <a:rPr lang="en-US" sz="2700" dirty="0" smtClean="0"/>
+              <a:t>Sign Up / Login, Order process</a:t>
+            </a:r>
+            <a:endParaRPr lang="en-US" sz="2700" dirty="0" smtClean="0"/>
           </a:p>
           <a:p>
             <a:r>
@@ -15827,19 +15933,32 @@
             </a:pPr>
             <a:r>
               <a:rPr lang="en-US" sz="2700" dirty="0" smtClean="0"/>
-              <a:t>Claudio: Experienced/talented </a:t>
+              <a:t>Claudio: </a:t>
+            </a:r>
+            <a:r>
+              <a:rPr lang="en-US" sz="2700" dirty="0"/>
+              <a:t>s</a:t>
+            </a:r>
+            <a:r>
+              <a:rPr lang="en-US" sz="2700" dirty="0" smtClean="0"/>
+              <a:t>ome </a:t>
             </a:r>
             <a:r>
               <a:rPr lang="en-US" sz="2700" dirty="0" err="1" smtClean="0"/>
               <a:t>webdev</a:t>
             </a:r>
+            <a:r>
+              <a:rPr lang="en-US" sz="2700" dirty="0" smtClean="0"/>
+              <a:t> experience</a:t>
+            </a:r>
             <a:endParaRPr lang="en-US" sz="2700" dirty="0" smtClean="0"/>
           </a:p>
           <a:p>
             <a:r>
               <a:rPr lang="en-US" sz="2700" dirty="0" smtClean="0"/>
-              <a:t>HTML templates</a:t>
-            </a:r>
+              <a:t>Introduce HTML templates (Smarty)</a:t>
+            </a:r>
+            <a:endParaRPr lang="en-US" sz="2700" dirty="0" smtClean="0"/>
           </a:p>
           <a:p>
             <a:r>
@@ -15944,7 +16063,6 @@
               <a:rPr lang="en-US" sz="2200" dirty="0" smtClean="0"/>
               <a:t>AJAX</a:t>
             </a:r>
-            <a:endParaRPr lang="en-US" sz="2200" dirty="0" smtClean="0"/>
           </a:p>
           <a:p>
             <a:r>
@@ -16161,7 +16279,19 @@
             </a:pPr>
             <a:r>
               <a:rPr lang="en-US" b="1" dirty="0" smtClean="0"/>
-              <a:t>If we ever have a business idea and need a webpage, </a:t>
+              <a:t>If we ever have a business idea and need a </a:t>
+            </a:r>
+            <a:r>
+              <a:rPr lang="en-US" b="1" dirty="0" smtClean="0"/>
+              <a:t>web sho</a:t>
+            </a:r>
+            <a:r>
+              <a:rPr lang="en-US" b="1" dirty="0" smtClean="0"/>
+              <a:t>p</a:t>
+            </a:r>
+            <a:r>
+              <a:rPr lang="en-US" b="1" dirty="0" smtClean="0"/>
+              <a:t>, </a:t>
             </a:r>
             <a:r>
               <a:rPr lang="en-US" b="1" dirty="0" smtClean="0"/>
@@ -16394,12 +16524,34 @@
           <a:p>
             <a:r>
               <a:rPr lang="en-US" dirty="0" smtClean="0"/>
-              <a:t>HTML template saves you a lot </a:t>
-            </a:r>
-            <a:r>
-              <a:rPr lang="en-US" smtClean="0"/>
-              <a:t>of time</a:t>
-            </a:r>
+              <a:t>HTML template saves you a lot of </a:t>
+            </a:r>
+            <a:r>
+              <a:rPr lang="en-US" dirty="0" smtClean="0"/>
+              <a:t>time</a:t>
+            </a:r>
+          </a:p>
+          <a:p>
+            <a:r>
+              <a:rPr lang="en-US" dirty="0" smtClean="0"/>
+              <a:t>evaluate usage of </a:t>
+            </a:r>
+            <a:r>
+              <a:rPr lang="en-US" dirty="0" smtClean="0"/>
+              <a:t>frameworks</a:t>
+            </a:r>
+          </a:p>
+          <a:p>
+            <a:r>
+              <a:rPr lang="en-US" dirty="0" smtClean="0"/>
+              <a:t>session handling is NOT trivial!</a:t>
+            </a:r>
+          </a:p>
+          <a:p>
+            <a:pPr marL="68580" indent="0">
+              <a:buNone/>
+            </a:pPr>
+            <a:endParaRPr lang="en-US" dirty="0" smtClean="0"/>
           </a:p>
           <a:p>
             <a:endParaRPr lang="en-US" dirty="0" smtClean="0"/>

--- a/Plants presentation.pptx
+++ b/Plants presentation.pptx
@@ -2874,7 +2874,7 @@
             <a:fld id="{0A98AF03-7270-45C2-A683-C5E353EF01A5}" type="datetime4">
               <a:rPr lang="en-US" smtClean="0"/>
               <a:pPr/>
-              <a:t>Januar 14, 2015</a:t>
+              <a:t>January 14, 2015</a:t>
             </a:fld>
             <a:endParaRPr lang="en-US" dirty="0"/>
           </a:p>
@@ -2991,7 +2991,7 @@
             <a:fld id="{8B37D5FE-740C-46F5-801A-FA5477D9711F}" type="slidenum">
               <a:rPr lang="en-US" smtClean="0"/>
               <a:pPr/>
-              <a:t>‹Nr.›</a:t>
+              <a:t>‹#›</a:t>
             </a:fld>
             <a:endParaRPr lang="en-US" dirty="0"/>
           </a:p>
@@ -3161,7 +3161,7 @@
             <a:fld id="{A2FB5AFD-D735-4504-A039-ADEBB6448D55}" type="datetime4">
               <a:rPr lang="en-US" smtClean="0"/>
               <a:pPr/>
-              <a:t>Januar 14, 2015</a:t>
+              <a:t>January 14, 2015</a:t>
             </a:fld>
             <a:endParaRPr lang="en-US"/>
           </a:p>
@@ -3204,7 +3204,7 @@
             <a:fld id="{8B37D5FE-740C-46F5-801A-FA5477D9711F}" type="slidenum">
               <a:rPr lang="en-US" smtClean="0"/>
               <a:pPr/>
-              <a:t>‹Nr.›</a:t>
+              <a:t>‹#›</a:t>
             </a:fld>
             <a:endParaRPr lang="en-US"/>
           </a:p>
@@ -3338,7 +3338,7 @@
             <a:fld id="{AB5C8118-FB93-4E87-B380-0175F2FE2167}" type="datetime4">
               <a:rPr lang="en-US" smtClean="0"/>
               <a:pPr/>
-              <a:t>Januar 14, 2015</a:t>
+              <a:t>January 14, 2015</a:t>
             </a:fld>
             <a:endParaRPr lang="en-US"/>
           </a:p>
@@ -3381,7 +3381,7 @@
             <a:fld id="{8B37D5FE-740C-46F5-801A-FA5477D9711F}" type="slidenum">
               <a:rPr lang="en-US" smtClean="0"/>
               <a:pPr/>
-              <a:t>‹Nr.›</a:t>
+              <a:t>‹#›</a:t>
             </a:fld>
             <a:endParaRPr lang="en-US"/>
           </a:p>
@@ -3505,7 +3505,7 @@
             <a:fld id="{05A93482-8E69-40F7-BCAD-5662A6CADB27}" type="datetime4">
               <a:rPr lang="en-US" smtClean="0"/>
               <a:pPr/>
-              <a:t>Januar 14, 2015</a:t>
+              <a:t>January 14, 2015</a:t>
             </a:fld>
             <a:endParaRPr lang="en-US"/>
           </a:p>
@@ -3548,7 +3548,7 @@
             <a:fld id="{8B37D5FE-740C-46F5-801A-FA5477D9711F}" type="slidenum">
               <a:rPr lang="en-US" smtClean="0"/>
               <a:pPr/>
-              <a:t>‹Nr.›</a:t>
+              <a:t>‹#›</a:t>
             </a:fld>
             <a:endParaRPr lang="en-US"/>
           </a:p>
@@ -3748,7 +3748,7 @@
             <a:fld id="{FBB7EAE1-CAAC-4AEF-919E-158692B1E55E}" type="datetime4">
               <a:rPr lang="en-US" smtClean="0"/>
               <a:pPr/>
-              <a:t>Januar 14, 2015</a:t>
+              <a:t>January 14, 2015</a:t>
             </a:fld>
             <a:endParaRPr lang="en-US"/>
           </a:p>
@@ -3791,7 +3791,7 @@
             <a:fld id="{8B37D5FE-740C-46F5-801A-FA5477D9711F}" type="slidenum">
               <a:rPr lang="en-US" smtClean="0"/>
               <a:pPr/>
-              <a:t>‹Nr.›</a:t>
+              <a:t>‹#›</a:t>
             </a:fld>
             <a:endParaRPr lang="en-US"/>
           </a:p>
@@ -3863,7 +3863,7 @@
             <a:fld id="{9525A706-D8F2-4D1A-855A-CADC92600C26}" type="datetime4">
               <a:rPr lang="en-US" smtClean="0"/>
               <a:pPr/>
-              <a:t>Januar 14, 2015</a:t>
+              <a:t>January 14, 2015</a:t>
             </a:fld>
             <a:endParaRPr lang="en-US"/>
           </a:p>
@@ -3906,7 +3906,7 @@
             <a:fld id="{8B37D5FE-740C-46F5-801A-FA5477D9711F}" type="slidenum">
               <a:rPr lang="en-US" smtClean="0"/>
               <a:pPr/>
-              <a:t>‹Nr.›</a:t>
+              <a:t>‹#›</a:t>
             </a:fld>
             <a:endParaRPr lang="en-US"/>
           </a:p>
@@ -4404,7 +4404,7 @@
             <a:fld id="{99B4F123-1704-49AC-9D15-C4B1462B8014}" type="datetime4">
               <a:rPr lang="en-US" smtClean="0"/>
               <a:pPr/>
-              <a:t>Januar 14, 2015</a:t>
+              <a:t>January 14, 2015</a:t>
             </a:fld>
             <a:endParaRPr lang="en-US"/>
           </a:p>
@@ -4447,7 +4447,7 @@
             <a:fld id="{8B37D5FE-740C-46F5-801A-FA5477D9711F}" type="slidenum">
               <a:rPr lang="en-US" smtClean="0"/>
               <a:pPr/>
-              <a:t>‹Nr.›</a:t>
+              <a:t>‹#›</a:t>
             </a:fld>
             <a:endParaRPr lang="en-US"/>
           </a:p>
@@ -4519,7 +4519,7 @@
             <a:fld id="{E3127EC2-47FB-48A1-8644-C8A81DDAA119}" type="datetime4">
               <a:rPr lang="en-US" smtClean="0"/>
               <a:pPr/>
-              <a:t>Januar 14, 2015</a:t>
+              <a:t>January 14, 2015</a:t>
             </a:fld>
             <a:endParaRPr lang="en-US"/>
           </a:p>
@@ -4562,7 +4562,7 @@
             <a:fld id="{8B37D5FE-740C-46F5-801A-FA5477D9711F}" type="slidenum">
               <a:rPr lang="en-US" smtClean="0"/>
               <a:pPr/>
-              <a:t>‹Nr.›</a:t>
+              <a:t>‹#›</a:t>
             </a:fld>
             <a:endParaRPr lang="en-US"/>
           </a:p>
@@ -4611,7 +4611,7 @@
             <a:fld id="{AE3EC3ED-7435-49F9-84C8-03CCA2F8DEDB}" type="datetime4">
               <a:rPr lang="en-US" smtClean="0"/>
               <a:pPr/>
-              <a:t>Januar 14, 2015</a:t>
+              <a:t>January 14, 2015</a:t>
             </a:fld>
             <a:endParaRPr lang="en-US"/>
           </a:p>
@@ -4654,7 +4654,7 @@
             <a:fld id="{8B37D5FE-740C-46F5-801A-FA5477D9711F}" type="slidenum">
               <a:rPr lang="en-US" smtClean="0"/>
               <a:pPr/>
-              <a:t>‹Nr.›</a:t>
+              <a:t>‹#›</a:t>
             </a:fld>
             <a:endParaRPr lang="en-US"/>
           </a:p>
@@ -7264,7 +7264,7 @@
             <a:fld id="{3FC49BF1-FCD3-4395-8FF6-0047AF66228E}" type="datetime4">
               <a:rPr lang="en-US" smtClean="0"/>
               <a:pPr/>
-              <a:t>Januar 14, 2015</a:t>
+              <a:t>January 14, 2015</a:t>
             </a:fld>
             <a:endParaRPr lang="en-US"/>
           </a:p>
@@ -7288,7 +7288,7 @@
             <a:fld id="{8B37D5FE-740C-46F5-801A-FA5477D9711F}" type="slidenum">
               <a:rPr lang="en-US" smtClean="0"/>
               <a:pPr/>
-              <a:t>‹Nr.›</a:t>
+              <a:t>‹#›</a:t>
             </a:fld>
             <a:endParaRPr lang="en-US"/>
           </a:p>
@@ -10478,7 +10478,7 @@
             <a:fld id="{CA861222-2C8B-4501-BE87-6797EC025925}" type="datetime4">
               <a:rPr lang="en-US" smtClean="0"/>
               <a:pPr/>
-              <a:t>Januar 14, 2015</a:t>
+              <a:t>January 14, 2015</a:t>
             </a:fld>
             <a:endParaRPr lang="en-US"/>
           </a:p>
@@ -10528,7 +10528,7 @@
             <a:fld id="{8B37D5FE-740C-46F5-801A-FA5477D9711F}" type="slidenum">
               <a:rPr lang="en-US" smtClean="0"/>
               <a:pPr/>
-              <a:t>‹Nr.›</a:t>
+              <a:t>‹#›</a:t>
             </a:fld>
             <a:endParaRPr lang="en-US"/>
           </a:p>
@@ -13302,7 +13302,7 @@
             <a:fld id="{16C01193-8287-4834-A286-6B880643E934}" type="datetime4">
               <a:rPr lang="en-US" smtClean="0"/>
               <a:pPr/>
-              <a:t>Januar 14, 2015</a:t>
+              <a:t>January 14, 2015</a:t>
             </a:fld>
             <a:endParaRPr lang="en-US"/>
           </a:p>
@@ -13377,7 +13377,7 @@
             <a:fld id="{8B37D5FE-740C-46F5-801A-FA5477D9711F}" type="slidenum">
               <a:rPr lang="en-US" smtClean="0"/>
               <a:pPr/>
-              <a:t>‹Nr.›</a:t>
+              <a:t>‹#›</a:t>
             </a:fld>
             <a:endParaRPr lang="en-US"/>
           </a:p>
@@ -13848,6 +13848,13 @@
   <p:clrMapOvr>
     <a:masterClrMapping/>
   </p:clrMapOvr>
+  <p:timing>
+    <p:tnLst>
+      <p:par>
+        <p:cTn xmlns:p14="http://schemas.microsoft.com/office/powerpoint/2010/main" id="1" dur="indefinite" restart="never" nodeType="tmRoot"/>
+      </p:par>
+    </p:tnLst>
+  </p:timing>
 </p:sld>
 </file>
 
@@ -13997,6 +14004,13 @@
   <p:clrMapOvr>
     <a:masterClrMapping/>
   </p:clrMapOvr>
+  <p:timing>
+    <p:tnLst>
+      <p:par>
+        <p:cTn xmlns:p14="http://schemas.microsoft.com/office/powerpoint/2010/main" id="1" dur="indefinite" restart="never" nodeType="tmRoot"/>
+      </p:par>
+    </p:tnLst>
+  </p:timing>
 </p:sld>
 </file>
 
@@ -14017,66 +14031,6 @@
           <a:chExt cx="0" cy="0"/>
         </a:xfrm>
       </p:grpSpPr>
-      <p:pic>
-        <p:nvPicPr>
-          <p:cNvPr id="12" name="Picture 11" descr="1.jpg"/>
-          <p:cNvPicPr>
-            <a:picLocks noChangeAspect="1"/>
-          </p:cNvPicPr>
-          <p:nvPr/>
-        </p:nvPicPr>
-        <p:blipFill>
-          <a:blip r:embed="rId2">
-            <a:extLst>
-              <a:ext uri="{28A0092B-C50C-407E-A947-70E740481C1C}">
-                <a14:useLocalDpi xmlns:a14="http://schemas.microsoft.com/office/drawing/2010/main" val="0"/>
-              </a:ext>
-            </a:extLst>
-          </a:blip>
-          <a:stretch>
-            <a:fillRect/>
-          </a:stretch>
-        </p:blipFill>
-        <p:spPr>
-          <a:xfrm>
-            <a:off x="6486085" y="4088004"/>
-            <a:ext cx="1793687" cy="1793687"/>
-          </a:xfrm>
-          <a:prstGeom prst="rect">
-            <a:avLst/>
-          </a:prstGeom>
-        </p:spPr>
-      </p:pic>
-      <p:pic>
-        <p:nvPicPr>
-          <p:cNvPr id="11" name="Picture 10" descr="Webcam.jpg"/>
-          <p:cNvPicPr>
-            <a:picLocks noChangeAspect="1"/>
-          </p:cNvPicPr>
-          <p:nvPr/>
-        </p:nvPicPr>
-        <p:blipFill>
-          <a:blip r:embed="rId3" cstate="print">
-            <a:extLst>
-              <a:ext uri="{28A0092B-C50C-407E-A947-70E740481C1C}">
-                <a14:useLocalDpi xmlns:a14="http://schemas.microsoft.com/office/drawing/2010/main" val="0"/>
-              </a:ext>
-            </a:extLst>
-          </a:blip>
-          <a:stretch>
-            <a:fillRect/>
-          </a:stretch>
-        </p:blipFill>
-        <p:spPr>
-          <a:xfrm>
-            <a:off x="978714" y="4355356"/>
-            <a:ext cx="2047844" cy="1535883"/>
-          </a:xfrm>
-          <a:prstGeom prst="rect">
-            <a:avLst/>
-          </a:prstGeom>
-        </p:spPr>
-      </p:pic>
       <p:sp>
         <p:nvSpPr>
           <p:cNvPr id="3" name="Content Placeholder 2"/>
@@ -14387,104 +14341,179 @@
           </a:p>
         </p:txBody>
       </p:sp>
-      <p:pic>
-        <p:nvPicPr>
-          <p:cNvPr id="10" name="Picture 9" descr="sad-dog-cage-592x393.jpg"/>
-          <p:cNvPicPr>
-            <a:picLocks noChangeAspect="1"/>
-          </p:cNvPicPr>
+      <p:grpSp>
+        <p:nvGrpSpPr>
+          <p:cNvPr id="2" name="Group 1"/>
+          <p:cNvGrpSpPr/>
           <p:nvPr/>
-        </p:nvPicPr>
-        <p:blipFill>
-          <a:blip r:embed="rId4">
-            <a:extLst>
-              <a:ext uri="{28A0092B-C50C-407E-A947-70E740481C1C}">
-                <a14:useLocalDpi xmlns:a14="http://schemas.microsoft.com/office/drawing/2010/main" val="0"/>
-              </a:ext>
-            </a:extLst>
-          </a:blip>
-          <a:stretch>
-            <a:fillRect/>
-          </a:stretch>
-        </p:blipFill>
-        <p:spPr>
+        </p:nvGrpSpPr>
+        <p:grpSpPr>
           <a:xfrm>
-            <a:off x="2660527" y="4345810"/>
-            <a:ext cx="2104236" cy="1396900"/>
+            <a:off x="978714" y="4088004"/>
+            <a:ext cx="7301058" cy="1803235"/>
+            <a:chOff x="978714" y="4088004"/>
+            <a:chExt cx="7301058" cy="1803235"/>
           </a:xfrm>
-          <a:prstGeom prst="rect">
-            <a:avLst/>
-          </a:prstGeom>
-        </p:spPr>
-      </p:pic>
-      <p:sp>
-        <p:nvSpPr>
-          <p:cNvPr id="13" name="Right Arrow 12"/>
-          <p:cNvSpPr/>
-          <p:nvPr/>
-        </p:nvSpPr>
-        <p:spPr>
-          <a:xfrm>
-            <a:off x="4876833" y="4716812"/>
-            <a:ext cx="1482550" cy="553796"/>
-          </a:xfrm>
-          <a:prstGeom prst="rightArrow">
-            <a:avLst/>
-          </a:prstGeom>
-        </p:spPr>
-        <p:style>
-          <a:lnRef idx="1">
-            <a:schemeClr val="accent1"/>
-          </a:lnRef>
-          <a:fillRef idx="3">
-            <a:schemeClr val="accent1"/>
-          </a:fillRef>
-          <a:effectRef idx="2">
-            <a:schemeClr val="accent1"/>
-          </a:effectRef>
-          <a:fontRef idx="minor">
-            <a:schemeClr val="lt1"/>
-          </a:fontRef>
-        </p:style>
-        <p:txBody>
-          <a:bodyPr rtlCol="0" anchor="ctr"/>
-          <a:lstStyle/>
-          <a:p>
-            <a:pPr algn="ctr"/>
-            <a:endParaRPr lang="en-US"/>
-          </a:p>
-        </p:txBody>
-      </p:sp>
-      <p:sp>
-        <p:nvSpPr>
-          <p:cNvPr id="14" name="TextBox 13"/>
-          <p:cNvSpPr txBox="1"/>
-          <p:nvPr/>
-        </p:nvSpPr>
-        <p:spPr>
-          <a:xfrm>
-            <a:off x="4869794" y="4221686"/>
-            <a:ext cx="1327258" cy="646331"/>
-          </a:xfrm>
-          <a:prstGeom prst="rect">
-            <a:avLst/>
-          </a:prstGeom>
-          <a:noFill/>
-        </p:spPr>
-        <p:txBody>
-          <a:bodyPr wrap="square" rtlCol="0">
-            <a:spAutoFit/>
-          </a:bodyPr>
-          <a:lstStyle/>
-          <a:p>
-            <a:r>
-              <a:rPr lang="en-US" dirty="0" smtClean="0"/>
-              <a:t>Home delivered</a:t>
-            </a:r>
-            <a:endParaRPr lang="en-US" dirty="0"/>
-          </a:p>
-        </p:txBody>
-      </p:sp>
+        </p:grpSpPr>
+        <p:pic>
+          <p:nvPicPr>
+            <p:cNvPr id="12" name="Picture 11" descr="1.jpg"/>
+            <p:cNvPicPr>
+              <a:picLocks noChangeAspect="1"/>
+            </p:cNvPicPr>
+            <p:nvPr/>
+          </p:nvPicPr>
+          <p:blipFill>
+            <a:blip r:embed="rId2">
+              <a:extLst>
+                <a:ext uri="{28A0092B-C50C-407E-A947-70E740481C1C}">
+                  <a14:useLocalDpi xmlns:a14="http://schemas.microsoft.com/office/drawing/2010/main" val="0"/>
+                </a:ext>
+              </a:extLst>
+            </a:blip>
+            <a:stretch>
+              <a:fillRect/>
+            </a:stretch>
+          </p:blipFill>
+          <p:spPr>
+            <a:xfrm>
+              <a:off x="6486085" y="4088004"/>
+              <a:ext cx="1793687" cy="1793687"/>
+            </a:xfrm>
+            <a:prstGeom prst="rect">
+              <a:avLst/>
+            </a:prstGeom>
+          </p:spPr>
+        </p:pic>
+        <p:pic>
+          <p:nvPicPr>
+            <p:cNvPr id="11" name="Picture 10" descr="Webcam.jpg"/>
+            <p:cNvPicPr>
+              <a:picLocks noChangeAspect="1"/>
+            </p:cNvPicPr>
+            <p:nvPr/>
+          </p:nvPicPr>
+          <p:blipFill>
+            <a:blip r:embed="rId3" cstate="print">
+              <a:extLst>
+                <a:ext uri="{28A0092B-C50C-407E-A947-70E740481C1C}">
+                  <a14:useLocalDpi xmlns:a14="http://schemas.microsoft.com/office/drawing/2010/main" val="0"/>
+                </a:ext>
+              </a:extLst>
+            </a:blip>
+            <a:stretch>
+              <a:fillRect/>
+            </a:stretch>
+          </p:blipFill>
+          <p:spPr>
+            <a:xfrm>
+              <a:off x="978714" y="4355356"/>
+              <a:ext cx="2047844" cy="1535883"/>
+            </a:xfrm>
+            <a:prstGeom prst="rect">
+              <a:avLst/>
+            </a:prstGeom>
+          </p:spPr>
+        </p:pic>
+        <p:pic>
+          <p:nvPicPr>
+            <p:cNvPr id="10" name="Picture 9" descr="sad-dog-cage-592x393.jpg"/>
+            <p:cNvPicPr>
+              <a:picLocks noChangeAspect="1"/>
+            </p:cNvPicPr>
+            <p:nvPr/>
+          </p:nvPicPr>
+          <p:blipFill>
+            <a:blip r:embed="rId4">
+              <a:extLst>
+                <a:ext uri="{28A0092B-C50C-407E-A947-70E740481C1C}">
+                  <a14:useLocalDpi xmlns:a14="http://schemas.microsoft.com/office/drawing/2010/main" val="0"/>
+                </a:ext>
+              </a:extLst>
+            </a:blip>
+            <a:stretch>
+              <a:fillRect/>
+            </a:stretch>
+          </p:blipFill>
+          <p:spPr>
+            <a:xfrm>
+              <a:off x="2660527" y="4345810"/>
+              <a:ext cx="2104236" cy="1396900"/>
+            </a:xfrm>
+            <a:prstGeom prst="rect">
+              <a:avLst/>
+            </a:prstGeom>
+          </p:spPr>
+        </p:pic>
+        <p:sp>
+          <p:nvSpPr>
+            <p:cNvPr id="13" name="Right Arrow 12"/>
+            <p:cNvSpPr/>
+            <p:nvPr/>
+          </p:nvSpPr>
+          <p:spPr>
+            <a:xfrm>
+              <a:off x="4876833" y="4716812"/>
+              <a:ext cx="1482550" cy="553796"/>
+            </a:xfrm>
+            <a:prstGeom prst="rightArrow">
+              <a:avLst/>
+            </a:prstGeom>
+          </p:spPr>
+          <p:style>
+            <a:lnRef idx="1">
+              <a:schemeClr val="accent1"/>
+            </a:lnRef>
+            <a:fillRef idx="3">
+              <a:schemeClr val="accent1"/>
+            </a:fillRef>
+            <a:effectRef idx="2">
+              <a:schemeClr val="accent1"/>
+            </a:effectRef>
+            <a:fontRef idx="minor">
+              <a:schemeClr val="lt1"/>
+            </a:fontRef>
+          </p:style>
+          <p:txBody>
+            <a:bodyPr rtlCol="0" anchor="ctr"/>
+            <a:lstStyle/>
+            <a:p>
+              <a:pPr algn="ctr"/>
+              <a:endParaRPr lang="en-US"/>
+            </a:p>
+          </p:txBody>
+        </p:sp>
+        <p:sp>
+          <p:nvSpPr>
+            <p:cNvPr id="14" name="TextBox 13"/>
+            <p:cNvSpPr txBox="1"/>
+            <p:nvPr/>
+          </p:nvSpPr>
+          <p:spPr>
+            <a:xfrm>
+              <a:off x="4869794" y="4221686"/>
+              <a:ext cx="1327258" cy="646331"/>
+            </a:xfrm>
+            <a:prstGeom prst="rect">
+              <a:avLst/>
+            </a:prstGeom>
+            <a:noFill/>
+          </p:spPr>
+          <p:txBody>
+            <a:bodyPr wrap="square" rtlCol="0">
+              <a:spAutoFit/>
+            </a:bodyPr>
+            <a:lstStyle/>
+            <a:p>
+              <a:r>
+                <a:rPr lang="en-US" dirty="0" smtClean="0"/>
+                <a:t>Home delivered</a:t>
+              </a:r>
+              <a:endParaRPr lang="en-US" dirty="0"/>
+            </a:p>
+          </p:txBody>
+        </p:sp>
+      </p:grpSp>
     </p:spTree>
     <p:extLst>
       <p:ext uri="{BB962C8B-B14F-4D97-AF65-F5344CB8AC3E}">
@@ -14495,6 +14524,179 @@
   <p:clrMapOvr>
     <a:masterClrMapping/>
   </p:clrMapOvr>
+  <p:timing>
+    <p:tnLst>
+      <p:par>
+        <p:cTn xmlns:p14="http://schemas.microsoft.com/office/powerpoint/2010/main" id="1" dur="indefinite" restart="never" nodeType="tmRoot">
+          <p:childTnLst>
+            <p:seq concurrent="1" nextAc="seek">
+              <p:cTn id="2" dur="indefinite" nodeType="mainSeq">
+                <p:childTnLst>
+                  <p:par>
+                    <p:cTn id="3" fill="hold">
+                      <p:stCondLst>
+                        <p:cond delay="indefinite"/>
+                      </p:stCondLst>
+                      <p:childTnLst>
+                        <p:par>
+                          <p:cTn id="4" fill="hold">
+                            <p:stCondLst>
+                              <p:cond delay="0"/>
+                            </p:stCondLst>
+                            <p:childTnLst>
+                              <p:par>
+                                <p:cTn id="5" presetID="1" presetClass="entr" presetSubtype="0" fill="hold" grpId="0" nodeType="clickEffect">
+                                  <p:stCondLst>
+                                    <p:cond delay="0"/>
+                                  </p:stCondLst>
+                                  <p:childTnLst>
+                                    <p:set>
+                                      <p:cBhvr>
+                                        <p:cTn id="6" dur="1" fill="hold">
+                                          <p:stCondLst>
+                                            <p:cond delay="0"/>
+                                          </p:stCondLst>
+                                        </p:cTn>
+                                        <p:tgtEl>
+                                          <p:spTgt spid="3">
+                                            <p:txEl>
+                                              <p:pRg st="2" end="2"/>
+                                            </p:txEl>
+                                          </p:spTgt>
+                                        </p:tgtEl>
+                                        <p:attrNameLst>
+                                          <p:attrName>style.visibility</p:attrName>
+                                        </p:attrNameLst>
+                                      </p:cBhvr>
+                                      <p:to>
+                                        <p:strVal val="visible"/>
+                                      </p:to>
+                                    </p:set>
+                                  </p:childTnLst>
+                                </p:cTn>
+                              </p:par>
+                            </p:childTnLst>
+                          </p:cTn>
+                        </p:par>
+                      </p:childTnLst>
+                    </p:cTn>
+                  </p:par>
+                  <p:par>
+                    <p:cTn id="7" fill="hold">
+                      <p:stCondLst>
+                        <p:cond delay="indefinite"/>
+                      </p:stCondLst>
+                      <p:childTnLst>
+                        <p:par>
+                          <p:cTn id="8" fill="hold">
+                            <p:stCondLst>
+                              <p:cond delay="0"/>
+                            </p:stCondLst>
+                            <p:childTnLst>
+                              <p:par>
+                                <p:cTn id="9" presetID="1" presetClass="entr" presetSubtype="0" fill="hold" grpId="0" nodeType="clickEffect">
+                                  <p:stCondLst>
+                                    <p:cond delay="0"/>
+                                  </p:stCondLst>
+                                  <p:childTnLst>
+                                    <p:set>
+                                      <p:cBhvr>
+                                        <p:cTn id="10" dur="1" fill="hold">
+                                          <p:stCondLst>
+                                            <p:cond delay="0"/>
+                                          </p:stCondLst>
+                                        </p:cTn>
+                                        <p:tgtEl>
+                                          <p:spTgt spid="9"/>
+                                        </p:tgtEl>
+                                        <p:attrNameLst>
+                                          <p:attrName>style.visibility</p:attrName>
+                                        </p:attrNameLst>
+                                      </p:cBhvr>
+                                      <p:to>
+                                        <p:strVal val="visible"/>
+                                      </p:to>
+                                    </p:set>
+                                  </p:childTnLst>
+                                </p:cTn>
+                              </p:par>
+                            </p:childTnLst>
+                          </p:cTn>
+                        </p:par>
+                      </p:childTnLst>
+                    </p:cTn>
+                  </p:par>
+                  <p:par>
+                    <p:cTn id="11" fill="hold">
+                      <p:stCondLst>
+                        <p:cond delay="indefinite"/>
+                      </p:stCondLst>
+                      <p:childTnLst>
+                        <p:par>
+                          <p:cTn id="12" fill="hold">
+                            <p:stCondLst>
+                              <p:cond delay="0"/>
+                            </p:stCondLst>
+                            <p:childTnLst>
+                              <p:par>
+                                <p:cTn id="13" presetID="1" presetClass="entr" presetSubtype="0" fill="hold" nodeType="clickEffect">
+                                  <p:stCondLst>
+                                    <p:cond delay="0"/>
+                                  </p:stCondLst>
+                                  <p:childTnLst>
+                                    <p:set>
+                                      <p:cBhvr>
+                                        <p:cTn id="14" dur="1" fill="hold">
+                                          <p:stCondLst>
+                                            <p:cond delay="0"/>
+                                          </p:stCondLst>
+                                        </p:cTn>
+                                        <p:tgtEl>
+                                          <p:spTgt spid="2"/>
+                                        </p:tgtEl>
+                                        <p:attrNameLst>
+                                          <p:attrName>style.visibility</p:attrName>
+                                        </p:attrNameLst>
+                                      </p:cBhvr>
+                                      <p:to>
+                                        <p:strVal val="visible"/>
+                                      </p:to>
+                                    </p:set>
+                                  </p:childTnLst>
+                                </p:cTn>
+                              </p:par>
+                            </p:childTnLst>
+                          </p:cTn>
+                        </p:par>
+                      </p:childTnLst>
+                    </p:cTn>
+                  </p:par>
+                </p:childTnLst>
+              </p:cTn>
+              <p:prevCondLst>
+                <p:cond evt="onPrev" delay="0">
+                  <p:tgtEl>
+                    <p:sldTgt/>
+                  </p:tgtEl>
+                </p:cond>
+              </p:prevCondLst>
+              <p:nextCondLst>
+                <p:cond evt="onNext" delay="0">
+                  <p:tgtEl>
+                    <p:sldTgt/>
+                  </p:tgtEl>
+                </p:cond>
+              </p:nextCondLst>
+            </p:seq>
+          </p:childTnLst>
+        </p:cTn>
+      </p:par>
+    </p:tnLst>
+    <p:bldLst>
+      <p:bldP spid="3" grpId="0" uiExpand="1" build="p"/>
+      <p:bldP spid="9" grpId="0"/>
+    </p:bldLst>
+  </p:timing>
 </p:sld>
 </file>
 
@@ -14643,273 +14845,283 @@
           </a:p>
         </p:txBody>
       </p:sp>
-      <p:pic>
-        <p:nvPicPr>
-          <p:cNvPr id="4" name="Picture 3" descr="demoplant.png"/>
-          <p:cNvPicPr>
-            <a:picLocks noChangeAspect="1"/>
-          </p:cNvPicPr>
+      <p:grpSp>
+        <p:nvGrpSpPr>
+          <p:cNvPr id="2" name="Group 1"/>
+          <p:cNvGrpSpPr/>
           <p:nvPr/>
-        </p:nvPicPr>
-        <p:blipFill>
-          <a:blip r:embed="rId3">
-            <a:extLst>
-              <a:ext uri="{28A0092B-C50C-407E-A947-70E740481C1C}">
-                <a14:useLocalDpi xmlns:a14="http://schemas.microsoft.com/office/drawing/2010/main" val="0"/>
-              </a:ext>
-            </a:extLst>
-          </a:blip>
-          <a:stretch>
-            <a:fillRect/>
-          </a:stretch>
-        </p:blipFill>
-        <p:spPr>
+        </p:nvGrpSpPr>
+        <p:grpSpPr>
           <a:xfrm>
             <a:off x="916667" y="2542032"/>
-            <a:ext cx="1990142" cy="3733528"/>
+            <a:ext cx="7664753" cy="3733528"/>
+            <a:chOff x="916667" y="2542032"/>
+            <a:chExt cx="7664753" cy="3733528"/>
           </a:xfrm>
-          <a:prstGeom prst="rect">
-            <a:avLst/>
-          </a:prstGeom>
-        </p:spPr>
-      </p:pic>
-      <p:sp>
-        <p:nvSpPr>
-          <p:cNvPr id="13" name="Content Placeholder 2"/>
-          <p:cNvSpPr txBox="1">
-            <a:spLocks/>
-          </p:cNvSpPr>
-          <p:nvPr/>
-        </p:nvSpPr>
-        <p:spPr>
-          <a:xfrm>
-            <a:off x="3074657" y="2558186"/>
-            <a:ext cx="5506763" cy="3600407"/>
-          </a:xfrm>
-          <a:prstGeom prst="rect">
-            <a:avLst/>
-          </a:prstGeom>
-        </p:spPr>
-        <p:txBody>
-          <a:bodyPr vert="horz" lIns="91440" tIns="45720" rIns="91440" bIns="45720" rtlCol="0">
-            <a:normAutofit fontScale="92500"/>
-          </a:bodyPr>
-          <a:lstStyle>
-            <a:lvl1pPr marL="342900" indent="-274320" algn="l" defTabSz="914400" rtl="0" eaLnBrk="1" latinLnBrk="0" hangingPunct="1">
-              <a:spcBef>
-                <a:spcPct val="20000"/>
-              </a:spcBef>
-              <a:buClr>
-                <a:schemeClr val="accent1"/>
-              </a:buClr>
-              <a:buSzPct val="76000"/>
-              <a:buFont typeface="Wingdings 2" pitchFamily="18" charset="2"/>
-              <a:buChar char=""/>
-              <a:defRPr sz="2400" kern="1200">
-                <a:solidFill>
-                  <a:schemeClr val="tx2"/>
-                </a:solidFill>
-                <a:latin typeface="+mn-lt"/>
-                <a:ea typeface="+mn-ea"/>
-                <a:cs typeface="+mn-cs"/>
-              </a:defRPr>
-            </a:lvl1pPr>
-            <a:lvl2pPr marL="640080" indent="-274320" algn="l" defTabSz="914400" rtl="0" eaLnBrk="1" latinLnBrk="0" hangingPunct="1">
-              <a:spcBef>
-                <a:spcPct val="20000"/>
-              </a:spcBef>
-              <a:buClr>
-                <a:schemeClr val="accent1"/>
-              </a:buClr>
-              <a:buSzPct val="76000"/>
-              <a:buFont typeface="Wingdings 2" pitchFamily="18" charset="2"/>
-              <a:buChar char=""/>
-              <a:defRPr sz="2200" kern="1200">
-                <a:solidFill>
-                  <a:schemeClr val="tx2"/>
-                </a:solidFill>
-                <a:latin typeface="+mn-lt"/>
-                <a:ea typeface="+mn-ea"/>
-                <a:cs typeface="+mn-cs"/>
-              </a:defRPr>
-            </a:lvl2pPr>
-            <a:lvl3pPr marL="914400" indent="-228600" algn="l" defTabSz="914400" rtl="0" eaLnBrk="1" latinLnBrk="0" hangingPunct="1">
-              <a:spcBef>
-                <a:spcPct val="20000"/>
-              </a:spcBef>
-              <a:buClr>
-                <a:schemeClr val="accent1"/>
-              </a:buClr>
-              <a:buSzPct val="76000"/>
-              <a:buFont typeface="Wingdings 2" pitchFamily="18" charset="2"/>
-              <a:buChar char=""/>
-              <a:defRPr sz="2000" kern="1200">
-                <a:solidFill>
-                  <a:schemeClr val="tx2"/>
-                </a:solidFill>
-                <a:latin typeface="+mn-lt"/>
-                <a:ea typeface="+mn-ea"/>
-                <a:cs typeface="+mn-cs"/>
-              </a:defRPr>
-            </a:lvl3pPr>
-            <a:lvl4pPr marL="1124712" indent="-228600" algn="l" defTabSz="914400" rtl="0" eaLnBrk="1" latinLnBrk="0" hangingPunct="1">
-              <a:spcBef>
-                <a:spcPct val="20000"/>
-              </a:spcBef>
-              <a:buClr>
-                <a:schemeClr val="accent1"/>
-              </a:buClr>
-              <a:buSzPct val="76000"/>
-              <a:buFont typeface="Wingdings 2" pitchFamily="18" charset="2"/>
-              <a:buChar char=""/>
-              <a:defRPr sz="1800" kern="1200">
-                <a:solidFill>
-                  <a:schemeClr val="tx2"/>
-                </a:solidFill>
-                <a:latin typeface="+mn-lt"/>
-                <a:ea typeface="+mn-ea"/>
-                <a:cs typeface="+mn-cs"/>
-              </a:defRPr>
-            </a:lvl4pPr>
-            <a:lvl5pPr marL="1325880" indent="-228600" algn="l" defTabSz="914400" rtl="0" eaLnBrk="1" latinLnBrk="0" hangingPunct="1">
-              <a:spcBef>
-                <a:spcPct val="20000"/>
-              </a:spcBef>
-              <a:buClr>
-                <a:schemeClr val="accent1"/>
-              </a:buClr>
-              <a:buSzPct val="76000"/>
-              <a:buFont typeface="Wingdings 2" pitchFamily="18" charset="2"/>
-              <a:buChar char=""/>
-              <a:defRPr sz="1600" kern="1200" baseline="0">
-                <a:solidFill>
-                  <a:schemeClr val="tx2"/>
-                </a:solidFill>
-                <a:latin typeface="+mn-lt"/>
-                <a:ea typeface="+mn-ea"/>
-                <a:cs typeface="+mn-cs"/>
-              </a:defRPr>
-            </a:lvl5pPr>
-            <a:lvl6pPr marL="1517904" indent="-228600" algn="l" defTabSz="914400" rtl="0" eaLnBrk="1" latinLnBrk="0" hangingPunct="1">
-              <a:spcBef>
-                <a:spcPct val="20000"/>
-              </a:spcBef>
-              <a:buClr>
-                <a:schemeClr val="accent1"/>
-              </a:buClr>
-              <a:buSzPct val="76000"/>
-              <a:buFont typeface="Wingdings 2" pitchFamily="18" charset="2"/>
-              <a:buChar char=""/>
-              <a:defRPr sz="1400" kern="1200">
-                <a:solidFill>
-                  <a:schemeClr val="tx2"/>
-                </a:solidFill>
-                <a:latin typeface="+mn-lt"/>
-                <a:ea typeface="+mn-ea"/>
-                <a:cs typeface="+mn-cs"/>
-              </a:defRPr>
-            </a:lvl6pPr>
-            <a:lvl7pPr marL="1719072" indent="-228600" algn="l" defTabSz="914400" rtl="0" eaLnBrk="1" latinLnBrk="0" hangingPunct="1">
-              <a:spcBef>
-                <a:spcPct val="20000"/>
-              </a:spcBef>
-              <a:buClr>
-                <a:schemeClr val="accent1"/>
-              </a:buClr>
-              <a:buSzPct val="76000"/>
-              <a:buFont typeface="Wingdings 2" pitchFamily="18" charset="2"/>
-              <a:buChar char=""/>
-              <a:defRPr sz="1400" kern="1200">
-                <a:solidFill>
-                  <a:schemeClr val="tx2"/>
-                </a:solidFill>
-                <a:latin typeface="+mn-lt"/>
-                <a:ea typeface="+mn-ea"/>
-                <a:cs typeface="+mn-cs"/>
-              </a:defRPr>
-            </a:lvl7pPr>
-            <a:lvl8pPr marL="1920240" indent="-228600" algn="l" defTabSz="914400" rtl="0" eaLnBrk="1" latinLnBrk="0" hangingPunct="1">
-              <a:spcBef>
-                <a:spcPct val="20000"/>
-              </a:spcBef>
-              <a:buClr>
-                <a:schemeClr val="accent1"/>
-              </a:buClr>
-              <a:buSzPct val="76000"/>
-              <a:buFont typeface="Wingdings 2" pitchFamily="18" charset="2"/>
-              <a:buChar char=""/>
-              <a:defRPr sz="1400" kern="1200">
-                <a:solidFill>
-                  <a:schemeClr val="tx2"/>
-                </a:solidFill>
-                <a:latin typeface="+mn-lt"/>
-                <a:ea typeface="+mn-ea"/>
-                <a:cs typeface="+mn-cs"/>
-              </a:defRPr>
-            </a:lvl8pPr>
-            <a:lvl9pPr marL="2121408" indent="-228600" algn="l" defTabSz="914400" rtl="0" eaLnBrk="1" latinLnBrk="0" hangingPunct="1">
-              <a:spcBef>
-                <a:spcPct val="20000"/>
-              </a:spcBef>
-              <a:buClr>
-                <a:schemeClr val="accent1"/>
-              </a:buClr>
-              <a:buSzPct val="76000"/>
-              <a:buFont typeface="Wingdings 2" pitchFamily="18" charset="2"/>
-              <a:buChar char=""/>
-              <a:defRPr sz="1400" kern="1200">
-                <a:solidFill>
-                  <a:schemeClr val="tx2"/>
-                </a:solidFill>
-                <a:latin typeface="+mn-lt"/>
-                <a:ea typeface="+mn-ea"/>
-                <a:cs typeface="+mn-cs"/>
-              </a:defRPr>
-            </a:lvl9pPr>
-          </a:lstStyle>
-          <a:p>
-            <a:pPr marL="68580" indent="0">
-              <a:buNone/>
-            </a:pPr>
-            <a:r>
-              <a:rPr lang="en-US" b="1" dirty="0" smtClean="0"/>
-              <a:t>Plants are the ideal product for a web shop </a:t>
-            </a:r>
-            <a:r>
-              <a:rPr lang="en-US" b="1" dirty="0" smtClean="0"/>
-              <a:t>because (includes task 1.2)</a:t>
-            </a:r>
-            <a:endParaRPr lang="en-US" b="1" dirty="0" smtClean="0"/>
-          </a:p>
-          <a:p>
-            <a:pPr marL="68580" indent="0">
-              <a:buNone/>
-            </a:pPr>
-            <a:endParaRPr lang="en-US" dirty="0" smtClean="0"/>
-          </a:p>
-          <a:p>
-            <a:r>
-              <a:rPr lang="en-US" dirty="0"/>
-              <a:t>n</a:t>
-            </a:r>
-            <a:r>
-              <a:rPr lang="en-US" dirty="0" smtClean="0"/>
-              <a:t>ot everyone has a car, almost nobody has the right car to transport a plant</a:t>
-            </a:r>
-          </a:p>
-          <a:p>
-            <a:r>
-              <a:rPr lang="en-US" dirty="0"/>
-              <a:t>o</a:t>
-            </a:r>
-            <a:r>
-              <a:rPr lang="en-US" dirty="0" smtClean="0"/>
-              <a:t>nly few people have the know-how to buy the right plant for their home</a:t>
-            </a:r>
-            <a:endParaRPr lang="en-US" dirty="0"/>
-          </a:p>
-        </p:txBody>
-      </p:sp>
+        </p:grpSpPr>
+        <p:pic>
+          <p:nvPicPr>
+            <p:cNvPr id="4" name="Picture 3" descr="demoplant.png"/>
+            <p:cNvPicPr>
+              <a:picLocks noChangeAspect="1"/>
+            </p:cNvPicPr>
+            <p:nvPr/>
+          </p:nvPicPr>
+          <p:blipFill>
+            <a:blip r:embed="rId3">
+              <a:extLst>
+                <a:ext uri="{28A0092B-C50C-407E-A947-70E740481C1C}">
+                  <a14:useLocalDpi xmlns:a14="http://schemas.microsoft.com/office/drawing/2010/main" val="0"/>
+                </a:ext>
+              </a:extLst>
+            </a:blip>
+            <a:stretch>
+              <a:fillRect/>
+            </a:stretch>
+          </p:blipFill>
+          <p:spPr>
+            <a:xfrm>
+              <a:off x="916667" y="2542032"/>
+              <a:ext cx="1990142" cy="3733528"/>
+            </a:xfrm>
+            <a:prstGeom prst="rect">
+              <a:avLst/>
+            </a:prstGeom>
+          </p:spPr>
+        </p:pic>
+        <p:sp>
+          <p:nvSpPr>
+            <p:cNvPr id="13" name="Content Placeholder 2"/>
+            <p:cNvSpPr txBox="1">
+              <a:spLocks/>
+            </p:cNvSpPr>
+            <p:nvPr/>
+          </p:nvSpPr>
+          <p:spPr>
+            <a:xfrm>
+              <a:off x="3074657" y="2558186"/>
+              <a:ext cx="5506763" cy="3600407"/>
+            </a:xfrm>
+            <a:prstGeom prst="rect">
+              <a:avLst/>
+            </a:prstGeom>
+          </p:spPr>
+          <p:txBody>
+            <a:bodyPr vert="horz" lIns="91440" tIns="45720" rIns="91440" bIns="45720" rtlCol="0">
+              <a:normAutofit fontScale="92500"/>
+            </a:bodyPr>
+            <a:lstStyle>
+              <a:lvl1pPr marL="342900" indent="-274320" algn="l" defTabSz="914400" rtl="0" eaLnBrk="1" latinLnBrk="0" hangingPunct="1">
+                <a:spcBef>
+                  <a:spcPct val="20000"/>
+                </a:spcBef>
+                <a:buClr>
+                  <a:schemeClr val="accent1"/>
+                </a:buClr>
+                <a:buSzPct val="76000"/>
+                <a:buFont typeface="Wingdings 2" pitchFamily="18" charset="2"/>
+                <a:buChar char=""/>
+                <a:defRPr sz="2400" kern="1200">
+                  <a:solidFill>
+                    <a:schemeClr val="tx2"/>
+                  </a:solidFill>
+                  <a:latin typeface="+mn-lt"/>
+                  <a:ea typeface="+mn-ea"/>
+                  <a:cs typeface="+mn-cs"/>
+                </a:defRPr>
+              </a:lvl1pPr>
+              <a:lvl2pPr marL="640080" indent="-274320" algn="l" defTabSz="914400" rtl="0" eaLnBrk="1" latinLnBrk="0" hangingPunct="1">
+                <a:spcBef>
+                  <a:spcPct val="20000"/>
+                </a:spcBef>
+                <a:buClr>
+                  <a:schemeClr val="accent1"/>
+                </a:buClr>
+                <a:buSzPct val="76000"/>
+                <a:buFont typeface="Wingdings 2" pitchFamily="18" charset="2"/>
+                <a:buChar char=""/>
+                <a:defRPr sz="2200" kern="1200">
+                  <a:solidFill>
+                    <a:schemeClr val="tx2"/>
+                  </a:solidFill>
+                  <a:latin typeface="+mn-lt"/>
+                  <a:ea typeface="+mn-ea"/>
+                  <a:cs typeface="+mn-cs"/>
+                </a:defRPr>
+              </a:lvl2pPr>
+              <a:lvl3pPr marL="914400" indent="-228600" algn="l" defTabSz="914400" rtl="0" eaLnBrk="1" latinLnBrk="0" hangingPunct="1">
+                <a:spcBef>
+                  <a:spcPct val="20000"/>
+                </a:spcBef>
+                <a:buClr>
+                  <a:schemeClr val="accent1"/>
+                </a:buClr>
+                <a:buSzPct val="76000"/>
+                <a:buFont typeface="Wingdings 2" pitchFamily="18" charset="2"/>
+                <a:buChar char=""/>
+                <a:defRPr sz="2000" kern="1200">
+                  <a:solidFill>
+                    <a:schemeClr val="tx2"/>
+                  </a:solidFill>
+                  <a:latin typeface="+mn-lt"/>
+                  <a:ea typeface="+mn-ea"/>
+                  <a:cs typeface="+mn-cs"/>
+                </a:defRPr>
+              </a:lvl3pPr>
+              <a:lvl4pPr marL="1124712" indent="-228600" algn="l" defTabSz="914400" rtl="0" eaLnBrk="1" latinLnBrk="0" hangingPunct="1">
+                <a:spcBef>
+                  <a:spcPct val="20000"/>
+                </a:spcBef>
+                <a:buClr>
+                  <a:schemeClr val="accent1"/>
+                </a:buClr>
+                <a:buSzPct val="76000"/>
+                <a:buFont typeface="Wingdings 2" pitchFamily="18" charset="2"/>
+                <a:buChar char=""/>
+                <a:defRPr sz="1800" kern="1200">
+                  <a:solidFill>
+                    <a:schemeClr val="tx2"/>
+                  </a:solidFill>
+                  <a:latin typeface="+mn-lt"/>
+                  <a:ea typeface="+mn-ea"/>
+                  <a:cs typeface="+mn-cs"/>
+                </a:defRPr>
+              </a:lvl4pPr>
+              <a:lvl5pPr marL="1325880" indent="-228600" algn="l" defTabSz="914400" rtl="0" eaLnBrk="1" latinLnBrk="0" hangingPunct="1">
+                <a:spcBef>
+                  <a:spcPct val="20000"/>
+                </a:spcBef>
+                <a:buClr>
+                  <a:schemeClr val="accent1"/>
+                </a:buClr>
+                <a:buSzPct val="76000"/>
+                <a:buFont typeface="Wingdings 2" pitchFamily="18" charset="2"/>
+                <a:buChar char=""/>
+                <a:defRPr sz="1600" kern="1200" baseline="0">
+                  <a:solidFill>
+                    <a:schemeClr val="tx2"/>
+                  </a:solidFill>
+                  <a:latin typeface="+mn-lt"/>
+                  <a:ea typeface="+mn-ea"/>
+                  <a:cs typeface="+mn-cs"/>
+                </a:defRPr>
+              </a:lvl5pPr>
+              <a:lvl6pPr marL="1517904" indent="-228600" algn="l" defTabSz="914400" rtl="0" eaLnBrk="1" latinLnBrk="0" hangingPunct="1">
+                <a:spcBef>
+                  <a:spcPct val="20000"/>
+                </a:spcBef>
+                <a:buClr>
+                  <a:schemeClr val="accent1"/>
+                </a:buClr>
+                <a:buSzPct val="76000"/>
+                <a:buFont typeface="Wingdings 2" pitchFamily="18" charset="2"/>
+                <a:buChar char=""/>
+                <a:defRPr sz="1400" kern="1200">
+                  <a:solidFill>
+                    <a:schemeClr val="tx2"/>
+                  </a:solidFill>
+                  <a:latin typeface="+mn-lt"/>
+                  <a:ea typeface="+mn-ea"/>
+                  <a:cs typeface="+mn-cs"/>
+                </a:defRPr>
+              </a:lvl6pPr>
+              <a:lvl7pPr marL="1719072" indent="-228600" algn="l" defTabSz="914400" rtl="0" eaLnBrk="1" latinLnBrk="0" hangingPunct="1">
+                <a:spcBef>
+                  <a:spcPct val="20000"/>
+                </a:spcBef>
+                <a:buClr>
+                  <a:schemeClr val="accent1"/>
+                </a:buClr>
+                <a:buSzPct val="76000"/>
+                <a:buFont typeface="Wingdings 2" pitchFamily="18" charset="2"/>
+                <a:buChar char=""/>
+                <a:defRPr sz="1400" kern="1200">
+                  <a:solidFill>
+                    <a:schemeClr val="tx2"/>
+                  </a:solidFill>
+                  <a:latin typeface="+mn-lt"/>
+                  <a:ea typeface="+mn-ea"/>
+                  <a:cs typeface="+mn-cs"/>
+                </a:defRPr>
+              </a:lvl7pPr>
+              <a:lvl8pPr marL="1920240" indent="-228600" algn="l" defTabSz="914400" rtl="0" eaLnBrk="1" latinLnBrk="0" hangingPunct="1">
+                <a:spcBef>
+                  <a:spcPct val="20000"/>
+                </a:spcBef>
+                <a:buClr>
+                  <a:schemeClr val="accent1"/>
+                </a:buClr>
+                <a:buSzPct val="76000"/>
+                <a:buFont typeface="Wingdings 2" pitchFamily="18" charset="2"/>
+                <a:buChar char=""/>
+                <a:defRPr sz="1400" kern="1200">
+                  <a:solidFill>
+                    <a:schemeClr val="tx2"/>
+                  </a:solidFill>
+                  <a:latin typeface="+mn-lt"/>
+                  <a:ea typeface="+mn-ea"/>
+                  <a:cs typeface="+mn-cs"/>
+                </a:defRPr>
+              </a:lvl8pPr>
+              <a:lvl9pPr marL="2121408" indent="-228600" algn="l" defTabSz="914400" rtl="0" eaLnBrk="1" latinLnBrk="0" hangingPunct="1">
+                <a:spcBef>
+                  <a:spcPct val="20000"/>
+                </a:spcBef>
+                <a:buClr>
+                  <a:schemeClr val="accent1"/>
+                </a:buClr>
+                <a:buSzPct val="76000"/>
+                <a:buFont typeface="Wingdings 2" pitchFamily="18" charset="2"/>
+                <a:buChar char=""/>
+                <a:defRPr sz="1400" kern="1200">
+                  <a:solidFill>
+                    <a:schemeClr val="tx2"/>
+                  </a:solidFill>
+                  <a:latin typeface="+mn-lt"/>
+                  <a:ea typeface="+mn-ea"/>
+                  <a:cs typeface="+mn-cs"/>
+                </a:defRPr>
+              </a:lvl9pPr>
+            </a:lstStyle>
+            <a:p>
+              <a:pPr marL="68580" indent="0">
+                <a:buNone/>
+              </a:pPr>
+              <a:r>
+                <a:rPr lang="en-US" b="1" dirty="0" smtClean="0"/>
+                <a:t>Plants are the ideal product for a web shop because (includes task 1.2)</a:t>
+              </a:r>
+            </a:p>
+            <a:p>
+              <a:pPr marL="68580" indent="0">
+                <a:buNone/>
+              </a:pPr>
+              <a:endParaRPr lang="en-US" dirty="0" smtClean="0"/>
+            </a:p>
+            <a:p>
+              <a:r>
+                <a:rPr lang="en-US" dirty="0"/>
+                <a:t>n</a:t>
+              </a:r>
+              <a:r>
+                <a:rPr lang="en-US" dirty="0" smtClean="0"/>
+                <a:t>ot everyone has a car, almost nobody has the right car to transport a plant</a:t>
+              </a:r>
+            </a:p>
+            <a:p>
+              <a:r>
+                <a:rPr lang="en-US" dirty="0"/>
+                <a:t>o</a:t>
+              </a:r>
+              <a:r>
+                <a:rPr lang="en-US" dirty="0" smtClean="0"/>
+                <a:t>nly few people have the know-how to buy the right plant for their home</a:t>
+              </a:r>
+              <a:endParaRPr lang="en-US" dirty="0"/>
+            </a:p>
+          </p:txBody>
+        </p:sp>
+      </p:grpSp>
     </p:spTree>
     <p:extLst>
       <p:ext uri="{BB962C8B-B14F-4D97-AF65-F5344CB8AC3E}">
@@ -14920,6 +15132,133 @@
   <p:clrMapOvr>
     <a:masterClrMapping/>
   </p:clrMapOvr>
+  <p:timing>
+    <p:tnLst>
+      <p:par>
+        <p:cTn xmlns:p14="http://schemas.microsoft.com/office/powerpoint/2010/main" id="1" dur="indefinite" restart="never" nodeType="tmRoot">
+          <p:childTnLst>
+            <p:seq concurrent="1" nextAc="seek">
+              <p:cTn id="2" dur="indefinite" nodeType="mainSeq">
+                <p:childTnLst>
+                  <p:par>
+                    <p:cTn id="3" fill="hold">
+                      <p:stCondLst>
+                        <p:cond delay="indefinite"/>
+                      </p:stCondLst>
+                      <p:childTnLst>
+                        <p:par>
+                          <p:cTn id="4" fill="hold">
+                            <p:stCondLst>
+                              <p:cond delay="0"/>
+                            </p:stCondLst>
+                            <p:childTnLst>
+                              <p:par>
+                                <p:cTn id="5" presetID="1" presetClass="entr" presetSubtype="0" fill="hold" grpId="0" nodeType="clickEffect">
+                                  <p:stCondLst>
+                                    <p:cond delay="0"/>
+                                  </p:stCondLst>
+                                  <p:childTnLst>
+                                    <p:set>
+                                      <p:cBhvr>
+                                        <p:cTn id="6" dur="1" fill="hold">
+                                          <p:stCondLst>
+                                            <p:cond delay="0"/>
+                                          </p:stCondLst>
+                                        </p:cTn>
+                                        <p:tgtEl>
+                                          <p:spTgt spid="3">
+                                            <p:txEl>
+                                              <p:pRg st="2" end="2"/>
+                                            </p:txEl>
+                                          </p:spTgt>
+                                        </p:tgtEl>
+                                        <p:attrNameLst>
+                                          <p:attrName>style.visibility</p:attrName>
+                                        </p:attrNameLst>
+                                      </p:cBhvr>
+                                      <p:to>
+                                        <p:strVal val="visible"/>
+                                      </p:to>
+                                    </p:set>
+                                  </p:childTnLst>
+                                </p:cTn>
+                              </p:par>
+                            </p:childTnLst>
+                          </p:cTn>
+                        </p:par>
+                      </p:childTnLst>
+                    </p:cTn>
+                  </p:par>
+                  <p:par>
+                    <p:cTn id="7" fill="hold">
+                      <p:stCondLst>
+                        <p:cond delay="indefinite"/>
+                      </p:stCondLst>
+                      <p:childTnLst>
+                        <p:par>
+                          <p:cTn id="8" fill="hold">
+                            <p:stCondLst>
+                              <p:cond delay="0"/>
+                            </p:stCondLst>
+                            <p:childTnLst>
+                              <p:par>
+                                <p:cTn id="9" presetID="1" presetClass="entr" presetSubtype="0" fill="hold" nodeType="clickEffect">
+                                  <p:stCondLst>
+                                    <p:cond delay="0"/>
+                                  </p:stCondLst>
+                                  <p:childTnLst>
+                                    <p:set>
+                                      <p:cBhvr>
+                                        <p:cTn id="10" dur="1" fill="hold">
+                                          <p:stCondLst>
+                                            <p:cond delay="0"/>
+                                          </p:stCondLst>
+                                        </p:cTn>
+                                        <p:tgtEl>
+                                          <p:spTgt spid="2"/>
+                                        </p:tgtEl>
+                                        <p:attrNameLst>
+                                          <p:attrName>style.visibility</p:attrName>
+                                        </p:attrNameLst>
+                                      </p:cBhvr>
+                                      <p:to>
+                                        <p:strVal val="visible"/>
+                                      </p:to>
+                                    </p:set>
+                                  </p:childTnLst>
+                                </p:cTn>
+                              </p:par>
+                            </p:childTnLst>
+                          </p:cTn>
+                        </p:par>
+                      </p:childTnLst>
+                    </p:cTn>
+                  </p:par>
+                </p:childTnLst>
+              </p:cTn>
+              <p:prevCondLst>
+                <p:cond evt="onPrev" delay="0">
+                  <p:tgtEl>
+                    <p:sldTgt/>
+                  </p:tgtEl>
+                </p:cond>
+              </p:prevCondLst>
+              <p:nextCondLst>
+                <p:cond evt="onNext" delay="0">
+                  <p:tgtEl>
+                    <p:sldTgt/>
+                  </p:tgtEl>
+                </p:cond>
+              </p:nextCondLst>
+            </p:seq>
+          </p:childTnLst>
+        </p:cTn>
+      </p:par>
+    </p:tnLst>
+    <p:bldLst>
+      <p:bldP spid="3" grpId="0" uiExpand="1" build="p"/>
+    </p:bldLst>
+  </p:timing>
 </p:sld>
 </file>
 
@@ -14967,11 +15306,7 @@
             </a:pPr>
             <a:r>
               <a:rPr lang="en-US" b="1" dirty="0" smtClean="0"/>
-              <a:t>Business idea behind </a:t>
-            </a:r>
-            <a:r>
-              <a:rPr lang="en-US" b="1" dirty="0" smtClean="0"/>
-              <a:t>it (includes task 1.3)</a:t>
+              <a:t>Business idea behind it (includes task 1.3)</a:t>
             </a:r>
             <a:endParaRPr lang="en-US" dirty="0"/>
           </a:p>
@@ -15158,6 +15493,258 @@
   <p:clrMapOvr>
     <a:masterClrMapping/>
   </p:clrMapOvr>
+  <p:timing>
+    <p:tnLst>
+      <p:par>
+        <p:cTn xmlns:p14="http://schemas.microsoft.com/office/powerpoint/2010/main" id="1" dur="indefinite" restart="never" nodeType="tmRoot">
+          <p:childTnLst>
+            <p:seq concurrent="1" nextAc="seek">
+              <p:cTn id="2" dur="indefinite" nodeType="mainSeq">
+                <p:childTnLst>
+                  <p:par>
+                    <p:cTn id="3" fill="hold">
+                      <p:stCondLst>
+                        <p:cond delay="indefinite"/>
+                      </p:stCondLst>
+                      <p:childTnLst>
+                        <p:par>
+                          <p:cTn id="4" fill="hold">
+                            <p:stCondLst>
+                              <p:cond delay="0"/>
+                            </p:stCondLst>
+                            <p:childTnLst>
+                              <p:par>
+                                <p:cTn id="5" presetID="1" presetClass="entr" presetSubtype="0" fill="hold" grpId="0" nodeType="clickEffect">
+                                  <p:stCondLst>
+                                    <p:cond delay="0"/>
+                                  </p:stCondLst>
+                                  <p:childTnLst>
+                                    <p:set>
+                                      <p:cBhvr>
+                                        <p:cTn id="6" dur="1" fill="hold">
+                                          <p:stCondLst>
+                                            <p:cond delay="0"/>
+                                          </p:stCondLst>
+                                        </p:cTn>
+                                        <p:tgtEl>
+                                          <p:spTgt spid="3">
+                                            <p:txEl>
+                                              <p:pRg st="1" end="1"/>
+                                            </p:txEl>
+                                          </p:spTgt>
+                                        </p:tgtEl>
+                                        <p:attrNameLst>
+                                          <p:attrName>style.visibility</p:attrName>
+                                        </p:attrNameLst>
+                                      </p:cBhvr>
+                                      <p:to>
+                                        <p:strVal val="visible"/>
+                                      </p:to>
+                                    </p:set>
+                                  </p:childTnLst>
+                                </p:cTn>
+                              </p:par>
+                            </p:childTnLst>
+                          </p:cTn>
+                        </p:par>
+                      </p:childTnLst>
+                    </p:cTn>
+                  </p:par>
+                  <p:par>
+                    <p:cTn id="7" fill="hold">
+                      <p:stCondLst>
+                        <p:cond delay="indefinite"/>
+                      </p:stCondLst>
+                      <p:childTnLst>
+                        <p:par>
+                          <p:cTn id="8" fill="hold">
+                            <p:stCondLst>
+                              <p:cond delay="0"/>
+                            </p:stCondLst>
+                            <p:childTnLst>
+                              <p:par>
+                                <p:cTn id="9" presetID="1" presetClass="entr" presetSubtype="0" fill="hold" grpId="0" nodeType="clickEffect">
+                                  <p:stCondLst>
+                                    <p:cond delay="0"/>
+                                  </p:stCondLst>
+                                  <p:childTnLst>
+                                    <p:set>
+                                      <p:cBhvr>
+                                        <p:cTn id="10" dur="1" fill="hold">
+                                          <p:stCondLst>
+                                            <p:cond delay="0"/>
+                                          </p:stCondLst>
+                                        </p:cTn>
+                                        <p:tgtEl>
+                                          <p:spTgt spid="3">
+                                            <p:txEl>
+                                              <p:pRg st="2" end="2"/>
+                                            </p:txEl>
+                                          </p:spTgt>
+                                        </p:tgtEl>
+                                        <p:attrNameLst>
+                                          <p:attrName>style.visibility</p:attrName>
+                                        </p:attrNameLst>
+                                      </p:cBhvr>
+                                      <p:to>
+                                        <p:strVal val="visible"/>
+                                      </p:to>
+                                    </p:set>
+                                  </p:childTnLst>
+                                </p:cTn>
+                              </p:par>
+                            </p:childTnLst>
+                          </p:cTn>
+                        </p:par>
+                      </p:childTnLst>
+                    </p:cTn>
+                  </p:par>
+                  <p:par>
+                    <p:cTn id="11" fill="hold">
+                      <p:stCondLst>
+                        <p:cond delay="indefinite"/>
+                      </p:stCondLst>
+                      <p:childTnLst>
+                        <p:par>
+                          <p:cTn id="12" fill="hold">
+                            <p:stCondLst>
+                              <p:cond delay="0"/>
+                            </p:stCondLst>
+                            <p:childTnLst>
+                              <p:par>
+                                <p:cTn id="13" presetID="1" presetClass="entr" presetSubtype="0" fill="hold" grpId="0" nodeType="clickEffect">
+                                  <p:stCondLst>
+                                    <p:cond delay="0"/>
+                                  </p:stCondLst>
+                                  <p:childTnLst>
+                                    <p:set>
+                                      <p:cBhvr>
+                                        <p:cTn id="14" dur="1" fill="hold">
+                                          <p:stCondLst>
+                                            <p:cond delay="0"/>
+                                          </p:stCondLst>
+                                        </p:cTn>
+                                        <p:tgtEl>
+                                          <p:spTgt spid="3">
+                                            <p:txEl>
+                                              <p:pRg st="3" end="3"/>
+                                            </p:txEl>
+                                          </p:spTgt>
+                                        </p:tgtEl>
+                                        <p:attrNameLst>
+                                          <p:attrName>style.visibility</p:attrName>
+                                        </p:attrNameLst>
+                                      </p:cBhvr>
+                                      <p:to>
+                                        <p:strVal val="visible"/>
+                                      </p:to>
+                                    </p:set>
+                                  </p:childTnLst>
+                                </p:cTn>
+                              </p:par>
+                            </p:childTnLst>
+                          </p:cTn>
+                        </p:par>
+                      </p:childTnLst>
+                    </p:cTn>
+                  </p:par>
+                  <p:par>
+                    <p:cTn id="15" fill="hold">
+                      <p:stCondLst>
+                        <p:cond delay="indefinite"/>
+                      </p:stCondLst>
+                      <p:childTnLst>
+                        <p:par>
+                          <p:cTn id="16" fill="hold">
+                            <p:stCondLst>
+                              <p:cond delay="0"/>
+                            </p:stCondLst>
+                            <p:childTnLst>
+                              <p:par>
+                                <p:cTn id="17" presetID="1" presetClass="entr" presetSubtype="0" fill="hold" nodeType="clickEffect">
+                                  <p:stCondLst>
+                                    <p:cond delay="0"/>
+                                  </p:stCondLst>
+                                  <p:childTnLst>
+                                    <p:set>
+                                      <p:cBhvr>
+                                        <p:cTn id="18" dur="1" fill="hold">
+                                          <p:stCondLst>
+                                            <p:cond delay="0"/>
+                                          </p:stCondLst>
+                                        </p:cTn>
+                                        <p:tgtEl>
+                                          <p:spTgt spid="2"/>
+                                        </p:tgtEl>
+                                        <p:attrNameLst>
+                                          <p:attrName>style.visibility</p:attrName>
+                                        </p:attrNameLst>
+                                      </p:cBhvr>
+                                      <p:to>
+                                        <p:strVal val="visible"/>
+                                      </p:to>
+                                    </p:set>
+                                  </p:childTnLst>
+                                </p:cTn>
+                              </p:par>
+                              <p:par>
+                                <p:cTn id="19" presetID="1" presetClass="entr" presetSubtype="0" fill="hold" nodeType="withEffect">
+                                  <p:stCondLst>
+                                    <p:cond delay="0"/>
+                                  </p:stCondLst>
+                                  <p:childTnLst>
+                                    <p:set>
+                                      <p:cBhvr>
+                                        <p:cTn id="20" dur="1" fill="hold">
+                                          <p:stCondLst>
+                                            <p:cond delay="0"/>
+                                          </p:stCondLst>
+                                        </p:cTn>
+                                        <p:tgtEl>
+                                          <p:spTgt spid="5"/>
+                                        </p:tgtEl>
+                                        <p:attrNameLst>
+                                          <p:attrName>style.visibility</p:attrName>
+                                        </p:attrNameLst>
+                                      </p:cBhvr>
+                                      <p:to>
+                                        <p:strVal val="visible"/>
+                                      </p:to>
+                                    </p:set>
+                                  </p:childTnLst>
+                                </p:cTn>
+                              </p:par>
+                            </p:childTnLst>
+                          </p:cTn>
+                        </p:par>
+                      </p:childTnLst>
+                    </p:cTn>
+                  </p:par>
+                </p:childTnLst>
+              </p:cTn>
+              <p:prevCondLst>
+                <p:cond evt="onPrev" delay="0">
+                  <p:tgtEl>
+                    <p:sldTgt/>
+                  </p:tgtEl>
+                </p:cond>
+              </p:prevCondLst>
+              <p:nextCondLst>
+                <p:cond evt="onNext" delay="0">
+                  <p:tgtEl>
+                    <p:sldTgt/>
+                  </p:tgtEl>
+                </p:cond>
+              </p:nextCondLst>
+            </p:seq>
+          </p:childTnLst>
+        </p:cTn>
+      </p:par>
+    </p:tnLst>
+    <p:bldLst>
+      <p:bldP spid="3" grpId="0" uiExpand="1" build="p"/>
+    </p:bldLst>
+  </p:timing>
 </p:sld>
 </file>
 
@@ -15218,31 +15805,7 @@
             <a:pPr lvl="1"/>
             <a:r>
               <a:rPr lang="en-US" sz="2500" dirty="0" smtClean="0"/>
-              <a:t>Includes tasks: 1.4 / </a:t>
-            </a:r>
-            <a:r>
-              <a:rPr lang="en-US" sz="2500" dirty="0" smtClean="0"/>
-              <a:t>2.1-2.2 </a:t>
-            </a:r>
-            <a:r>
-              <a:rPr lang="en-US" sz="2500" dirty="0" smtClean="0"/>
-              <a:t>/ </a:t>
-            </a:r>
-            <a:r>
-              <a:rPr lang="en-US" sz="2500" dirty="0" smtClean="0"/>
-              <a:t>3.1-3.2 </a:t>
-            </a:r>
-            <a:r>
-              <a:rPr lang="en-US" sz="2500" dirty="0" smtClean="0"/>
-              <a:t>/ 4.1-4.3 / </a:t>
-            </a:r>
-            <a:r>
-              <a:rPr lang="en-US" sz="2500" dirty="0" smtClean="0"/>
-              <a:t>5.1-5.2 </a:t>
-            </a:r>
-            <a:r>
-              <a:rPr lang="en-US" sz="2500" dirty="0" smtClean="0"/>
-              <a:t>/ 7.3</a:t>
+              <a:t>Includes tasks: 1.4 / 2.1-2.2 / 3.1-3.2 / 4.1-4.3 / 5.1-5.2 / 7.3</a:t>
             </a:r>
             <a:endParaRPr lang="en-US" sz="2500" dirty="0"/>
           </a:p>
@@ -15281,59 +15844,21 @@
             </a:r>
             <a:r>
               <a:rPr lang="en-US" sz="2500" dirty="0" smtClean="0"/>
-              <a:t>6.1 </a:t>
+              <a:t>6.1 / 8.2-8.3 / 9.1</a:t>
             </a:r>
+          </a:p>
+          <a:p>
             <a:r>
               <a:rPr lang="en-US" sz="2500" dirty="0" smtClean="0"/>
-              <a:t>/ </a:t>
+              <a:t>After selecting a plant, you can proceed with the checkout process, enter your address and choose shipping method</a:t>
             </a:r>
-            <a:r>
-              <a:rPr lang="en-US" sz="2500" dirty="0" smtClean="0"/>
-              <a:t>8.2-8.3 </a:t>
-            </a:r>
-            <a:r>
-              <a:rPr lang="en-US" sz="2500" dirty="0" smtClean="0"/>
-              <a:t>/ 9.1</a:t>
-            </a:r>
-          </a:p>
-          <a:p>
-            <a:r>
-              <a:rPr lang="en-US" sz="2500" dirty="0" smtClean="0"/>
-              <a:t>After selecting a plant, you can proceed with the checkout </a:t>
-            </a:r>
-            <a:r>
-              <a:rPr lang="en-US" sz="2500" dirty="0" smtClean="0"/>
-              <a:t>process, enter </a:t>
-            </a:r>
-            <a:r>
-              <a:rPr lang="en-US" sz="2500" dirty="0" smtClean="0"/>
-              <a:t>your </a:t>
-            </a:r>
-            <a:r>
-              <a:rPr lang="en-US" sz="2500" dirty="0" smtClean="0"/>
-              <a:t>address and choose shipping method</a:t>
-            </a:r>
-            <a:endParaRPr lang="en-US" sz="2500" dirty="0" smtClean="0"/>
           </a:p>
           <a:p>
             <a:pPr lvl="1"/>
             <a:r>
               <a:rPr lang="en-US" sz="2500" dirty="0" smtClean="0"/>
-              <a:t>Includes tasks: 6.2-</a:t>
+              <a:t>Includes tasks: 6.2-6.4 / 7.1-7.2</a:t>
             </a:r>
-            <a:r>
-              <a:rPr lang="en-US" sz="2500" dirty="0" smtClean="0"/>
-              <a:t>6.4 </a:t>
-            </a:r>
-            <a:r>
-              <a:rPr lang="en-US" sz="2500" dirty="0" smtClean="0"/>
-              <a:t>/ </a:t>
-            </a:r>
-            <a:r>
-              <a:rPr lang="en-US" sz="2500" dirty="0" smtClean="0"/>
-              <a:t>7.1-7.2</a:t>
-            </a:r>
-            <a:endParaRPr lang="en-US" sz="2500" dirty="0" smtClean="0"/>
           </a:p>
           <a:p>
             <a:r>
@@ -15353,15 +15878,7 @@
             <a:pPr lvl="1"/>
             <a:r>
               <a:rPr lang="en-US" sz="2500" dirty="0" smtClean="0"/>
-              <a:t>Includes tasks: </a:t>
-            </a:r>
-            <a:r>
-              <a:rPr lang="en-US" sz="2500" dirty="0" smtClean="0"/>
-              <a:t>9.2-9.3 </a:t>
-            </a:r>
-            <a:r>
-              <a:rPr lang="en-US" sz="2500" dirty="0" smtClean="0"/>
-              <a:t>/ 10.1-10.3</a:t>
+              <a:t>Includes tasks: 9.2-9.3 / 10.1-10.3</a:t>
             </a:r>
             <a:endParaRPr lang="en-US" sz="2500" dirty="0"/>
           </a:p>
@@ -15445,6 +15962,439 @@
   <p:clrMapOvr>
     <a:masterClrMapping/>
   </p:clrMapOvr>
+  <p:timing>
+    <p:tnLst>
+      <p:par>
+        <p:cTn xmlns:p14="http://schemas.microsoft.com/office/powerpoint/2010/main" id="1" dur="indefinite" restart="never" nodeType="tmRoot">
+          <p:childTnLst>
+            <p:seq concurrent="1" nextAc="seek">
+              <p:cTn id="2" dur="indefinite" nodeType="mainSeq">
+                <p:childTnLst>
+                  <p:par>
+                    <p:cTn id="3" fill="hold">
+                      <p:stCondLst>
+                        <p:cond delay="indefinite"/>
+                      </p:stCondLst>
+                      <p:childTnLst>
+                        <p:par>
+                          <p:cTn id="4" fill="hold">
+                            <p:stCondLst>
+                              <p:cond delay="0"/>
+                            </p:stCondLst>
+                            <p:childTnLst>
+                              <p:par>
+                                <p:cTn id="5" presetID="1" presetClass="entr" presetSubtype="0" fill="hold" grpId="0" nodeType="clickEffect">
+                                  <p:stCondLst>
+                                    <p:cond delay="0"/>
+                                  </p:stCondLst>
+                                  <p:childTnLst>
+                                    <p:set>
+                                      <p:cBhvr>
+                                        <p:cTn id="6" dur="1" fill="hold">
+                                          <p:stCondLst>
+                                            <p:cond delay="0"/>
+                                          </p:stCondLst>
+                                        </p:cTn>
+                                        <p:tgtEl>
+                                          <p:spTgt spid="3">
+                                            <p:txEl>
+                                              <p:pRg st="1" end="1"/>
+                                            </p:txEl>
+                                          </p:spTgt>
+                                        </p:tgtEl>
+                                        <p:attrNameLst>
+                                          <p:attrName>style.visibility</p:attrName>
+                                        </p:attrNameLst>
+                                      </p:cBhvr>
+                                      <p:to>
+                                        <p:strVal val="visible"/>
+                                      </p:to>
+                                    </p:set>
+                                  </p:childTnLst>
+                                </p:cTn>
+                              </p:par>
+                              <p:par>
+                                <p:cTn id="7" presetID="1" presetClass="entr" presetSubtype="0" fill="hold" grpId="0" nodeType="withEffect">
+                                  <p:stCondLst>
+                                    <p:cond delay="0"/>
+                                  </p:stCondLst>
+                                  <p:childTnLst>
+                                    <p:set>
+                                      <p:cBhvr>
+                                        <p:cTn id="8" dur="1" fill="hold">
+                                          <p:stCondLst>
+                                            <p:cond delay="0"/>
+                                          </p:stCondLst>
+                                        </p:cTn>
+                                        <p:tgtEl>
+                                          <p:spTgt spid="3">
+                                            <p:txEl>
+                                              <p:pRg st="2" end="2"/>
+                                            </p:txEl>
+                                          </p:spTgt>
+                                        </p:tgtEl>
+                                        <p:attrNameLst>
+                                          <p:attrName>style.visibility</p:attrName>
+                                        </p:attrNameLst>
+                                      </p:cBhvr>
+                                      <p:to>
+                                        <p:strVal val="visible"/>
+                                      </p:to>
+                                    </p:set>
+                                  </p:childTnLst>
+                                </p:cTn>
+                              </p:par>
+                            </p:childTnLst>
+                          </p:cTn>
+                        </p:par>
+                      </p:childTnLst>
+                    </p:cTn>
+                  </p:par>
+                  <p:par>
+                    <p:cTn id="9" fill="hold">
+                      <p:stCondLst>
+                        <p:cond delay="indefinite"/>
+                      </p:stCondLst>
+                      <p:childTnLst>
+                        <p:par>
+                          <p:cTn id="10" fill="hold">
+                            <p:stCondLst>
+                              <p:cond delay="0"/>
+                            </p:stCondLst>
+                            <p:childTnLst>
+                              <p:par>
+                                <p:cTn id="11" presetID="1" presetClass="entr" presetSubtype="0" fill="hold" grpId="0" nodeType="clickEffect">
+                                  <p:stCondLst>
+                                    <p:cond delay="0"/>
+                                  </p:stCondLst>
+                                  <p:childTnLst>
+                                    <p:set>
+                                      <p:cBhvr>
+                                        <p:cTn id="12" dur="1" fill="hold">
+                                          <p:stCondLst>
+                                            <p:cond delay="0"/>
+                                          </p:stCondLst>
+                                        </p:cTn>
+                                        <p:tgtEl>
+                                          <p:spTgt spid="3">
+                                            <p:txEl>
+                                              <p:pRg st="3" end="3"/>
+                                            </p:txEl>
+                                          </p:spTgt>
+                                        </p:tgtEl>
+                                        <p:attrNameLst>
+                                          <p:attrName>style.visibility</p:attrName>
+                                        </p:attrNameLst>
+                                      </p:cBhvr>
+                                      <p:to>
+                                        <p:strVal val="visible"/>
+                                      </p:to>
+                                    </p:set>
+                                  </p:childTnLst>
+                                </p:cTn>
+                              </p:par>
+                              <p:par>
+                                <p:cTn id="13" presetID="1" presetClass="entr" presetSubtype="0" fill="hold" grpId="0" nodeType="withEffect">
+                                  <p:stCondLst>
+                                    <p:cond delay="0"/>
+                                  </p:stCondLst>
+                                  <p:childTnLst>
+                                    <p:set>
+                                      <p:cBhvr>
+                                        <p:cTn id="14" dur="1" fill="hold">
+                                          <p:stCondLst>
+                                            <p:cond delay="0"/>
+                                          </p:stCondLst>
+                                        </p:cTn>
+                                        <p:tgtEl>
+                                          <p:spTgt spid="3">
+                                            <p:txEl>
+                                              <p:pRg st="4" end="4"/>
+                                            </p:txEl>
+                                          </p:spTgt>
+                                        </p:tgtEl>
+                                        <p:attrNameLst>
+                                          <p:attrName>style.visibility</p:attrName>
+                                        </p:attrNameLst>
+                                      </p:cBhvr>
+                                      <p:to>
+                                        <p:strVal val="visible"/>
+                                      </p:to>
+                                    </p:set>
+                                  </p:childTnLst>
+                                </p:cTn>
+                              </p:par>
+                            </p:childTnLst>
+                          </p:cTn>
+                        </p:par>
+                      </p:childTnLst>
+                    </p:cTn>
+                  </p:par>
+                  <p:par>
+                    <p:cTn id="15" fill="hold">
+                      <p:stCondLst>
+                        <p:cond delay="indefinite"/>
+                      </p:stCondLst>
+                      <p:childTnLst>
+                        <p:par>
+                          <p:cTn id="16" fill="hold">
+                            <p:stCondLst>
+                              <p:cond delay="0"/>
+                            </p:stCondLst>
+                            <p:childTnLst>
+                              <p:par>
+                                <p:cTn id="17" presetID="1" presetClass="entr" presetSubtype="0" fill="hold" grpId="0" nodeType="clickEffect">
+                                  <p:stCondLst>
+                                    <p:cond delay="0"/>
+                                  </p:stCondLst>
+                                  <p:childTnLst>
+                                    <p:set>
+                                      <p:cBhvr>
+                                        <p:cTn id="18" dur="1" fill="hold">
+                                          <p:stCondLst>
+                                            <p:cond delay="0"/>
+                                          </p:stCondLst>
+                                        </p:cTn>
+                                        <p:tgtEl>
+                                          <p:spTgt spid="3">
+                                            <p:txEl>
+                                              <p:pRg st="5" end="5"/>
+                                            </p:txEl>
+                                          </p:spTgt>
+                                        </p:tgtEl>
+                                        <p:attrNameLst>
+                                          <p:attrName>style.visibility</p:attrName>
+                                        </p:attrNameLst>
+                                      </p:cBhvr>
+                                      <p:to>
+                                        <p:strVal val="visible"/>
+                                      </p:to>
+                                    </p:set>
+                                  </p:childTnLst>
+                                </p:cTn>
+                              </p:par>
+                              <p:par>
+                                <p:cTn id="19" presetID="1" presetClass="entr" presetSubtype="0" fill="hold" grpId="0" nodeType="withEffect">
+                                  <p:stCondLst>
+                                    <p:cond delay="0"/>
+                                  </p:stCondLst>
+                                  <p:childTnLst>
+                                    <p:set>
+                                      <p:cBhvr>
+                                        <p:cTn id="20" dur="1" fill="hold">
+                                          <p:stCondLst>
+                                            <p:cond delay="0"/>
+                                          </p:stCondLst>
+                                        </p:cTn>
+                                        <p:tgtEl>
+                                          <p:spTgt spid="3">
+                                            <p:txEl>
+                                              <p:pRg st="6" end="6"/>
+                                            </p:txEl>
+                                          </p:spTgt>
+                                        </p:tgtEl>
+                                        <p:attrNameLst>
+                                          <p:attrName>style.visibility</p:attrName>
+                                        </p:attrNameLst>
+                                      </p:cBhvr>
+                                      <p:to>
+                                        <p:strVal val="visible"/>
+                                      </p:to>
+                                    </p:set>
+                                  </p:childTnLst>
+                                </p:cTn>
+                              </p:par>
+                            </p:childTnLst>
+                          </p:cTn>
+                        </p:par>
+                      </p:childTnLst>
+                    </p:cTn>
+                  </p:par>
+                  <p:par>
+                    <p:cTn id="21" fill="hold">
+                      <p:stCondLst>
+                        <p:cond delay="indefinite"/>
+                      </p:stCondLst>
+                      <p:childTnLst>
+                        <p:par>
+                          <p:cTn id="22" fill="hold">
+                            <p:stCondLst>
+                              <p:cond delay="0"/>
+                            </p:stCondLst>
+                            <p:childTnLst>
+                              <p:par>
+                                <p:cTn id="23" presetID="1" presetClass="entr" presetSubtype="0" fill="hold" grpId="0" nodeType="clickEffect">
+                                  <p:stCondLst>
+                                    <p:cond delay="0"/>
+                                  </p:stCondLst>
+                                  <p:childTnLst>
+                                    <p:set>
+                                      <p:cBhvr>
+                                        <p:cTn id="24" dur="1" fill="hold">
+                                          <p:stCondLst>
+                                            <p:cond delay="0"/>
+                                          </p:stCondLst>
+                                        </p:cTn>
+                                        <p:tgtEl>
+                                          <p:spTgt spid="3">
+                                            <p:txEl>
+                                              <p:pRg st="7" end="7"/>
+                                            </p:txEl>
+                                          </p:spTgt>
+                                        </p:tgtEl>
+                                        <p:attrNameLst>
+                                          <p:attrName>style.visibility</p:attrName>
+                                        </p:attrNameLst>
+                                      </p:cBhvr>
+                                      <p:to>
+                                        <p:strVal val="visible"/>
+                                      </p:to>
+                                    </p:set>
+                                  </p:childTnLst>
+                                </p:cTn>
+                              </p:par>
+                              <p:par>
+                                <p:cTn id="25" presetID="1" presetClass="entr" presetSubtype="0" fill="hold" grpId="0" nodeType="withEffect">
+                                  <p:stCondLst>
+                                    <p:cond delay="0"/>
+                                  </p:stCondLst>
+                                  <p:childTnLst>
+                                    <p:set>
+                                      <p:cBhvr>
+                                        <p:cTn id="26" dur="1" fill="hold">
+                                          <p:stCondLst>
+                                            <p:cond delay="0"/>
+                                          </p:stCondLst>
+                                        </p:cTn>
+                                        <p:tgtEl>
+                                          <p:spTgt spid="3">
+                                            <p:txEl>
+                                              <p:pRg st="8" end="8"/>
+                                            </p:txEl>
+                                          </p:spTgt>
+                                        </p:tgtEl>
+                                        <p:attrNameLst>
+                                          <p:attrName>style.visibility</p:attrName>
+                                        </p:attrNameLst>
+                                      </p:cBhvr>
+                                      <p:to>
+                                        <p:strVal val="visible"/>
+                                      </p:to>
+                                    </p:set>
+                                  </p:childTnLst>
+                                </p:cTn>
+                              </p:par>
+                            </p:childTnLst>
+                          </p:cTn>
+                        </p:par>
+                      </p:childTnLst>
+                    </p:cTn>
+                  </p:par>
+                  <p:par>
+                    <p:cTn id="27" fill="hold">
+                      <p:stCondLst>
+                        <p:cond delay="indefinite"/>
+                      </p:stCondLst>
+                      <p:childTnLst>
+                        <p:par>
+                          <p:cTn id="28" fill="hold">
+                            <p:stCondLst>
+                              <p:cond delay="0"/>
+                            </p:stCondLst>
+                            <p:childTnLst>
+                              <p:par>
+                                <p:cTn id="29" presetID="1" presetClass="entr" presetSubtype="0" fill="hold" grpId="0" nodeType="clickEffect">
+                                  <p:stCondLst>
+                                    <p:cond delay="0"/>
+                                  </p:stCondLst>
+                                  <p:childTnLst>
+                                    <p:set>
+                                      <p:cBhvr>
+                                        <p:cTn id="30" dur="1" fill="hold">
+                                          <p:stCondLst>
+                                            <p:cond delay="0"/>
+                                          </p:stCondLst>
+                                        </p:cTn>
+                                        <p:tgtEl>
+                                          <p:spTgt spid="3">
+                                            <p:txEl>
+                                              <p:pRg st="9" end="9"/>
+                                            </p:txEl>
+                                          </p:spTgt>
+                                        </p:tgtEl>
+                                        <p:attrNameLst>
+                                          <p:attrName>style.visibility</p:attrName>
+                                        </p:attrNameLst>
+                                      </p:cBhvr>
+                                      <p:to>
+                                        <p:strVal val="visible"/>
+                                      </p:to>
+                                    </p:set>
+                                  </p:childTnLst>
+                                </p:cTn>
+                              </p:par>
+                              <p:par>
+                                <p:cTn id="31" presetID="1" presetClass="entr" presetSubtype="0" fill="hold" grpId="0" nodeType="withEffect">
+                                  <p:stCondLst>
+                                    <p:cond delay="0"/>
+                                  </p:stCondLst>
+                                  <p:childTnLst>
+                                    <p:set>
+                                      <p:cBhvr>
+                                        <p:cTn id="32" dur="1" fill="hold">
+                                          <p:stCondLst>
+                                            <p:cond delay="0"/>
+                                          </p:stCondLst>
+                                        </p:cTn>
+                                        <p:tgtEl>
+                                          <p:spTgt spid="3">
+                                            <p:txEl>
+                                              <p:pRg st="10" end="10"/>
+                                            </p:txEl>
+                                          </p:spTgt>
+                                        </p:tgtEl>
+                                        <p:attrNameLst>
+                                          <p:attrName>style.visibility</p:attrName>
+                                        </p:attrNameLst>
+                                      </p:cBhvr>
+                                      <p:to>
+                                        <p:strVal val="visible"/>
+                                      </p:to>
+                                    </p:set>
+                                  </p:childTnLst>
+                                </p:cTn>
+                              </p:par>
+                            </p:childTnLst>
+                          </p:cTn>
+                        </p:par>
+                      </p:childTnLst>
+                    </p:cTn>
+                  </p:par>
+                </p:childTnLst>
+              </p:cTn>
+              <p:prevCondLst>
+                <p:cond evt="onPrev" delay="0">
+                  <p:tgtEl>
+                    <p:sldTgt/>
+                  </p:tgtEl>
+                </p:cond>
+              </p:prevCondLst>
+              <p:nextCondLst>
+                <p:cond evt="onNext" delay="0">
+                  <p:tgtEl>
+                    <p:sldTgt/>
+                  </p:tgtEl>
+                </p:cond>
+              </p:nextCondLst>
+            </p:seq>
+          </p:childTnLst>
+        </p:cTn>
+      </p:par>
+    </p:tnLst>
+    <p:bldLst>
+      <p:bldP spid="3" grpId="0" uiExpand="1" build="p"/>
+    </p:bldLst>
+  </p:timing>
 </p:sld>
 </file>
 
@@ -15517,22 +16467,13 @@
             <a:pPr lvl="1"/>
             <a:r>
               <a:rPr lang="en-US" sz="2100" dirty="0" smtClean="0"/>
-              <a:t>Includes tasks: </a:t>
+              <a:t>Includes tasks: 10.4, 11.1</a:t>
             </a:r>
+          </a:p>
+          <a:p>
             <a:r>
               <a:rPr lang="en-US" sz="2100" dirty="0" smtClean="0"/>
-              <a:t>10.4, 11.1</a:t>
-            </a:r>
-            <a:endParaRPr lang="en-US" sz="2100" dirty="0" smtClean="0"/>
-          </a:p>
-          <a:p>
-            <a:r>
-              <a:rPr lang="en-US" sz="2100" dirty="0" smtClean="0"/>
-              <a:t>Search </a:t>
-            </a:r>
-            <a:r>
-              <a:rPr lang="en-US" sz="2100" dirty="0" smtClean="0"/>
-              <a:t>functionality, if you are looking for a specific plant</a:t>
+              <a:t>Search functionality, if you are looking for a specific plant</a:t>
             </a:r>
           </a:p>
           <a:p>
@@ -15703,6 +16644,599 @@
   <p:clrMapOvr>
     <a:masterClrMapping/>
   </p:clrMapOvr>
+  <p:timing>
+    <p:tnLst>
+      <p:par>
+        <p:cTn xmlns:p14="http://schemas.microsoft.com/office/powerpoint/2010/main" id="1" dur="indefinite" restart="never" nodeType="tmRoot">
+          <p:childTnLst>
+            <p:seq concurrent="1" nextAc="seek">
+              <p:cTn id="2" dur="indefinite" nodeType="mainSeq">
+                <p:childTnLst>
+                  <p:par>
+                    <p:cTn id="3" fill="hold">
+                      <p:stCondLst>
+                        <p:cond delay="indefinite"/>
+                      </p:stCondLst>
+                      <p:childTnLst>
+                        <p:par>
+                          <p:cTn id="4" fill="hold">
+                            <p:stCondLst>
+                              <p:cond delay="0"/>
+                            </p:stCondLst>
+                            <p:childTnLst>
+                              <p:par>
+                                <p:cTn id="5" presetID="1" presetClass="entr" presetSubtype="0" fill="hold" grpId="0" nodeType="clickEffect">
+                                  <p:stCondLst>
+                                    <p:cond delay="0"/>
+                                  </p:stCondLst>
+                                  <p:childTnLst>
+                                    <p:set>
+                                      <p:cBhvr>
+                                        <p:cTn id="6" dur="1" fill="hold">
+                                          <p:stCondLst>
+                                            <p:cond delay="0"/>
+                                          </p:stCondLst>
+                                        </p:cTn>
+                                        <p:tgtEl>
+                                          <p:spTgt spid="3">
+                                            <p:txEl>
+                                              <p:pRg st="0" end="0"/>
+                                            </p:txEl>
+                                          </p:spTgt>
+                                        </p:tgtEl>
+                                        <p:attrNameLst>
+                                          <p:attrName>style.visibility</p:attrName>
+                                        </p:attrNameLst>
+                                      </p:cBhvr>
+                                      <p:to>
+                                        <p:strVal val="visible"/>
+                                      </p:to>
+                                    </p:set>
+                                  </p:childTnLst>
+                                </p:cTn>
+                              </p:par>
+                              <p:par>
+                                <p:cTn id="7" presetID="1" presetClass="entr" presetSubtype="0" fill="hold" grpId="0" nodeType="withEffect">
+                                  <p:stCondLst>
+                                    <p:cond delay="0"/>
+                                  </p:stCondLst>
+                                  <p:childTnLst>
+                                    <p:set>
+                                      <p:cBhvr>
+                                        <p:cTn id="8" dur="1" fill="hold">
+                                          <p:stCondLst>
+                                            <p:cond delay="0"/>
+                                          </p:stCondLst>
+                                        </p:cTn>
+                                        <p:tgtEl>
+                                          <p:spTgt spid="3">
+                                            <p:txEl>
+                                              <p:pRg st="1" end="1"/>
+                                            </p:txEl>
+                                          </p:spTgt>
+                                        </p:tgtEl>
+                                        <p:attrNameLst>
+                                          <p:attrName>style.visibility</p:attrName>
+                                        </p:attrNameLst>
+                                      </p:cBhvr>
+                                      <p:to>
+                                        <p:strVal val="visible"/>
+                                      </p:to>
+                                    </p:set>
+                                  </p:childTnLst>
+                                </p:cTn>
+                              </p:par>
+                            </p:childTnLst>
+                          </p:cTn>
+                        </p:par>
+                      </p:childTnLst>
+                    </p:cTn>
+                  </p:par>
+                  <p:par>
+                    <p:cTn id="9" fill="hold">
+                      <p:stCondLst>
+                        <p:cond delay="indefinite"/>
+                      </p:stCondLst>
+                      <p:childTnLst>
+                        <p:par>
+                          <p:cTn id="10" fill="hold">
+                            <p:stCondLst>
+                              <p:cond delay="0"/>
+                            </p:stCondLst>
+                            <p:childTnLst>
+                              <p:par>
+                                <p:cTn id="11" presetID="1" presetClass="entr" presetSubtype="0" fill="hold" grpId="0" nodeType="clickEffect">
+                                  <p:stCondLst>
+                                    <p:cond delay="0"/>
+                                  </p:stCondLst>
+                                  <p:childTnLst>
+                                    <p:set>
+                                      <p:cBhvr>
+                                        <p:cTn id="12" dur="1" fill="hold">
+                                          <p:stCondLst>
+                                            <p:cond delay="0"/>
+                                          </p:stCondLst>
+                                        </p:cTn>
+                                        <p:tgtEl>
+                                          <p:spTgt spid="3">
+                                            <p:txEl>
+                                              <p:pRg st="2" end="2"/>
+                                            </p:txEl>
+                                          </p:spTgt>
+                                        </p:tgtEl>
+                                        <p:attrNameLst>
+                                          <p:attrName>style.visibility</p:attrName>
+                                        </p:attrNameLst>
+                                      </p:cBhvr>
+                                      <p:to>
+                                        <p:strVal val="visible"/>
+                                      </p:to>
+                                    </p:set>
+                                  </p:childTnLst>
+                                </p:cTn>
+                              </p:par>
+                              <p:par>
+                                <p:cTn id="13" presetID="1" presetClass="entr" presetSubtype="0" fill="hold" grpId="0" nodeType="withEffect">
+                                  <p:stCondLst>
+                                    <p:cond delay="0"/>
+                                  </p:stCondLst>
+                                  <p:childTnLst>
+                                    <p:set>
+                                      <p:cBhvr>
+                                        <p:cTn id="14" dur="1" fill="hold">
+                                          <p:stCondLst>
+                                            <p:cond delay="0"/>
+                                          </p:stCondLst>
+                                        </p:cTn>
+                                        <p:tgtEl>
+                                          <p:spTgt spid="3">
+                                            <p:txEl>
+                                              <p:pRg st="3" end="3"/>
+                                            </p:txEl>
+                                          </p:spTgt>
+                                        </p:tgtEl>
+                                        <p:attrNameLst>
+                                          <p:attrName>style.visibility</p:attrName>
+                                        </p:attrNameLst>
+                                      </p:cBhvr>
+                                      <p:to>
+                                        <p:strVal val="visible"/>
+                                      </p:to>
+                                    </p:set>
+                                  </p:childTnLst>
+                                </p:cTn>
+                              </p:par>
+                            </p:childTnLst>
+                          </p:cTn>
+                        </p:par>
+                      </p:childTnLst>
+                    </p:cTn>
+                  </p:par>
+                  <p:par>
+                    <p:cTn id="15" fill="hold">
+                      <p:stCondLst>
+                        <p:cond delay="indefinite"/>
+                      </p:stCondLst>
+                      <p:childTnLst>
+                        <p:par>
+                          <p:cTn id="16" fill="hold">
+                            <p:stCondLst>
+                              <p:cond delay="0"/>
+                            </p:stCondLst>
+                            <p:childTnLst>
+                              <p:par>
+                                <p:cTn id="17" presetID="1" presetClass="entr" presetSubtype="0" fill="hold" grpId="0" nodeType="clickEffect">
+                                  <p:stCondLst>
+                                    <p:cond delay="0"/>
+                                  </p:stCondLst>
+                                  <p:childTnLst>
+                                    <p:set>
+                                      <p:cBhvr>
+                                        <p:cTn id="18" dur="1" fill="hold">
+                                          <p:stCondLst>
+                                            <p:cond delay="0"/>
+                                          </p:stCondLst>
+                                        </p:cTn>
+                                        <p:tgtEl>
+                                          <p:spTgt spid="3">
+                                            <p:txEl>
+                                              <p:pRg st="4" end="4"/>
+                                            </p:txEl>
+                                          </p:spTgt>
+                                        </p:tgtEl>
+                                        <p:attrNameLst>
+                                          <p:attrName>style.visibility</p:attrName>
+                                        </p:attrNameLst>
+                                      </p:cBhvr>
+                                      <p:to>
+                                        <p:strVal val="visible"/>
+                                      </p:to>
+                                    </p:set>
+                                  </p:childTnLst>
+                                </p:cTn>
+                              </p:par>
+                              <p:par>
+                                <p:cTn id="19" presetID="1" presetClass="entr" presetSubtype="0" fill="hold" grpId="0" nodeType="withEffect">
+                                  <p:stCondLst>
+                                    <p:cond delay="0"/>
+                                  </p:stCondLst>
+                                  <p:childTnLst>
+                                    <p:set>
+                                      <p:cBhvr>
+                                        <p:cTn id="20" dur="1" fill="hold">
+                                          <p:stCondLst>
+                                            <p:cond delay="0"/>
+                                          </p:stCondLst>
+                                        </p:cTn>
+                                        <p:tgtEl>
+                                          <p:spTgt spid="3">
+                                            <p:txEl>
+                                              <p:pRg st="5" end="5"/>
+                                            </p:txEl>
+                                          </p:spTgt>
+                                        </p:tgtEl>
+                                        <p:attrNameLst>
+                                          <p:attrName>style.visibility</p:attrName>
+                                        </p:attrNameLst>
+                                      </p:cBhvr>
+                                      <p:to>
+                                        <p:strVal val="visible"/>
+                                      </p:to>
+                                    </p:set>
+                                  </p:childTnLst>
+                                </p:cTn>
+                              </p:par>
+                            </p:childTnLst>
+                          </p:cTn>
+                        </p:par>
+                      </p:childTnLst>
+                    </p:cTn>
+                  </p:par>
+                  <p:par>
+                    <p:cTn id="21" fill="hold">
+                      <p:stCondLst>
+                        <p:cond delay="indefinite"/>
+                      </p:stCondLst>
+                      <p:childTnLst>
+                        <p:par>
+                          <p:cTn id="22" fill="hold">
+                            <p:stCondLst>
+                              <p:cond delay="0"/>
+                            </p:stCondLst>
+                            <p:childTnLst>
+                              <p:par>
+                                <p:cTn id="23" presetID="1" presetClass="entr" presetSubtype="0" fill="hold" grpId="0" nodeType="clickEffect">
+                                  <p:stCondLst>
+                                    <p:cond delay="0"/>
+                                  </p:stCondLst>
+                                  <p:childTnLst>
+                                    <p:set>
+                                      <p:cBhvr>
+                                        <p:cTn id="24" dur="1" fill="hold">
+                                          <p:stCondLst>
+                                            <p:cond delay="0"/>
+                                          </p:stCondLst>
+                                        </p:cTn>
+                                        <p:tgtEl>
+                                          <p:spTgt spid="3">
+                                            <p:txEl>
+                                              <p:pRg st="6" end="6"/>
+                                            </p:txEl>
+                                          </p:spTgt>
+                                        </p:tgtEl>
+                                        <p:attrNameLst>
+                                          <p:attrName>style.visibility</p:attrName>
+                                        </p:attrNameLst>
+                                      </p:cBhvr>
+                                      <p:to>
+                                        <p:strVal val="visible"/>
+                                      </p:to>
+                                    </p:set>
+                                  </p:childTnLst>
+                                </p:cTn>
+                              </p:par>
+                              <p:par>
+                                <p:cTn id="25" presetID="1" presetClass="entr" presetSubtype="0" fill="hold" grpId="0" nodeType="withEffect">
+                                  <p:stCondLst>
+                                    <p:cond delay="0"/>
+                                  </p:stCondLst>
+                                  <p:childTnLst>
+                                    <p:set>
+                                      <p:cBhvr>
+                                        <p:cTn id="26" dur="1" fill="hold">
+                                          <p:stCondLst>
+                                            <p:cond delay="0"/>
+                                          </p:stCondLst>
+                                        </p:cTn>
+                                        <p:tgtEl>
+                                          <p:spTgt spid="3">
+                                            <p:txEl>
+                                              <p:pRg st="7" end="7"/>
+                                            </p:txEl>
+                                          </p:spTgt>
+                                        </p:tgtEl>
+                                        <p:attrNameLst>
+                                          <p:attrName>style.visibility</p:attrName>
+                                        </p:attrNameLst>
+                                      </p:cBhvr>
+                                      <p:to>
+                                        <p:strVal val="visible"/>
+                                      </p:to>
+                                    </p:set>
+                                  </p:childTnLst>
+                                </p:cTn>
+                              </p:par>
+                            </p:childTnLst>
+                          </p:cTn>
+                        </p:par>
+                      </p:childTnLst>
+                    </p:cTn>
+                  </p:par>
+                  <p:par>
+                    <p:cTn id="27" fill="hold">
+                      <p:stCondLst>
+                        <p:cond delay="indefinite"/>
+                      </p:stCondLst>
+                      <p:childTnLst>
+                        <p:par>
+                          <p:cTn id="28" fill="hold">
+                            <p:stCondLst>
+                              <p:cond delay="0"/>
+                            </p:stCondLst>
+                            <p:childTnLst>
+                              <p:par>
+                                <p:cTn id="29" presetID="1" presetClass="entr" presetSubtype="0" fill="hold" grpId="0" nodeType="clickEffect">
+                                  <p:stCondLst>
+                                    <p:cond delay="0"/>
+                                  </p:stCondLst>
+                                  <p:childTnLst>
+                                    <p:set>
+                                      <p:cBhvr>
+                                        <p:cTn id="30" dur="1" fill="hold">
+                                          <p:stCondLst>
+                                            <p:cond delay="0"/>
+                                          </p:stCondLst>
+                                        </p:cTn>
+                                        <p:tgtEl>
+                                          <p:spTgt spid="3">
+                                            <p:txEl>
+                                              <p:pRg st="8" end="8"/>
+                                            </p:txEl>
+                                          </p:spTgt>
+                                        </p:tgtEl>
+                                        <p:attrNameLst>
+                                          <p:attrName>style.visibility</p:attrName>
+                                        </p:attrNameLst>
+                                      </p:cBhvr>
+                                      <p:to>
+                                        <p:strVal val="visible"/>
+                                      </p:to>
+                                    </p:set>
+                                  </p:childTnLst>
+                                </p:cTn>
+                              </p:par>
+                              <p:par>
+                                <p:cTn id="31" presetID="1" presetClass="entr" presetSubtype="0" fill="hold" grpId="0" nodeType="withEffect">
+                                  <p:stCondLst>
+                                    <p:cond delay="0"/>
+                                  </p:stCondLst>
+                                  <p:childTnLst>
+                                    <p:set>
+                                      <p:cBhvr>
+                                        <p:cTn id="32" dur="1" fill="hold">
+                                          <p:stCondLst>
+                                            <p:cond delay="0"/>
+                                          </p:stCondLst>
+                                        </p:cTn>
+                                        <p:tgtEl>
+                                          <p:spTgt spid="3">
+                                            <p:txEl>
+                                              <p:pRg st="9" end="9"/>
+                                            </p:txEl>
+                                          </p:spTgt>
+                                        </p:tgtEl>
+                                        <p:attrNameLst>
+                                          <p:attrName>style.visibility</p:attrName>
+                                        </p:attrNameLst>
+                                      </p:cBhvr>
+                                      <p:to>
+                                        <p:strVal val="visible"/>
+                                      </p:to>
+                                    </p:set>
+                                  </p:childTnLst>
+                                </p:cTn>
+                              </p:par>
+                            </p:childTnLst>
+                          </p:cTn>
+                        </p:par>
+                      </p:childTnLst>
+                    </p:cTn>
+                  </p:par>
+                  <p:par>
+                    <p:cTn id="33" fill="hold">
+                      <p:stCondLst>
+                        <p:cond delay="indefinite"/>
+                      </p:stCondLst>
+                      <p:childTnLst>
+                        <p:par>
+                          <p:cTn id="34" fill="hold">
+                            <p:stCondLst>
+                              <p:cond delay="0"/>
+                            </p:stCondLst>
+                            <p:childTnLst>
+                              <p:par>
+                                <p:cTn id="35" presetID="1" presetClass="entr" presetSubtype="0" fill="hold" grpId="0" nodeType="clickEffect">
+                                  <p:stCondLst>
+                                    <p:cond delay="0"/>
+                                  </p:stCondLst>
+                                  <p:childTnLst>
+                                    <p:set>
+                                      <p:cBhvr>
+                                        <p:cTn id="36" dur="1" fill="hold">
+                                          <p:stCondLst>
+                                            <p:cond delay="0"/>
+                                          </p:stCondLst>
+                                        </p:cTn>
+                                        <p:tgtEl>
+                                          <p:spTgt spid="3">
+                                            <p:txEl>
+                                              <p:pRg st="10" end="10"/>
+                                            </p:txEl>
+                                          </p:spTgt>
+                                        </p:tgtEl>
+                                        <p:attrNameLst>
+                                          <p:attrName>style.visibility</p:attrName>
+                                        </p:attrNameLst>
+                                      </p:cBhvr>
+                                      <p:to>
+                                        <p:strVal val="visible"/>
+                                      </p:to>
+                                    </p:set>
+                                  </p:childTnLst>
+                                </p:cTn>
+                              </p:par>
+                              <p:par>
+                                <p:cTn id="37" presetID="1" presetClass="entr" presetSubtype="0" fill="hold" grpId="0" nodeType="withEffect">
+                                  <p:stCondLst>
+                                    <p:cond delay="0"/>
+                                  </p:stCondLst>
+                                  <p:childTnLst>
+                                    <p:set>
+                                      <p:cBhvr>
+                                        <p:cTn id="38" dur="1" fill="hold">
+                                          <p:stCondLst>
+                                            <p:cond delay="0"/>
+                                          </p:stCondLst>
+                                        </p:cTn>
+                                        <p:tgtEl>
+                                          <p:spTgt spid="3">
+                                            <p:txEl>
+                                              <p:pRg st="11" end="11"/>
+                                            </p:txEl>
+                                          </p:spTgt>
+                                        </p:tgtEl>
+                                        <p:attrNameLst>
+                                          <p:attrName>style.visibility</p:attrName>
+                                        </p:attrNameLst>
+                                      </p:cBhvr>
+                                      <p:to>
+                                        <p:strVal val="visible"/>
+                                      </p:to>
+                                    </p:set>
+                                  </p:childTnLst>
+                                </p:cTn>
+                              </p:par>
+                            </p:childTnLst>
+                          </p:cTn>
+                        </p:par>
+                      </p:childTnLst>
+                    </p:cTn>
+                  </p:par>
+                  <p:par>
+                    <p:cTn id="39" fill="hold">
+                      <p:stCondLst>
+                        <p:cond delay="indefinite"/>
+                      </p:stCondLst>
+                      <p:childTnLst>
+                        <p:par>
+                          <p:cTn id="40" fill="hold">
+                            <p:stCondLst>
+                              <p:cond delay="0"/>
+                            </p:stCondLst>
+                            <p:childTnLst>
+                              <p:par>
+                                <p:cTn id="41" presetID="1" presetClass="entr" presetSubtype="0" fill="hold" grpId="0" nodeType="clickEffect">
+                                  <p:stCondLst>
+                                    <p:cond delay="0"/>
+                                  </p:stCondLst>
+                                  <p:childTnLst>
+                                    <p:set>
+                                      <p:cBhvr>
+                                        <p:cTn id="42" dur="1" fill="hold">
+                                          <p:stCondLst>
+                                            <p:cond delay="0"/>
+                                          </p:stCondLst>
+                                        </p:cTn>
+                                        <p:tgtEl>
+                                          <p:spTgt spid="3">
+                                            <p:txEl>
+                                              <p:pRg st="12" end="12"/>
+                                            </p:txEl>
+                                          </p:spTgt>
+                                        </p:tgtEl>
+                                        <p:attrNameLst>
+                                          <p:attrName>style.visibility</p:attrName>
+                                        </p:attrNameLst>
+                                      </p:cBhvr>
+                                      <p:to>
+                                        <p:strVal val="visible"/>
+                                      </p:to>
+                                    </p:set>
+                                  </p:childTnLst>
+                                </p:cTn>
+                              </p:par>
+                              <p:par>
+                                <p:cTn id="43" presetID="1" presetClass="entr" presetSubtype="0" fill="hold" grpId="0" nodeType="withEffect">
+                                  <p:stCondLst>
+                                    <p:cond delay="0"/>
+                                  </p:stCondLst>
+                                  <p:childTnLst>
+                                    <p:set>
+                                      <p:cBhvr>
+                                        <p:cTn id="44" dur="1" fill="hold">
+                                          <p:stCondLst>
+                                            <p:cond delay="0"/>
+                                          </p:stCondLst>
+                                        </p:cTn>
+                                        <p:tgtEl>
+                                          <p:spTgt spid="3">
+                                            <p:txEl>
+                                              <p:pRg st="13" end="13"/>
+                                            </p:txEl>
+                                          </p:spTgt>
+                                        </p:tgtEl>
+                                        <p:attrNameLst>
+                                          <p:attrName>style.visibility</p:attrName>
+                                        </p:attrNameLst>
+                                      </p:cBhvr>
+                                      <p:to>
+                                        <p:strVal val="visible"/>
+                                      </p:to>
+                                    </p:set>
+                                  </p:childTnLst>
+                                </p:cTn>
+                              </p:par>
+                            </p:childTnLst>
+                          </p:cTn>
+                        </p:par>
+                      </p:childTnLst>
+                    </p:cTn>
+                  </p:par>
+                </p:childTnLst>
+              </p:cTn>
+              <p:prevCondLst>
+                <p:cond evt="onPrev" delay="0">
+                  <p:tgtEl>
+                    <p:sldTgt/>
+                  </p:tgtEl>
+                </p:cond>
+              </p:prevCondLst>
+              <p:nextCondLst>
+                <p:cond evt="onNext" delay="0">
+                  <p:tgtEl>
+                    <p:sldTgt/>
+                  </p:tgtEl>
+                </p:cond>
+              </p:nextCondLst>
+            </p:seq>
+          </p:childTnLst>
+        </p:cTn>
+      </p:par>
+    </p:tnLst>
+    <p:bldLst>
+      <p:bldP spid="3" grpId="0" build="p"/>
+    </p:bldLst>
+  </p:timing>
 </p:sld>
 </file>
 
@@ -15827,15 +17361,7 @@
             </a:pPr>
             <a:r>
               <a:rPr lang="en-US" sz="2700" dirty="0" smtClean="0"/>
-              <a:t>Michael: </a:t>
-            </a:r>
-            <a:r>
-              <a:rPr lang="en-US" sz="2700" dirty="0" smtClean="0"/>
-              <a:t>almost </a:t>
-            </a:r>
-            <a:r>
-              <a:rPr lang="en-US" sz="2700" dirty="0" smtClean="0"/>
-              <a:t>no </a:t>
+              <a:t>Michael: almost no </a:t>
             </a:r>
             <a:r>
               <a:rPr lang="en-US" sz="2700" dirty="0" err="1" smtClean="0"/>
@@ -15874,13 +17400,8 @@
           <a:p>
             <a:r>
               <a:rPr lang="en-US" sz="2700" dirty="0" smtClean="0"/>
-              <a:t>Plant </a:t>
+              <a:t>Plant wizard</a:t>
             </a:r>
-            <a:r>
-              <a:rPr lang="en-US" sz="2700" dirty="0" smtClean="0"/>
-              <a:t>wizard</a:t>
-            </a:r>
-            <a:endParaRPr lang="en-US" sz="2700" dirty="0" smtClean="0"/>
           </a:p>
           <a:p>
             <a:pPr marL="68580" indent="0">
@@ -15888,11 +17409,7 @@
             </a:pPr>
             <a:r>
               <a:rPr lang="en-US" sz="2700" dirty="0" smtClean="0"/>
-              <a:t>Simon: </a:t>
-            </a:r>
-            <a:r>
-              <a:rPr lang="en-US" sz="2700" dirty="0" smtClean="0"/>
-              <a:t>little </a:t>
+              <a:t>Simon: little </a:t>
             </a:r>
             <a:r>
               <a:rPr lang="en-US" sz="2700" dirty="0" err="1" smtClean="0"/>
@@ -15900,11 +17417,7 @@
             </a:r>
             <a:r>
               <a:rPr lang="en-US" sz="2700" dirty="0" smtClean="0"/>
-              <a:t> </a:t>
-            </a:r>
-            <a:r>
-              <a:rPr lang="en-US" sz="2700" dirty="0" smtClean="0"/>
-              <a:t>experience</a:t>
+              <a:t> experience</a:t>
             </a:r>
           </a:p>
           <a:p>
@@ -15912,14 +17425,12 @@
               <a:rPr lang="en-US" sz="2700" dirty="0" smtClean="0"/>
               <a:t>MySQL part (DAO)</a:t>
             </a:r>
-            <a:endParaRPr lang="en-US" sz="2700" dirty="0" smtClean="0"/>
           </a:p>
           <a:p>
             <a:r>
               <a:rPr lang="en-US" sz="2700" dirty="0" smtClean="0"/>
               <a:t>Sign Up / Login, Order process</a:t>
             </a:r>
-            <a:endParaRPr lang="en-US" sz="2700" dirty="0" smtClean="0"/>
           </a:p>
           <a:p>
             <a:r>
@@ -15951,14 +17462,12 @@
               <a:rPr lang="en-US" sz="2700" dirty="0" smtClean="0"/>
               <a:t> experience</a:t>
             </a:r>
-            <a:endParaRPr lang="en-US" sz="2700" dirty="0" smtClean="0"/>
           </a:p>
           <a:p>
             <a:r>
               <a:rPr lang="en-US" sz="2700" dirty="0" smtClean="0"/>
               <a:t>Introduce HTML templates (Smarty)</a:t>
             </a:r>
-            <a:endParaRPr lang="en-US" sz="2700" dirty="0" smtClean="0"/>
           </a:p>
           <a:p>
             <a:r>
@@ -15988,6 +17497,462 @@
   <p:clrMapOvr>
     <a:masterClrMapping/>
   </p:clrMapOvr>
+  <p:timing>
+    <p:tnLst>
+      <p:par>
+        <p:cTn xmlns:p14="http://schemas.microsoft.com/office/powerpoint/2010/main" id="1" dur="indefinite" restart="never" nodeType="tmRoot">
+          <p:childTnLst>
+            <p:seq concurrent="1" nextAc="seek">
+              <p:cTn id="2" dur="indefinite" nodeType="mainSeq">
+                <p:childTnLst>
+                  <p:par>
+                    <p:cTn id="3" fill="hold">
+                      <p:stCondLst>
+                        <p:cond delay="indefinite"/>
+                      </p:stCondLst>
+                      <p:childTnLst>
+                        <p:par>
+                          <p:cTn id="4" fill="hold">
+                            <p:stCondLst>
+                              <p:cond delay="0"/>
+                            </p:stCondLst>
+                            <p:childTnLst>
+                              <p:par>
+                                <p:cTn id="5" presetID="1" presetClass="entr" presetSubtype="0" fill="hold" nodeType="clickEffect">
+                                  <p:stCondLst>
+                                    <p:cond delay="0"/>
+                                  </p:stCondLst>
+                                  <p:childTnLst>
+                                    <p:set>
+                                      <p:cBhvr>
+                                        <p:cTn id="6" dur="1" fill="hold">
+                                          <p:stCondLst>
+                                            <p:cond delay="0"/>
+                                          </p:stCondLst>
+                                        </p:cTn>
+                                        <p:tgtEl>
+                                          <p:spTgt spid="4">
+                                            <p:txEl>
+                                              <p:pRg st="1" end="1"/>
+                                            </p:txEl>
+                                          </p:spTgt>
+                                        </p:tgtEl>
+                                        <p:attrNameLst>
+                                          <p:attrName>style.visibility</p:attrName>
+                                        </p:attrNameLst>
+                                      </p:cBhvr>
+                                      <p:to>
+                                        <p:strVal val="visible"/>
+                                      </p:to>
+                                    </p:set>
+                                  </p:childTnLst>
+                                </p:cTn>
+                              </p:par>
+                              <p:par>
+                                <p:cTn id="7" presetID="1" presetClass="entr" presetSubtype="0" fill="hold" nodeType="withEffect">
+                                  <p:stCondLst>
+                                    <p:cond delay="0"/>
+                                  </p:stCondLst>
+                                  <p:childTnLst>
+                                    <p:set>
+                                      <p:cBhvr>
+                                        <p:cTn id="8" dur="1" fill="hold">
+                                          <p:stCondLst>
+                                            <p:cond delay="0"/>
+                                          </p:stCondLst>
+                                        </p:cTn>
+                                        <p:tgtEl>
+                                          <p:spTgt spid="4">
+                                            <p:txEl>
+                                              <p:pRg st="2" end="2"/>
+                                            </p:txEl>
+                                          </p:spTgt>
+                                        </p:tgtEl>
+                                        <p:attrNameLst>
+                                          <p:attrName>style.visibility</p:attrName>
+                                        </p:attrNameLst>
+                                      </p:cBhvr>
+                                      <p:to>
+                                        <p:strVal val="visible"/>
+                                      </p:to>
+                                    </p:set>
+                                  </p:childTnLst>
+                                </p:cTn>
+                              </p:par>
+                              <p:par>
+                                <p:cTn id="9" presetID="1" presetClass="entr" presetSubtype="0" fill="hold" nodeType="withEffect">
+                                  <p:stCondLst>
+                                    <p:cond delay="0"/>
+                                  </p:stCondLst>
+                                  <p:childTnLst>
+                                    <p:set>
+                                      <p:cBhvr>
+                                        <p:cTn id="10" dur="1" fill="hold">
+                                          <p:stCondLst>
+                                            <p:cond delay="0"/>
+                                          </p:stCondLst>
+                                        </p:cTn>
+                                        <p:tgtEl>
+                                          <p:spTgt spid="4">
+                                            <p:txEl>
+                                              <p:pRg st="3" end="3"/>
+                                            </p:txEl>
+                                          </p:spTgt>
+                                        </p:tgtEl>
+                                        <p:attrNameLst>
+                                          <p:attrName>style.visibility</p:attrName>
+                                        </p:attrNameLst>
+                                      </p:cBhvr>
+                                      <p:to>
+                                        <p:strVal val="visible"/>
+                                      </p:to>
+                                    </p:set>
+                                  </p:childTnLst>
+                                </p:cTn>
+                              </p:par>
+                              <p:par>
+                                <p:cTn id="11" presetID="1" presetClass="entr" presetSubtype="0" fill="hold" nodeType="withEffect">
+                                  <p:stCondLst>
+                                    <p:cond delay="0"/>
+                                  </p:stCondLst>
+                                  <p:childTnLst>
+                                    <p:set>
+                                      <p:cBhvr>
+                                        <p:cTn id="12" dur="1" fill="hold">
+                                          <p:stCondLst>
+                                            <p:cond delay="0"/>
+                                          </p:stCondLst>
+                                        </p:cTn>
+                                        <p:tgtEl>
+                                          <p:spTgt spid="4">
+                                            <p:txEl>
+                                              <p:pRg st="4" end="4"/>
+                                            </p:txEl>
+                                          </p:spTgt>
+                                        </p:tgtEl>
+                                        <p:attrNameLst>
+                                          <p:attrName>style.visibility</p:attrName>
+                                        </p:attrNameLst>
+                                      </p:cBhvr>
+                                      <p:to>
+                                        <p:strVal val="visible"/>
+                                      </p:to>
+                                    </p:set>
+                                  </p:childTnLst>
+                                </p:cTn>
+                              </p:par>
+                            </p:childTnLst>
+                          </p:cTn>
+                        </p:par>
+                      </p:childTnLst>
+                    </p:cTn>
+                  </p:par>
+                  <p:par>
+                    <p:cTn id="13" fill="hold">
+                      <p:stCondLst>
+                        <p:cond delay="indefinite"/>
+                      </p:stCondLst>
+                      <p:childTnLst>
+                        <p:par>
+                          <p:cTn id="14" fill="hold">
+                            <p:stCondLst>
+                              <p:cond delay="0"/>
+                            </p:stCondLst>
+                            <p:childTnLst>
+                              <p:par>
+                                <p:cTn id="15" presetID="1" presetClass="entr" presetSubtype="0" fill="hold" nodeType="clickEffect">
+                                  <p:stCondLst>
+                                    <p:cond delay="0"/>
+                                  </p:stCondLst>
+                                  <p:childTnLst>
+                                    <p:set>
+                                      <p:cBhvr>
+                                        <p:cTn id="16" dur="1" fill="hold">
+                                          <p:stCondLst>
+                                            <p:cond delay="0"/>
+                                          </p:stCondLst>
+                                        </p:cTn>
+                                        <p:tgtEl>
+                                          <p:spTgt spid="4">
+                                            <p:txEl>
+                                              <p:pRg st="5" end="5"/>
+                                            </p:txEl>
+                                          </p:spTgt>
+                                        </p:tgtEl>
+                                        <p:attrNameLst>
+                                          <p:attrName>style.visibility</p:attrName>
+                                        </p:attrNameLst>
+                                      </p:cBhvr>
+                                      <p:to>
+                                        <p:strVal val="visible"/>
+                                      </p:to>
+                                    </p:set>
+                                  </p:childTnLst>
+                                </p:cTn>
+                              </p:par>
+                              <p:par>
+                                <p:cTn id="17" presetID="1" presetClass="entr" presetSubtype="0" fill="hold" nodeType="withEffect">
+                                  <p:stCondLst>
+                                    <p:cond delay="0"/>
+                                  </p:stCondLst>
+                                  <p:childTnLst>
+                                    <p:set>
+                                      <p:cBhvr>
+                                        <p:cTn id="18" dur="1" fill="hold">
+                                          <p:stCondLst>
+                                            <p:cond delay="0"/>
+                                          </p:stCondLst>
+                                        </p:cTn>
+                                        <p:tgtEl>
+                                          <p:spTgt spid="4">
+                                            <p:txEl>
+                                              <p:pRg st="6" end="6"/>
+                                            </p:txEl>
+                                          </p:spTgt>
+                                        </p:tgtEl>
+                                        <p:attrNameLst>
+                                          <p:attrName>style.visibility</p:attrName>
+                                        </p:attrNameLst>
+                                      </p:cBhvr>
+                                      <p:to>
+                                        <p:strVal val="visible"/>
+                                      </p:to>
+                                    </p:set>
+                                  </p:childTnLst>
+                                </p:cTn>
+                              </p:par>
+                              <p:par>
+                                <p:cTn id="19" presetID="1" presetClass="entr" presetSubtype="0" fill="hold" nodeType="withEffect">
+                                  <p:stCondLst>
+                                    <p:cond delay="0"/>
+                                  </p:stCondLst>
+                                  <p:childTnLst>
+                                    <p:set>
+                                      <p:cBhvr>
+                                        <p:cTn id="20" dur="1" fill="hold">
+                                          <p:stCondLst>
+                                            <p:cond delay="0"/>
+                                          </p:stCondLst>
+                                        </p:cTn>
+                                        <p:tgtEl>
+                                          <p:spTgt spid="4">
+                                            <p:txEl>
+                                              <p:pRg st="7" end="7"/>
+                                            </p:txEl>
+                                          </p:spTgt>
+                                        </p:tgtEl>
+                                        <p:attrNameLst>
+                                          <p:attrName>style.visibility</p:attrName>
+                                        </p:attrNameLst>
+                                      </p:cBhvr>
+                                      <p:to>
+                                        <p:strVal val="visible"/>
+                                      </p:to>
+                                    </p:set>
+                                  </p:childTnLst>
+                                </p:cTn>
+                              </p:par>
+                              <p:par>
+                                <p:cTn id="21" presetID="1" presetClass="entr" presetSubtype="0" fill="hold" nodeType="withEffect">
+                                  <p:stCondLst>
+                                    <p:cond delay="0"/>
+                                  </p:stCondLst>
+                                  <p:childTnLst>
+                                    <p:set>
+                                      <p:cBhvr>
+                                        <p:cTn id="22" dur="1" fill="hold">
+                                          <p:stCondLst>
+                                            <p:cond delay="0"/>
+                                          </p:stCondLst>
+                                        </p:cTn>
+                                        <p:tgtEl>
+                                          <p:spTgt spid="4">
+                                            <p:txEl>
+                                              <p:pRg st="8" end="8"/>
+                                            </p:txEl>
+                                          </p:spTgt>
+                                        </p:tgtEl>
+                                        <p:attrNameLst>
+                                          <p:attrName>style.visibility</p:attrName>
+                                        </p:attrNameLst>
+                                      </p:cBhvr>
+                                      <p:to>
+                                        <p:strVal val="visible"/>
+                                      </p:to>
+                                    </p:set>
+                                  </p:childTnLst>
+                                </p:cTn>
+                              </p:par>
+                            </p:childTnLst>
+                          </p:cTn>
+                        </p:par>
+                      </p:childTnLst>
+                    </p:cTn>
+                  </p:par>
+                  <p:par>
+                    <p:cTn id="23" fill="hold">
+                      <p:stCondLst>
+                        <p:cond delay="indefinite"/>
+                      </p:stCondLst>
+                      <p:childTnLst>
+                        <p:par>
+                          <p:cTn id="24" fill="hold">
+                            <p:stCondLst>
+                              <p:cond delay="0"/>
+                            </p:stCondLst>
+                            <p:childTnLst>
+                              <p:par>
+                                <p:cTn id="25" presetID="1" presetClass="entr" presetSubtype="0" fill="hold" nodeType="clickEffect">
+                                  <p:stCondLst>
+                                    <p:cond delay="0"/>
+                                  </p:stCondLst>
+                                  <p:childTnLst>
+                                    <p:set>
+                                      <p:cBhvr>
+                                        <p:cTn id="26" dur="1" fill="hold">
+                                          <p:stCondLst>
+                                            <p:cond delay="0"/>
+                                          </p:stCondLst>
+                                        </p:cTn>
+                                        <p:tgtEl>
+                                          <p:spTgt spid="4">
+                                            <p:txEl>
+                                              <p:pRg st="9" end="9"/>
+                                            </p:txEl>
+                                          </p:spTgt>
+                                        </p:tgtEl>
+                                        <p:attrNameLst>
+                                          <p:attrName>style.visibility</p:attrName>
+                                        </p:attrNameLst>
+                                      </p:cBhvr>
+                                      <p:to>
+                                        <p:strVal val="visible"/>
+                                      </p:to>
+                                    </p:set>
+                                  </p:childTnLst>
+                                </p:cTn>
+                              </p:par>
+                              <p:par>
+                                <p:cTn id="27" presetID="1" presetClass="entr" presetSubtype="0" fill="hold" nodeType="withEffect">
+                                  <p:stCondLst>
+                                    <p:cond delay="0"/>
+                                  </p:stCondLst>
+                                  <p:childTnLst>
+                                    <p:set>
+                                      <p:cBhvr>
+                                        <p:cTn id="28" dur="1" fill="hold">
+                                          <p:stCondLst>
+                                            <p:cond delay="0"/>
+                                          </p:stCondLst>
+                                        </p:cTn>
+                                        <p:tgtEl>
+                                          <p:spTgt spid="4">
+                                            <p:txEl>
+                                              <p:pRg st="10" end="10"/>
+                                            </p:txEl>
+                                          </p:spTgt>
+                                        </p:tgtEl>
+                                        <p:attrNameLst>
+                                          <p:attrName>style.visibility</p:attrName>
+                                        </p:attrNameLst>
+                                      </p:cBhvr>
+                                      <p:to>
+                                        <p:strVal val="visible"/>
+                                      </p:to>
+                                    </p:set>
+                                  </p:childTnLst>
+                                </p:cTn>
+                              </p:par>
+                              <p:par>
+                                <p:cTn id="29" presetID="1" presetClass="entr" presetSubtype="0" fill="hold" nodeType="withEffect">
+                                  <p:stCondLst>
+                                    <p:cond delay="0"/>
+                                  </p:stCondLst>
+                                  <p:childTnLst>
+                                    <p:set>
+                                      <p:cBhvr>
+                                        <p:cTn id="30" dur="1" fill="hold">
+                                          <p:stCondLst>
+                                            <p:cond delay="0"/>
+                                          </p:stCondLst>
+                                        </p:cTn>
+                                        <p:tgtEl>
+                                          <p:spTgt spid="4">
+                                            <p:txEl>
+                                              <p:pRg st="11" end="11"/>
+                                            </p:txEl>
+                                          </p:spTgt>
+                                        </p:tgtEl>
+                                        <p:attrNameLst>
+                                          <p:attrName>style.visibility</p:attrName>
+                                        </p:attrNameLst>
+                                      </p:cBhvr>
+                                      <p:to>
+                                        <p:strVal val="visible"/>
+                                      </p:to>
+                                    </p:set>
+                                  </p:childTnLst>
+                                </p:cTn>
+                              </p:par>
+                              <p:par>
+                                <p:cTn id="31" presetID="1" presetClass="entr" presetSubtype="0" fill="hold" nodeType="withEffect">
+                                  <p:stCondLst>
+                                    <p:cond delay="0"/>
+                                  </p:stCondLst>
+                                  <p:childTnLst>
+                                    <p:set>
+                                      <p:cBhvr>
+                                        <p:cTn id="32" dur="1" fill="hold">
+                                          <p:stCondLst>
+                                            <p:cond delay="0"/>
+                                          </p:stCondLst>
+                                        </p:cTn>
+                                        <p:tgtEl>
+                                          <p:spTgt spid="4">
+                                            <p:txEl>
+                                              <p:pRg st="12" end="12"/>
+                                            </p:txEl>
+                                          </p:spTgt>
+                                        </p:tgtEl>
+                                        <p:attrNameLst>
+                                          <p:attrName>style.visibility</p:attrName>
+                                        </p:attrNameLst>
+                                      </p:cBhvr>
+                                      <p:to>
+                                        <p:strVal val="visible"/>
+                                      </p:to>
+                                    </p:set>
+                                  </p:childTnLst>
+                                </p:cTn>
+                              </p:par>
+                            </p:childTnLst>
+                          </p:cTn>
+                        </p:par>
+                      </p:childTnLst>
+                    </p:cTn>
+                  </p:par>
+                </p:childTnLst>
+              </p:cTn>
+              <p:prevCondLst>
+                <p:cond evt="onPrev" delay="0">
+                  <p:tgtEl>
+                    <p:sldTgt/>
+                  </p:tgtEl>
+                </p:cond>
+              </p:prevCondLst>
+              <p:nextCondLst>
+                <p:cond evt="onNext" delay="0">
+                  <p:tgtEl>
+                    <p:sldTgt/>
+                  </p:tgtEl>
+                </p:cond>
+              </p:nextCondLst>
+            </p:seq>
+          </p:childTnLst>
+        </p:cTn>
+      </p:par>
+    </p:tnLst>
+  </p:timing>
 </p:sld>
 </file>
 
@@ -16166,6 +18131,209 @@
   <p:clrMapOvr>
     <a:masterClrMapping/>
   </p:clrMapOvr>
+  <p:timing>
+    <p:tnLst>
+      <p:par>
+        <p:cTn xmlns:p14="http://schemas.microsoft.com/office/powerpoint/2010/main" id="1" dur="indefinite" restart="never" nodeType="tmRoot">
+          <p:childTnLst>
+            <p:seq concurrent="1" nextAc="seek">
+              <p:cTn id="2" dur="indefinite" nodeType="mainSeq">
+                <p:childTnLst>
+                  <p:par>
+                    <p:cTn id="3" fill="hold">
+                      <p:stCondLst>
+                        <p:cond delay="indefinite"/>
+                      </p:stCondLst>
+                      <p:childTnLst>
+                        <p:par>
+                          <p:cTn id="4" fill="hold">
+                            <p:stCondLst>
+                              <p:cond delay="0"/>
+                            </p:stCondLst>
+                            <p:childTnLst>
+                              <p:par>
+                                <p:cTn id="5" presetID="1" presetClass="entr" presetSubtype="0" fill="hold" nodeType="clickEffect">
+                                  <p:stCondLst>
+                                    <p:cond delay="0"/>
+                                  </p:stCondLst>
+                                  <p:childTnLst>
+                                    <p:set>
+                                      <p:cBhvr>
+                                        <p:cTn id="6" dur="1" fill="hold">
+                                          <p:stCondLst>
+                                            <p:cond delay="0"/>
+                                          </p:stCondLst>
+                                        </p:cTn>
+                                        <p:tgtEl>
+                                          <p:spTgt spid="3">
+                                            <p:txEl>
+                                              <p:pRg st="1" end="1"/>
+                                            </p:txEl>
+                                          </p:spTgt>
+                                        </p:tgtEl>
+                                        <p:attrNameLst>
+                                          <p:attrName>style.visibility</p:attrName>
+                                        </p:attrNameLst>
+                                      </p:cBhvr>
+                                      <p:to>
+                                        <p:strVal val="visible"/>
+                                      </p:to>
+                                    </p:set>
+                                  </p:childTnLst>
+                                </p:cTn>
+                              </p:par>
+                              <p:par>
+                                <p:cTn id="7" presetID="1" presetClass="entr" presetSubtype="0" fill="hold" nodeType="withEffect">
+                                  <p:stCondLst>
+                                    <p:cond delay="0"/>
+                                  </p:stCondLst>
+                                  <p:childTnLst>
+                                    <p:set>
+                                      <p:cBhvr>
+                                        <p:cTn id="8" dur="1" fill="hold">
+                                          <p:stCondLst>
+                                            <p:cond delay="0"/>
+                                          </p:stCondLst>
+                                        </p:cTn>
+                                        <p:tgtEl>
+                                          <p:spTgt spid="3">
+                                            <p:txEl>
+                                              <p:pRg st="2" end="2"/>
+                                            </p:txEl>
+                                          </p:spTgt>
+                                        </p:tgtEl>
+                                        <p:attrNameLst>
+                                          <p:attrName>style.visibility</p:attrName>
+                                        </p:attrNameLst>
+                                      </p:cBhvr>
+                                      <p:to>
+                                        <p:strVal val="visible"/>
+                                      </p:to>
+                                    </p:set>
+                                  </p:childTnLst>
+                                </p:cTn>
+                              </p:par>
+                              <p:par>
+                                <p:cTn id="9" presetID="1" presetClass="entr" presetSubtype="0" fill="hold" nodeType="withEffect">
+                                  <p:stCondLst>
+                                    <p:cond delay="0"/>
+                                  </p:stCondLst>
+                                  <p:childTnLst>
+                                    <p:set>
+                                      <p:cBhvr>
+                                        <p:cTn id="10" dur="1" fill="hold">
+                                          <p:stCondLst>
+                                            <p:cond delay="0"/>
+                                          </p:stCondLst>
+                                        </p:cTn>
+                                        <p:tgtEl>
+                                          <p:spTgt spid="3">
+                                            <p:txEl>
+                                              <p:pRg st="3" end="3"/>
+                                            </p:txEl>
+                                          </p:spTgt>
+                                        </p:tgtEl>
+                                        <p:attrNameLst>
+                                          <p:attrName>style.visibility</p:attrName>
+                                        </p:attrNameLst>
+                                      </p:cBhvr>
+                                      <p:to>
+                                        <p:strVal val="visible"/>
+                                      </p:to>
+                                    </p:set>
+                                  </p:childTnLst>
+                                </p:cTn>
+                              </p:par>
+                              <p:par>
+                                <p:cTn id="11" presetID="1" presetClass="entr" presetSubtype="0" fill="hold" nodeType="withEffect">
+                                  <p:stCondLst>
+                                    <p:cond delay="0"/>
+                                  </p:stCondLst>
+                                  <p:childTnLst>
+                                    <p:set>
+                                      <p:cBhvr>
+                                        <p:cTn id="12" dur="1" fill="hold">
+                                          <p:stCondLst>
+                                            <p:cond delay="0"/>
+                                          </p:stCondLst>
+                                        </p:cTn>
+                                        <p:tgtEl>
+                                          <p:spTgt spid="3">
+                                            <p:txEl>
+                                              <p:pRg st="4" end="4"/>
+                                            </p:txEl>
+                                          </p:spTgt>
+                                        </p:tgtEl>
+                                        <p:attrNameLst>
+                                          <p:attrName>style.visibility</p:attrName>
+                                        </p:attrNameLst>
+                                      </p:cBhvr>
+                                      <p:to>
+                                        <p:strVal val="visible"/>
+                                      </p:to>
+                                    </p:set>
+                                  </p:childTnLst>
+                                </p:cTn>
+                              </p:par>
+                              <p:par>
+                                <p:cTn id="13" presetID="1" presetClass="entr" presetSubtype="0" fill="hold" nodeType="withEffect">
+                                  <p:stCondLst>
+                                    <p:cond delay="0"/>
+                                  </p:stCondLst>
+                                  <p:childTnLst>
+                                    <p:set>
+                                      <p:cBhvr>
+                                        <p:cTn id="14" dur="1" fill="hold">
+                                          <p:stCondLst>
+                                            <p:cond delay="0"/>
+                                          </p:stCondLst>
+                                        </p:cTn>
+                                        <p:tgtEl>
+                                          <p:spTgt spid="3">
+                                            <p:txEl>
+                                              <p:pRg st="5" end="5"/>
+                                            </p:txEl>
+                                          </p:spTgt>
+                                        </p:tgtEl>
+                                        <p:attrNameLst>
+                                          <p:attrName>style.visibility</p:attrName>
+                                        </p:attrNameLst>
+                                      </p:cBhvr>
+                                      <p:to>
+                                        <p:strVal val="visible"/>
+                                      </p:to>
+                                    </p:set>
+                                  </p:childTnLst>
+                                </p:cTn>
+                              </p:par>
+                            </p:childTnLst>
+                          </p:cTn>
+                        </p:par>
+                      </p:childTnLst>
+                    </p:cTn>
+                  </p:par>
+                </p:childTnLst>
+              </p:cTn>
+              <p:prevCondLst>
+                <p:cond evt="onPrev" delay="0">
+                  <p:tgtEl>
+                    <p:sldTgt/>
+                  </p:tgtEl>
+                </p:cond>
+              </p:prevCondLst>
+              <p:nextCondLst>
+                <p:cond evt="onNext" delay="0">
+                  <p:tgtEl>
+                    <p:sldTgt/>
+                  </p:tgtEl>
+                </p:cond>
+              </p:nextCondLst>
+            </p:seq>
+          </p:childTnLst>
+        </p:cTn>
+      </p:par>
+    </p:tnLst>
+  </p:timing>
 </p:sld>
 </file>
 
@@ -16279,23 +18447,7 @@
             </a:pPr>
             <a:r>
               <a:rPr lang="en-US" b="1" dirty="0" smtClean="0"/>
-              <a:t>If we ever have a business idea and need a </a:t>
-            </a:r>
-            <a:r>
-              <a:rPr lang="en-US" b="1" dirty="0" smtClean="0"/>
-              <a:t>web sho</a:t>
-            </a:r>
-            <a:r>
-              <a:rPr lang="en-US" b="1" dirty="0" smtClean="0"/>
-              <a:t>p</a:t>
-            </a:r>
-            <a:r>
-              <a:rPr lang="en-US" b="1" dirty="0" smtClean="0"/>
-              <a:t>, </a:t>
-            </a:r>
-            <a:r>
-              <a:rPr lang="en-US" b="1" dirty="0" smtClean="0"/>
-              <a:t>we will entrust the programming to an external company…</a:t>
+              <a:t>If we ever have a business idea and need a web shop, we will entrust the programming to an external company…</a:t>
             </a:r>
           </a:p>
           <a:p>
@@ -16524,21 +18676,13 @@
           <a:p>
             <a:r>
               <a:rPr lang="en-US" dirty="0" smtClean="0"/>
-              <a:t>HTML template saves you a lot of </a:t>
+              <a:t>HTML template saves you a lot of time</a:t>
             </a:r>
+          </a:p>
+          <a:p>
             <a:r>
               <a:rPr lang="en-US" dirty="0" smtClean="0"/>
-              <a:t>time</a:t>
-            </a:r>
-          </a:p>
-          <a:p>
-            <a:r>
-              <a:rPr lang="en-US" dirty="0" smtClean="0"/>
-              <a:t>evaluate usage of </a:t>
-            </a:r>
-            <a:r>
-              <a:rPr lang="en-US" dirty="0" smtClean="0"/>
-              <a:t>frameworks</a:t>
+              <a:t>evaluate usage of frameworks</a:t>
             </a:r>
           </a:p>
           <a:p>
@@ -16581,6 +18725,134 @@
   <p:clrMapOvr>
     <a:masterClrMapping/>
   </p:clrMapOvr>
+  <p:timing>
+    <p:tnLst>
+      <p:par>
+        <p:cTn xmlns:p14="http://schemas.microsoft.com/office/powerpoint/2010/main" id="1" dur="indefinite" restart="never" nodeType="tmRoot">
+          <p:childTnLst>
+            <p:seq concurrent="1" nextAc="seek">
+              <p:cTn id="2" dur="indefinite" nodeType="mainSeq">
+                <p:childTnLst>
+                  <p:par>
+                    <p:cTn id="3" fill="hold">
+                      <p:stCondLst>
+                        <p:cond delay="indefinite"/>
+                      </p:stCondLst>
+                      <p:childTnLst>
+                        <p:par>
+                          <p:cTn id="4" fill="hold">
+                            <p:stCondLst>
+                              <p:cond delay="0"/>
+                            </p:stCondLst>
+                            <p:childTnLst>
+                              <p:par>
+                                <p:cTn id="5" presetID="1" presetClass="entr" presetSubtype="0" fill="hold" grpId="0" nodeType="clickEffect">
+                                  <p:stCondLst>
+                                    <p:cond delay="0"/>
+                                  </p:stCondLst>
+                                  <p:childTnLst>
+                                    <p:set>
+                                      <p:cBhvr>
+                                        <p:cTn id="6" dur="1" fill="hold">
+                                          <p:stCondLst>
+                                            <p:cond delay="0"/>
+                                          </p:stCondLst>
+                                        </p:cTn>
+                                        <p:tgtEl>
+                                          <p:spTgt spid="2">
+                                            <p:txEl>
+                                              <p:pRg st="0" end="0"/>
+                                            </p:txEl>
+                                          </p:spTgt>
+                                        </p:tgtEl>
+                                        <p:attrNameLst>
+                                          <p:attrName>style.visibility</p:attrName>
+                                        </p:attrNameLst>
+                                      </p:cBhvr>
+                                      <p:to>
+                                        <p:strVal val="visible"/>
+                                      </p:to>
+                                    </p:set>
+                                  </p:childTnLst>
+                                </p:cTn>
+                              </p:par>
+                            </p:childTnLst>
+                          </p:cTn>
+                        </p:par>
+                      </p:childTnLst>
+                    </p:cTn>
+                  </p:par>
+                  <p:par>
+                    <p:cTn id="7" fill="hold">
+                      <p:stCondLst>
+                        <p:cond delay="indefinite"/>
+                      </p:stCondLst>
+                      <p:childTnLst>
+                        <p:par>
+                          <p:cTn id="8" fill="hold">
+                            <p:stCondLst>
+                              <p:cond delay="0"/>
+                            </p:stCondLst>
+                            <p:childTnLst>
+                              <p:par>
+                                <p:cTn id="9" presetID="1" presetClass="entr" presetSubtype="0" fill="hold" grpId="0" nodeType="clickEffect">
+                                  <p:stCondLst>
+                                    <p:cond delay="0"/>
+                                  </p:stCondLst>
+                                  <p:childTnLst>
+                                    <p:set>
+                                      <p:cBhvr>
+                                        <p:cTn id="10" dur="1" fill="hold">
+                                          <p:stCondLst>
+                                            <p:cond delay="0"/>
+                                          </p:stCondLst>
+                                        </p:cTn>
+                                        <p:tgtEl>
+                                          <p:spTgt spid="5"/>
+                                        </p:tgtEl>
+                                        <p:attrNameLst>
+                                          <p:attrName>style.visibility</p:attrName>
+                                        </p:attrNameLst>
+                                      </p:cBhvr>
+                                      <p:to>
+                                        <p:strVal val="visible"/>
+                                      </p:to>
+                                    </p:set>
+                                  </p:childTnLst>
+                                </p:cTn>
+                              </p:par>
+                            </p:childTnLst>
+                          </p:cTn>
+                        </p:par>
+                      </p:childTnLst>
+                    </p:cTn>
+                  </p:par>
+                </p:childTnLst>
+              </p:cTn>
+              <p:prevCondLst>
+                <p:cond evt="onPrev" delay="0">
+                  <p:tgtEl>
+                    <p:sldTgt/>
+                  </p:tgtEl>
+                </p:cond>
+              </p:prevCondLst>
+              <p:nextCondLst>
+                <p:cond evt="onNext" delay="0">
+                  <p:tgtEl>
+                    <p:sldTgt/>
+                  </p:tgtEl>
+                </p:cond>
+              </p:nextCondLst>
+            </p:seq>
+          </p:childTnLst>
+        </p:cTn>
+      </p:par>
+    </p:tnLst>
+    <p:bldLst>
+      <p:bldP spid="2" grpId="0" build="p"/>
+      <p:bldP spid="5" grpId="0"/>
+    </p:bldLst>
+  </p:timing>
 </p:sld>
 </file>
 
